--- a/BidimensionalConvolution_NEW.pptx
+++ b/BidimensionalConvolution_NEW.pptx
@@ -5,18 +5,19 @@
     <p:sldMasterId id="2147483648" r:id="rId1"/>
   </p:sldMasterIdLst>
   <p:notesMasterIdLst>
-    <p:notesMasterId r:id="rId11"/>
+    <p:notesMasterId r:id="rId12"/>
   </p:notesMasterIdLst>
   <p:sldIdLst>
     <p:sldId id="286" r:id="rId2"/>
     <p:sldId id="285" r:id="rId3"/>
     <p:sldId id="287" r:id="rId4"/>
-    <p:sldId id="288" r:id="rId5"/>
-    <p:sldId id="289" r:id="rId6"/>
-    <p:sldId id="291" r:id="rId7"/>
-    <p:sldId id="290" r:id="rId8"/>
-    <p:sldId id="258" r:id="rId9"/>
-    <p:sldId id="260" r:id="rId10"/>
+    <p:sldId id="289" r:id="rId5"/>
+    <p:sldId id="293" r:id="rId6"/>
+    <p:sldId id="290" r:id="rId7"/>
+    <p:sldId id="292" r:id="rId8"/>
+    <p:sldId id="291" r:id="rId9"/>
+    <p:sldId id="258" r:id="rId10"/>
+    <p:sldId id="260" r:id="rId11"/>
   </p:sldIdLst>
   <p:sldSz cx="12192000" cy="6858000"/>
   <p:notesSz cx="6858000" cy="9144000"/>
@@ -205,7 +206,7 @@
           <a:p>
             <a:fld id="{BF262B25-06AB-45EA-AE8A-46B09F09FE54}" type="datetimeFigureOut">
               <a:rPr lang="it-IT" smtClean="0"/>
-              <a:t>08/05/2025</a:t>
+              <a:t>09/05/2025</a:t>
             </a:fld>
             <a:endParaRPr lang="it-IT"/>
           </a:p>
@@ -684,84 +685,6 @@
           <a:bodyPr/>
           <a:lstStyle/>
           <a:p>
-            <a:r>
-              <a:rPr lang="en-US" dirty="0"/>
-              <a:t>Each pixel in the map guides the filter behavior:</a:t>
-            </a:r>
-          </a:p>
-          <a:p>
-            <a:pPr>
-              <a:buFont typeface="Arial" panose="020B0604020202020204" pitchFamily="34" charset="0"/>
-              <a:buChar char="•"/>
-            </a:pPr>
-            <a:r>
-              <a:rPr lang="en-US" dirty="0"/>
-              <a:t>0 (black): leave pixel </a:t>
-            </a:r>
-            <a:r>
-              <a:rPr lang="en-US" b="1" dirty="0"/>
-              <a:t>unchanged</a:t>
-            </a:r>
-            <a:r>
-              <a:rPr lang="en-US" dirty="0"/>
-              <a:t>.</a:t>
-            </a:r>
-          </a:p>
-          <a:p>
-            <a:pPr>
-              <a:buFont typeface="Arial" panose="020B0604020202020204" pitchFamily="34" charset="0"/>
-              <a:buChar char="•"/>
-            </a:pPr>
-            <a:r>
-              <a:rPr lang="en-US" dirty="0"/>
-              <a:t>127 (gray): apply </a:t>
-            </a:r>
-            <a:r>
-              <a:rPr lang="en-US" b="1" dirty="0"/>
-              <a:t>Gaussian blur</a:t>
-            </a:r>
-            <a:r>
-              <a:rPr lang="en-US" dirty="0"/>
-              <a:t>, keep brightness.</a:t>
-            </a:r>
-          </a:p>
-          <a:p>
-            <a:pPr>
-              <a:buFont typeface="Arial" panose="020B0604020202020204" pitchFamily="34" charset="0"/>
-              <a:buChar char="•"/>
-            </a:pPr>
-            <a:r>
-              <a:rPr lang="en-US" dirty="0"/>
-              <a:t>255 (white): apply blur, </a:t>
-            </a:r>
-            <a:r>
-              <a:rPr lang="en-US" b="1" dirty="0"/>
-              <a:t>reduce brightness</a:t>
-            </a:r>
-            <a:r>
-              <a:rPr lang="en-US" dirty="0"/>
-              <a:t>.</a:t>
-            </a:r>
-          </a:p>
-          <a:p>
-            <a:pPr>
-              <a:buFont typeface="Arial" panose="020B0604020202020204" pitchFamily="34" charset="0"/>
-              <a:buChar char="•"/>
-            </a:pPr>
-            <a:r>
-              <a:rPr lang="en-US" dirty="0"/>
-              <a:t>&gt; 0 and &lt; 127 (dark gray): apply blur, </a:t>
-            </a:r>
-            <a:r>
-              <a:rPr lang="en-US" b="1" dirty="0"/>
-              <a:t>increase brightness</a:t>
-            </a:r>
-            <a:r>
-              <a:rPr lang="en-US" dirty="0"/>
-              <a:t>.</a:t>
-            </a:r>
-          </a:p>
-          <a:p>
             <a:endParaRPr lang="en-US" dirty="0"/>
           </a:p>
         </p:txBody>
@@ -792,7 +715,7 @@
     </p:spTree>
     <p:extLst>
       <p:ext uri="{BB962C8B-B14F-4D97-AF65-F5344CB8AC3E}">
-        <p14:creationId xmlns:p14="http://schemas.microsoft.com/office/powerpoint/2010/main" val="1427043089"/>
+        <p14:creationId xmlns:p14="http://schemas.microsoft.com/office/powerpoint/2010/main" val="1588757613"/>
       </p:ext>
     </p:extLst>
   </p:cSld>
@@ -876,7 +799,7 @@
     </p:spTree>
     <p:extLst>
       <p:ext uri="{BB962C8B-B14F-4D97-AF65-F5344CB8AC3E}">
-        <p14:creationId xmlns:p14="http://schemas.microsoft.com/office/powerpoint/2010/main" val="1588757613"/>
+        <p14:creationId xmlns:p14="http://schemas.microsoft.com/office/powerpoint/2010/main" val="2883156471"/>
       </p:ext>
     </p:extLst>
   </p:cSld>
@@ -960,7 +883,7 @@
     </p:spTree>
     <p:extLst>
       <p:ext uri="{BB962C8B-B14F-4D97-AF65-F5344CB8AC3E}">
-        <p14:creationId xmlns:p14="http://schemas.microsoft.com/office/powerpoint/2010/main" val="2430049772"/>
+        <p14:creationId xmlns:p14="http://schemas.microsoft.com/office/powerpoint/2010/main" val="214204348"/>
       </p:ext>
     </p:extLst>
   </p:cSld>
@@ -1044,7 +967,91 @@
     </p:spTree>
     <p:extLst>
       <p:ext uri="{BB962C8B-B14F-4D97-AF65-F5344CB8AC3E}">
-        <p14:creationId xmlns:p14="http://schemas.microsoft.com/office/powerpoint/2010/main" val="214204348"/>
+        <p14:creationId xmlns:p14="http://schemas.microsoft.com/office/powerpoint/2010/main" val="1704445017"/>
+      </p:ext>
+    </p:extLst>
+  </p:cSld>
+  <p:clrMapOvr>
+    <a:masterClrMapping/>
+  </p:clrMapOvr>
+</p:notes>
+</file>
+
+<file path=ppt/notesSlides/notesSlide7.xml><?xml version="1.0" encoding="utf-8"?>
+<p:notes xmlns:a="http://schemas.openxmlformats.org/drawingml/2006/main" xmlns:r="http://schemas.openxmlformats.org/officeDocument/2006/relationships" xmlns:p="http://schemas.openxmlformats.org/presentationml/2006/main">
+  <p:cSld>
+    <p:spTree>
+      <p:nvGrpSpPr>
+        <p:cNvPr id="1" name=""/>
+        <p:cNvGrpSpPr/>
+        <p:nvPr/>
+      </p:nvGrpSpPr>
+      <p:grpSpPr>
+        <a:xfrm>
+          <a:off x="0" y="0"/>
+          <a:ext cx="0" cy="0"/>
+          <a:chOff x="0" y="0"/>
+          <a:chExt cx="0" cy="0"/>
+        </a:xfrm>
+      </p:grpSpPr>
+      <p:sp>
+        <p:nvSpPr>
+          <p:cNvPr id="2" name="Segnaposto immagine diapositiva 1"/>
+          <p:cNvSpPr>
+            <a:spLocks noGrp="1" noRot="1" noChangeAspect="1"/>
+          </p:cNvSpPr>
+          <p:nvPr>
+            <p:ph type="sldImg"/>
+          </p:nvPr>
+        </p:nvSpPr>
+        <p:spPr/>
+      </p:sp>
+      <p:sp>
+        <p:nvSpPr>
+          <p:cNvPr id="3" name="Segnaposto note 2"/>
+          <p:cNvSpPr>
+            <a:spLocks noGrp="1"/>
+          </p:cNvSpPr>
+          <p:nvPr>
+            <p:ph type="body" idx="1"/>
+          </p:nvPr>
+        </p:nvSpPr>
+        <p:spPr/>
+        <p:txBody>
+          <a:bodyPr/>
+          <a:lstStyle/>
+          <a:p>
+            <a:endParaRPr lang="it-IT" dirty="0"/>
+          </a:p>
+        </p:txBody>
+      </p:sp>
+      <p:sp>
+        <p:nvSpPr>
+          <p:cNvPr id="4" name="Segnaposto numero diapositiva 3"/>
+          <p:cNvSpPr>
+            <a:spLocks noGrp="1"/>
+          </p:cNvSpPr>
+          <p:nvPr>
+            <p:ph type="sldNum" sz="quarter" idx="5"/>
+          </p:nvPr>
+        </p:nvSpPr>
+        <p:spPr/>
+        <p:txBody>
+          <a:bodyPr/>
+          <a:lstStyle/>
+          <a:p>
+            <a:fld id="{FD07AAF2-D9B8-4697-A36C-9B5DBB9D0C6E}" type="slidenum">
+              <a:rPr lang="it-IT" smtClean="0"/>
+              <a:t>8</a:t>
+            </a:fld>
+            <a:endParaRPr lang="it-IT"/>
+          </a:p>
+        </p:txBody>
+      </p:sp>
+    </p:spTree>
+    <p:extLst>
+      <p:ext uri="{BB962C8B-B14F-4D97-AF65-F5344CB8AC3E}">
+        <p14:creationId xmlns:p14="http://schemas.microsoft.com/office/powerpoint/2010/main" val="2430049772"/>
       </p:ext>
     </p:extLst>
   </p:cSld>
@@ -1201,7 +1208,7 @@
           <a:p>
             <a:fld id="{AD732C00-6103-468E-A411-B25F54D2EB90}" type="datetime1">
               <a:rPr lang="it-IT" smtClean="0"/>
-              <a:t>08/05/2025</a:t>
+              <a:t>09/05/2025</a:t>
             </a:fld>
             <a:endParaRPr lang="it-IT"/>
           </a:p>
@@ -1402,7 +1409,7 @@
           <a:p>
             <a:fld id="{66DBBF04-99E9-4DA4-886B-A8B6BCEF9DD1}" type="datetime1">
               <a:rPr lang="it-IT" smtClean="0"/>
-              <a:t>08/05/2025</a:t>
+              <a:t>09/05/2025</a:t>
             </a:fld>
             <a:endParaRPr lang="it-IT"/>
           </a:p>
@@ -1613,7 +1620,7 @@
           <a:p>
             <a:fld id="{013DFE74-D2B1-4E21-B7D0-8B0D7470701C}" type="datetime1">
               <a:rPr lang="it-IT" smtClean="0"/>
-              <a:t>08/05/2025</a:t>
+              <a:t>09/05/2025</a:t>
             </a:fld>
             <a:endParaRPr lang="it-IT"/>
           </a:p>
@@ -1814,7 +1821,7 @@
           <a:p>
             <a:fld id="{D0981D39-5464-49D3-A6DA-F1E750E3B350}" type="datetime1">
               <a:rPr lang="it-IT" smtClean="0"/>
-              <a:t>08/05/2025</a:t>
+              <a:t>09/05/2025</a:t>
             </a:fld>
             <a:endParaRPr lang="it-IT"/>
           </a:p>
@@ -2092,7 +2099,7 @@
           <a:p>
             <a:fld id="{9544C97F-201C-439A-91E1-2103A0C01E51}" type="datetime1">
               <a:rPr lang="it-IT" smtClean="0"/>
-              <a:t>08/05/2025</a:t>
+              <a:t>09/05/2025</a:t>
             </a:fld>
             <a:endParaRPr lang="it-IT"/>
           </a:p>
@@ -2360,7 +2367,7 @@
           <a:p>
             <a:fld id="{99066263-3063-44DE-B09B-3B5B9BFC0008}" type="datetime1">
               <a:rPr lang="it-IT" smtClean="0"/>
-              <a:t>08/05/2025</a:t>
+              <a:t>09/05/2025</a:t>
             </a:fld>
             <a:endParaRPr lang="it-IT"/>
           </a:p>
@@ -2775,7 +2782,7 @@
           <a:p>
             <a:fld id="{05A219BA-A835-43AD-A0F3-5BF958406EBA}" type="datetime1">
               <a:rPr lang="it-IT" smtClean="0"/>
-              <a:t>08/05/2025</a:t>
+              <a:t>09/05/2025</a:t>
             </a:fld>
             <a:endParaRPr lang="it-IT"/>
           </a:p>
@@ -2919,7 +2926,7 @@
           <a:p>
             <a:fld id="{F608B77A-1806-47B7-8D9F-5BDE60713236}" type="datetime1">
               <a:rPr lang="it-IT" smtClean="0"/>
-              <a:t>08/05/2025</a:t>
+              <a:t>09/05/2025</a:t>
             </a:fld>
             <a:endParaRPr lang="it-IT"/>
           </a:p>
@@ -3035,7 +3042,7 @@
           <a:p>
             <a:fld id="{CD773FC2-1618-44C5-B8EB-4C5C277ABEAF}" type="datetime1">
               <a:rPr lang="it-IT" smtClean="0"/>
-              <a:t>08/05/2025</a:t>
+              <a:t>09/05/2025</a:t>
             </a:fld>
             <a:endParaRPr lang="it-IT"/>
           </a:p>
@@ -3349,7 +3356,7 @@
           <a:p>
             <a:fld id="{F1586FEB-A492-470B-8127-28242EEF70D1}" type="datetime1">
               <a:rPr lang="it-IT" smtClean="0"/>
-              <a:t>08/05/2025</a:t>
+              <a:t>09/05/2025</a:t>
             </a:fld>
             <a:endParaRPr lang="it-IT"/>
           </a:p>
@@ -3640,7 +3647,7 @@
           <a:p>
             <a:fld id="{6B618F32-9C5C-48EF-A99A-613B7132F81E}" type="datetime1">
               <a:rPr lang="it-IT" smtClean="0"/>
-              <a:t>08/05/2025</a:t>
+              <a:t>09/05/2025</a:t>
             </a:fld>
             <a:endParaRPr lang="it-IT"/>
           </a:p>
@@ -3884,7 +3891,7 @@
           <a:p>
             <a:fld id="{0D4FBE6A-4113-4178-8339-88291E942827}" type="datetime1">
               <a:rPr lang="it-IT" smtClean="0"/>
-              <a:t>08/05/2025</a:t>
+              <a:t>09/05/2025</a:t>
             </a:fld>
             <a:endParaRPr lang="it-IT"/>
           </a:p>
@@ -4758,7 +4765,7 @@
 </p:sld>
 </file>
 
-<file path=ppt/slides/slide2.xml><?xml version="1.0" encoding="utf-8"?>
+<file path=ppt/slides/slide10.xml><?xml version="1.0" encoding="utf-8"?>
 <p:sld xmlns:a="http://schemas.openxmlformats.org/drawingml/2006/main" xmlns:r="http://schemas.openxmlformats.org/officeDocument/2006/relationships" xmlns:p="http://schemas.openxmlformats.org/presentationml/2006/main">
   <p:cSld>
     <p:spTree>
@@ -4997,42 +5004,6 @@
           </a:p>
         </p:txBody>
       </p:sp>
-      <p:sp>
-        <p:nvSpPr>
-          <p:cNvPr id="14" name="CasellaDiTesto 13">
-            <a:extLst>
-              <a:ext uri="{FF2B5EF4-FFF2-40B4-BE49-F238E27FC236}">
-                <a16:creationId xmlns:a16="http://schemas.microsoft.com/office/drawing/2014/main" id="{139906C6-3D94-414E-99D1-BBC80DE39511}"/>
-              </a:ext>
-            </a:extLst>
-          </p:cNvPr>
-          <p:cNvSpPr txBox="1"/>
-          <p:nvPr/>
-        </p:nvSpPr>
-        <p:spPr>
-          <a:xfrm>
-            <a:off x="330375" y="231466"/>
-            <a:ext cx="2477730" cy="646331"/>
-          </a:xfrm>
-          <a:prstGeom prst="rect">
-            <a:avLst/>
-          </a:prstGeom>
-          <a:noFill/>
-        </p:spPr>
-        <p:txBody>
-          <a:bodyPr wrap="none" rtlCol="0">
-            <a:spAutoFit/>
-          </a:bodyPr>
-          <a:lstStyle/>
-          <a:p>
-            <a:r>
-              <a:rPr lang="en-US" sz="3600" b="1" dirty="0"/>
-              <a:t>Project Idea</a:t>
-            </a:r>
-            <a:endParaRPr lang="it-IT" sz="2400" dirty="0"/>
-          </a:p>
-        </p:txBody>
-      </p:sp>
       <p:pic>
         <p:nvPicPr>
           <p:cNvPr id="15" name="Elemento grafico 14">
@@ -5048,13 +5019,13 @@
           <p:nvPr/>
         </p:nvPicPr>
         <p:blipFill>
-          <a:blip r:embed="rId3">
+          <a:blip r:embed="rId2">
             <a:extLst>
               <a:ext uri="{28A0092B-C50C-407E-A947-70E740481C1C}">
                 <a14:useLocalDpi xmlns:a14="http://schemas.microsoft.com/office/drawing/2010/main" val="0"/>
               </a:ext>
               <a:ext uri="{96DAC541-7B7A-43D3-8B79-37D633B846F1}">
-                <asvg:svgBlip xmlns:asvg="http://schemas.microsoft.com/office/drawing/2016/SVG/main" r:embed="rId4"/>
+                <asvg:svgBlip xmlns:asvg="http://schemas.microsoft.com/office/drawing/2016/SVG/main" r:embed="rId3"/>
               </a:ext>
             </a:extLst>
           </a:blip>
@@ -5074,10 +5045,10 @@
       </p:pic>
       <p:sp>
         <p:nvSpPr>
-          <p:cNvPr id="17" name="CasellaDiTesto 16">
-            <a:extLst>
-              <a:ext uri="{FF2B5EF4-FFF2-40B4-BE49-F238E27FC236}">
-                <a16:creationId xmlns:a16="http://schemas.microsoft.com/office/drawing/2014/main" id="{42596F12-8A2C-4B14-9F9F-2AF5056C0CC6}"/>
+          <p:cNvPr id="10" name="CasellaDiTesto 9">
+            <a:extLst>
+              <a:ext uri="{FF2B5EF4-FFF2-40B4-BE49-F238E27FC236}">
+                <a16:creationId xmlns:a16="http://schemas.microsoft.com/office/drawing/2014/main" id="{9A1699D1-9425-4B7D-A4BF-16E41F08BDF7}"/>
               </a:ext>
             </a:extLst>
           </p:cNvPr>
@@ -5086,8 +5057,8 @@
         </p:nvSpPr>
         <p:spPr>
           <a:xfrm>
-            <a:off x="487988" y="2136338"/>
-            <a:ext cx="5193394" cy="2585323"/>
+            <a:off x="330375" y="231466"/>
+            <a:ext cx="4862998" cy="646331"/>
           </a:xfrm>
           <a:prstGeom prst="rect">
             <a:avLst/>
@@ -5095,275 +5066,22 @@
           <a:noFill/>
         </p:spPr>
         <p:txBody>
-          <a:bodyPr wrap="square" rtlCol="0">
+          <a:bodyPr wrap="none" rtlCol="0">
             <a:spAutoFit/>
           </a:bodyPr>
           <a:lstStyle/>
           <a:p>
-            <a:pPr marL="285750" indent="-285750">
-              <a:buFont typeface="Arial" panose="020B0604020202020204" pitchFamily="34" charset="0"/>
-              <a:buChar char="•"/>
-            </a:pPr>
-            <a:r>
-              <a:rPr lang="en-US" dirty="0"/>
-              <a:t>Apply a Gaussian blur to an image </a:t>
-            </a:r>
-            <a:r>
-              <a:rPr lang="en-US" b="1" dirty="0"/>
-              <a:t>based on a control map</a:t>
-            </a:r>
-            <a:endParaRPr lang="en-US" dirty="0"/>
-          </a:p>
-          <a:p>
-            <a:endParaRPr lang="en-US" dirty="0"/>
-          </a:p>
-          <a:p>
-            <a:pPr marL="285750" indent="-285750">
-              <a:buFont typeface="Arial" panose="020B0604020202020204" pitchFamily="34" charset="0"/>
-              <a:buChar char="•"/>
-            </a:pPr>
-            <a:r>
-              <a:rPr lang="en-US" dirty="0"/>
-              <a:t>Blur only selected areas of the image and </a:t>
-            </a:r>
-            <a:r>
-              <a:rPr lang="en-US" b="1" dirty="0"/>
-              <a:t>modulate brightness</a:t>
-            </a:r>
-            <a:r>
-              <a:rPr lang="en-US" dirty="0"/>
-              <a:t> depending on pixel values in the map</a:t>
-            </a:r>
-          </a:p>
-          <a:p>
-            <a:endParaRPr lang="en-US" dirty="0"/>
-          </a:p>
-          <a:p>
-            <a:pPr marL="285750" indent="-285750">
-              <a:buFont typeface="Arial" panose="020B0604020202020204" pitchFamily="34" charset="0"/>
-              <a:buChar char="•"/>
-            </a:pPr>
-            <a:r>
-              <a:rPr lang="en-US" b="1" dirty="0"/>
-              <a:t>Goal</a:t>
-            </a:r>
-            <a:r>
-              <a:rPr lang="en-US" dirty="0"/>
-              <a:t>: create a </a:t>
-            </a:r>
-            <a:r>
-              <a:rPr lang="en-US" b="1" dirty="0"/>
-              <a:t>selective blur effect</a:t>
-            </a:r>
-            <a:r>
-              <a:rPr lang="en-US" dirty="0"/>
-              <a:t> using image processing techniques</a:t>
-            </a:r>
-          </a:p>
-        </p:txBody>
-      </p:sp>
-      <p:pic>
-        <p:nvPicPr>
-          <p:cNvPr id="6" name="Immagine 5">
-            <a:extLst>
-              <a:ext uri="{FF2B5EF4-FFF2-40B4-BE49-F238E27FC236}">
-                <a16:creationId xmlns:a16="http://schemas.microsoft.com/office/drawing/2014/main" id="{9B282CC9-1EB2-4616-9A22-FFDB87F64578}"/>
-              </a:ext>
-            </a:extLst>
-          </p:cNvPr>
-          <p:cNvPicPr>
-            <a:picLocks noChangeAspect="1"/>
-          </p:cNvPicPr>
-          <p:nvPr/>
-        </p:nvPicPr>
-        <p:blipFill>
-          <a:blip r:embed="rId5">
-            <a:extLst>
-              <a:ext uri="{28A0092B-C50C-407E-A947-70E740481C1C}">
-                <a14:useLocalDpi xmlns:a14="http://schemas.microsoft.com/office/drawing/2010/main" val="0"/>
-              </a:ext>
-            </a:extLst>
-          </a:blip>
-          <a:stretch>
-            <a:fillRect/>
-          </a:stretch>
-        </p:blipFill>
-        <p:spPr>
-          <a:xfrm>
-            <a:off x="9175973" y="665947"/>
-            <a:ext cx="2036909" cy="2036909"/>
-          </a:xfrm>
-          <a:prstGeom prst="rect">
-            <a:avLst/>
-          </a:prstGeom>
-        </p:spPr>
-      </p:pic>
-      <p:pic>
-        <p:nvPicPr>
-          <p:cNvPr id="10" name="Immagine 9">
-            <a:extLst>
-              <a:ext uri="{FF2B5EF4-FFF2-40B4-BE49-F238E27FC236}">
-                <a16:creationId xmlns:a16="http://schemas.microsoft.com/office/drawing/2014/main" id="{96D69D45-60D9-401F-AC9E-FAB86E9E28B8}"/>
-              </a:ext>
-            </a:extLst>
-          </p:cNvPr>
-          <p:cNvPicPr>
-            <a:picLocks noChangeAspect="1"/>
-          </p:cNvPicPr>
-          <p:nvPr/>
-        </p:nvPicPr>
-        <p:blipFill>
-          <a:blip r:embed="rId6">
-            <a:extLst>
-              <a:ext uri="{28A0092B-C50C-407E-A947-70E740481C1C}">
-                <a14:useLocalDpi xmlns:a14="http://schemas.microsoft.com/office/drawing/2010/main" val="0"/>
-              </a:ext>
-            </a:extLst>
-          </a:blip>
-          <a:srcRect/>
-          <a:stretch/>
-        </p:blipFill>
-        <p:spPr>
-          <a:xfrm>
-            <a:off x="6510620" y="665948"/>
-            <a:ext cx="2036909" cy="2036909"/>
-          </a:xfrm>
-          <a:prstGeom prst="rect">
-            <a:avLst/>
-          </a:prstGeom>
-        </p:spPr>
-      </p:pic>
-      <p:sp>
-        <p:nvSpPr>
-          <p:cNvPr id="19" name="Segno di moltiplicazione 18">
-            <a:extLst>
-              <a:ext uri="{FF2B5EF4-FFF2-40B4-BE49-F238E27FC236}">
-                <a16:creationId xmlns:a16="http://schemas.microsoft.com/office/drawing/2014/main" id="{FDCA0B4F-0FD2-4109-B3AE-B057ACE874D8}"/>
-              </a:ext>
-            </a:extLst>
-          </p:cNvPr>
-          <p:cNvSpPr/>
-          <p:nvPr/>
-        </p:nvSpPr>
-        <p:spPr>
-          <a:xfrm>
-            <a:off x="8707110" y="1573304"/>
-            <a:ext cx="309282" cy="322730"/>
-          </a:xfrm>
-          <a:prstGeom prst="mathMultiply">
-            <a:avLst/>
-          </a:prstGeom>
-        </p:spPr>
-        <p:style>
-          <a:lnRef idx="2">
-            <a:schemeClr val="dk1">
-              <a:shade val="50000"/>
-            </a:schemeClr>
-          </a:lnRef>
-          <a:fillRef idx="1">
-            <a:schemeClr val="dk1"/>
-          </a:fillRef>
-          <a:effectRef idx="0">
-            <a:schemeClr val="dk1"/>
-          </a:effectRef>
-          <a:fontRef idx="minor">
-            <a:schemeClr val="lt1"/>
-          </a:fontRef>
-        </p:style>
-        <p:txBody>
-          <a:bodyPr rtlCol="0" anchor="ctr"/>
-          <a:lstStyle/>
-          <a:p>
-            <a:pPr algn="ctr"/>
-            <a:endParaRPr lang="it-IT"/>
-          </a:p>
-        </p:txBody>
-      </p:sp>
-      <p:sp>
-        <p:nvSpPr>
-          <p:cNvPr id="21" name="Freccia in giù 20">
-            <a:extLst>
-              <a:ext uri="{FF2B5EF4-FFF2-40B4-BE49-F238E27FC236}">
-                <a16:creationId xmlns:a16="http://schemas.microsoft.com/office/drawing/2014/main" id="{3508DA48-9F65-4013-A8D0-137241D22491}"/>
-              </a:ext>
-            </a:extLst>
-          </p:cNvPr>
-          <p:cNvSpPr/>
-          <p:nvPr/>
-        </p:nvSpPr>
-        <p:spPr>
-          <a:xfrm>
-            <a:off x="8707110" y="2897839"/>
-            <a:ext cx="309282" cy="685801"/>
-          </a:xfrm>
-          <a:prstGeom prst="downArrow">
-            <a:avLst/>
-          </a:prstGeom>
-        </p:spPr>
-        <p:style>
-          <a:lnRef idx="2">
-            <a:schemeClr val="dk1">
-              <a:shade val="50000"/>
-            </a:schemeClr>
-          </a:lnRef>
-          <a:fillRef idx="1">
-            <a:schemeClr val="dk1"/>
-          </a:fillRef>
-          <a:effectRef idx="0">
-            <a:schemeClr val="dk1"/>
-          </a:effectRef>
-          <a:fontRef idx="minor">
-            <a:schemeClr val="lt1"/>
-          </a:fontRef>
-        </p:style>
-        <p:txBody>
-          <a:bodyPr rtlCol="0" anchor="ctr"/>
-          <a:lstStyle/>
-          <a:p>
-            <a:pPr algn="ctr"/>
-            <a:endParaRPr lang="it-IT"/>
-          </a:p>
-        </p:txBody>
-      </p:sp>
-      <p:pic>
-        <p:nvPicPr>
-          <p:cNvPr id="23" name="Immagine 22">
-            <a:extLst>
-              <a:ext uri="{FF2B5EF4-FFF2-40B4-BE49-F238E27FC236}">
-                <a16:creationId xmlns:a16="http://schemas.microsoft.com/office/drawing/2014/main" id="{000A269C-353B-410D-B0AF-74C18B9ED8EB}"/>
-              </a:ext>
-            </a:extLst>
-          </p:cNvPr>
-          <p:cNvPicPr>
-            <a:picLocks noChangeAspect="1"/>
-          </p:cNvPicPr>
-          <p:nvPr/>
-        </p:nvPicPr>
-        <p:blipFill>
-          <a:blip r:embed="rId7">
-            <a:extLst>
-              <a:ext uri="{28A0092B-C50C-407E-A947-70E740481C1C}">
-                <a14:useLocalDpi xmlns:a14="http://schemas.microsoft.com/office/drawing/2010/main" val="0"/>
-              </a:ext>
-            </a:extLst>
-          </a:blip>
-          <a:srcRect/>
-          <a:stretch/>
-        </p:blipFill>
-        <p:spPr>
-          <a:xfrm>
-            <a:off x="7843296" y="3783888"/>
-            <a:ext cx="2036909" cy="2036909"/>
-          </a:xfrm>
-          <a:prstGeom prst="rect">
-            <a:avLst/>
-          </a:prstGeom>
-        </p:spPr>
-      </p:pic>
+            <a:r>
+              <a:rPr lang="en-US" sz="3600" b="1" dirty="0"/>
+              <a:t>1st Version Performance</a:t>
+            </a:r>
+          </a:p>
+        </p:txBody>
+      </p:sp>
     </p:spTree>
     <p:extLst>
       <p:ext uri="{BB962C8B-B14F-4D97-AF65-F5344CB8AC3E}">
-        <p14:creationId xmlns:p14="http://schemas.microsoft.com/office/powerpoint/2010/main" val="278767585"/>
+        <p14:creationId xmlns:p14="http://schemas.microsoft.com/office/powerpoint/2010/main" val="924009128"/>
       </p:ext>
     </p:extLst>
   </p:cSld>
@@ -5373,7 +5091,7 @@
 </p:sld>
 </file>
 
-<file path=ppt/slides/slide3.xml><?xml version="1.0" encoding="utf-8"?>
+<file path=ppt/slides/slide2.xml><?xml version="1.0" encoding="utf-8"?>
 <p:sld xmlns:a="http://schemas.openxmlformats.org/drawingml/2006/main" xmlns:r="http://schemas.openxmlformats.org/officeDocument/2006/relationships" xmlns:p="http://schemas.openxmlformats.org/presentationml/2006/main">
   <p:cSld>
     <p:spTree>
@@ -5627,7 +5345,7 @@
         <p:spPr>
           <a:xfrm>
             <a:off x="330375" y="231466"/>
-            <a:ext cx="5331460" cy="646331"/>
+            <a:ext cx="2477730" cy="646331"/>
           </a:xfrm>
           <a:prstGeom prst="rect">
             <a:avLst/>
@@ -5642,7 +5360,7 @@
           <a:p>
             <a:r>
               <a:rPr lang="en-US" sz="3600" b="1" dirty="0"/>
-              <a:t>Input Format: PGM Images</a:t>
+              <a:t>Project Idea</a:t>
             </a:r>
             <a:endParaRPr lang="it-IT" sz="2400" dirty="0"/>
           </a:p>
@@ -5701,8 +5419,8 @@
         </p:nvSpPr>
         <p:spPr>
           <a:xfrm>
-            <a:off x="487988" y="1938862"/>
-            <a:ext cx="5193394" cy="2862322"/>
+            <a:off x="487988" y="1420511"/>
+            <a:ext cx="5193394" cy="1477328"/>
           </a:xfrm>
           <a:prstGeom prst="rect">
             <a:avLst/>
@@ -5721,18 +5439,11 @@
             </a:pPr>
             <a:r>
               <a:rPr lang="en-US" dirty="0"/>
-              <a:t>Input images are in </a:t>
+              <a:t>Blur an image </a:t>
             </a:r>
             <a:r>
               <a:rPr lang="en-US" b="1" dirty="0"/>
-              <a:t>PGM ASCII format </a:t>
-            </a:r>
-            <a:br>
-              <a:rPr lang="en-US" b="1" dirty="0"/>
-            </a:br>
-            <a:r>
-              <a:rPr lang="en-US" b="1" dirty="0"/>
-              <a:t>(Portable Gray Map)</a:t>
+              <a:t>based on a control map</a:t>
             </a:r>
             <a:endParaRPr lang="en-US" dirty="0"/>
           </a:p>
@@ -5745,67 +5456,26 @@
               <a:buChar char="•"/>
             </a:pPr>
             <a:r>
-              <a:rPr lang="it-IT" dirty="0"/>
-              <a:t>Two inputs:</a:t>
-            </a:r>
-          </a:p>
-          <a:p>
-            <a:pPr marL="742950" lvl="1" indent="-285750">
-              <a:buFont typeface="Arial" panose="020B0604020202020204" pitchFamily="34" charset="0"/>
-              <a:buChar char="•"/>
-            </a:pPr>
-            <a:r>
               <a:rPr lang="en-US" dirty="0"/>
-              <a:t>The </a:t>
+              <a:t>Blur only selected areas of the image and </a:t>
             </a:r>
             <a:r>
               <a:rPr lang="en-US" b="1" dirty="0"/>
-              <a:t>main image</a:t>
+              <a:t>modulate brightness</a:t>
             </a:r>
             <a:r>
               <a:rPr lang="en-US" dirty="0"/>
-              <a:t> to be blurred</a:t>
-            </a:r>
-          </a:p>
-          <a:p>
-            <a:pPr marL="742950" lvl="1" indent="-285750">
-              <a:buFont typeface="Arial" panose="020B0604020202020204" pitchFamily="34" charset="0"/>
-              <a:buChar char="•"/>
-            </a:pPr>
-            <a:r>
-              <a:rPr lang="en-US" dirty="0"/>
-              <a:t>A </a:t>
-            </a:r>
-            <a:r>
-              <a:rPr lang="en-US" b="1" dirty="0"/>
-              <a:t>Blur Control Map</a:t>
-            </a:r>
-            <a:r>
-              <a:rPr lang="en-US" dirty="0"/>
-              <a:t> that determines how each pixel is processed</a:t>
-            </a:r>
-          </a:p>
-          <a:p>
-            <a:endParaRPr lang="en-US" dirty="0"/>
-          </a:p>
-          <a:p>
-            <a:pPr marL="285750" indent="-285750">
-              <a:buFont typeface="Arial" panose="020B0604020202020204" pitchFamily="34" charset="0"/>
-              <a:buChar char="•"/>
-            </a:pPr>
-            <a:r>
-              <a:rPr lang="en-US" dirty="0"/>
-              <a:t>Grayscale format: easy to parse and process pixel values directly.</a:t>
+              <a:t> depending on pixel values in the map:</a:t>
             </a:r>
           </a:p>
         </p:txBody>
       </p:sp>
       <p:pic>
         <p:nvPicPr>
-          <p:cNvPr id="4" name="Immagine 3">
-            <a:extLst>
-              <a:ext uri="{FF2B5EF4-FFF2-40B4-BE49-F238E27FC236}">
-                <a16:creationId xmlns:a16="http://schemas.microsoft.com/office/drawing/2014/main" id="{2E7D6280-8155-4F7C-8CFF-6CE6DAC20989}"/>
+          <p:cNvPr id="6" name="Immagine 5">
+            <a:extLst>
+              <a:ext uri="{FF2B5EF4-FFF2-40B4-BE49-F238E27FC236}">
+                <a16:creationId xmlns:a16="http://schemas.microsoft.com/office/drawing/2014/main" id="{9B282CC9-1EB2-4616-9A22-FFDB87F64578}"/>
               </a:ext>
             </a:extLst>
           </p:cNvPr>
@@ -5828,18 +5498,776 @@
         </p:blipFill>
         <p:spPr>
           <a:xfrm>
-            <a:off x="7154558" y="1350645"/>
-            <a:ext cx="4058324" cy="3998415"/>
+            <a:off x="9175973" y="665947"/>
+            <a:ext cx="2036909" cy="2036909"/>
           </a:xfrm>
           <a:prstGeom prst="rect">
             <a:avLst/>
           </a:prstGeom>
         </p:spPr>
       </p:pic>
+      <p:pic>
+        <p:nvPicPr>
+          <p:cNvPr id="10" name="Immagine 9">
+            <a:extLst>
+              <a:ext uri="{FF2B5EF4-FFF2-40B4-BE49-F238E27FC236}">
+                <a16:creationId xmlns:a16="http://schemas.microsoft.com/office/drawing/2014/main" id="{96D69D45-60D9-401F-AC9E-FAB86E9E28B8}"/>
+              </a:ext>
+            </a:extLst>
+          </p:cNvPr>
+          <p:cNvPicPr>
+            <a:picLocks noChangeAspect="1"/>
+          </p:cNvPicPr>
+          <p:nvPr/>
+        </p:nvPicPr>
+        <p:blipFill>
+          <a:blip r:embed="rId6">
+            <a:extLst>
+              <a:ext uri="{28A0092B-C50C-407E-A947-70E740481C1C}">
+                <a14:useLocalDpi xmlns:a14="http://schemas.microsoft.com/office/drawing/2010/main" val="0"/>
+              </a:ext>
+            </a:extLst>
+          </a:blip>
+          <a:srcRect/>
+          <a:stretch/>
+        </p:blipFill>
+        <p:spPr>
+          <a:xfrm>
+            <a:off x="6510620" y="665948"/>
+            <a:ext cx="2036909" cy="2036909"/>
+          </a:xfrm>
+          <a:prstGeom prst="rect">
+            <a:avLst/>
+          </a:prstGeom>
+        </p:spPr>
+      </p:pic>
+      <p:sp>
+        <p:nvSpPr>
+          <p:cNvPr id="19" name="Segno di moltiplicazione 18">
+            <a:extLst>
+              <a:ext uri="{FF2B5EF4-FFF2-40B4-BE49-F238E27FC236}">
+                <a16:creationId xmlns:a16="http://schemas.microsoft.com/office/drawing/2014/main" id="{FDCA0B4F-0FD2-4109-B3AE-B057ACE874D8}"/>
+              </a:ext>
+            </a:extLst>
+          </p:cNvPr>
+          <p:cNvSpPr/>
+          <p:nvPr/>
+        </p:nvSpPr>
+        <p:spPr>
+          <a:xfrm>
+            <a:off x="8707110" y="1573304"/>
+            <a:ext cx="309282" cy="322730"/>
+          </a:xfrm>
+          <a:prstGeom prst="mathMultiply">
+            <a:avLst/>
+          </a:prstGeom>
+        </p:spPr>
+        <p:style>
+          <a:lnRef idx="2">
+            <a:schemeClr val="dk1">
+              <a:shade val="50000"/>
+            </a:schemeClr>
+          </a:lnRef>
+          <a:fillRef idx="1">
+            <a:schemeClr val="dk1"/>
+          </a:fillRef>
+          <a:effectRef idx="0">
+            <a:schemeClr val="dk1"/>
+          </a:effectRef>
+          <a:fontRef idx="minor">
+            <a:schemeClr val="lt1"/>
+          </a:fontRef>
+        </p:style>
+        <p:txBody>
+          <a:bodyPr rtlCol="0" anchor="ctr"/>
+          <a:lstStyle/>
+          <a:p>
+            <a:pPr algn="ctr"/>
+            <a:endParaRPr lang="it-IT"/>
+          </a:p>
+        </p:txBody>
+      </p:sp>
+      <p:sp>
+        <p:nvSpPr>
+          <p:cNvPr id="21" name="Freccia in giù 20">
+            <a:extLst>
+              <a:ext uri="{FF2B5EF4-FFF2-40B4-BE49-F238E27FC236}">
+                <a16:creationId xmlns:a16="http://schemas.microsoft.com/office/drawing/2014/main" id="{3508DA48-9F65-4013-A8D0-137241D22491}"/>
+              </a:ext>
+            </a:extLst>
+          </p:cNvPr>
+          <p:cNvSpPr/>
+          <p:nvPr/>
+        </p:nvSpPr>
+        <p:spPr>
+          <a:xfrm>
+            <a:off x="8707110" y="2897839"/>
+            <a:ext cx="309282" cy="685801"/>
+          </a:xfrm>
+          <a:prstGeom prst="downArrow">
+            <a:avLst/>
+          </a:prstGeom>
+        </p:spPr>
+        <p:style>
+          <a:lnRef idx="2">
+            <a:schemeClr val="dk1">
+              <a:shade val="50000"/>
+            </a:schemeClr>
+          </a:lnRef>
+          <a:fillRef idx="1">
+            <a:schemeClr val="dk1"/>
+          </a:fillRef>
+          <a:effectRef idx="0">
+            <a:schemeClr val="dk1"/>
+          </a:effectRef>
+          <a:fontRef idx="minor">
+            <a:schemeClr val="lt1"/>
+          </a:fontRef>
+        </p:style>
+        <p:txBody>
+          <a:bodyPr rtlCol="0" anchor="ctr"/>
+          <a:lstStyle/>
+          <a:p>
+            <a:pPr algn="ctr"/>
+            <a:endParaRPr lang="it-IT"/>
+          </a:p>
+        </p:txBody>
+      </p:sp>
+      <p:pic>
+        <p:nvPicPr>
+          <p:cNvPr id="23" name="Immagine 22">
+            <a:extLst>
+              <a:ext uri="{FF2B5EF4-FFF2-40B4-BE49-F238E27FC236}">
+                <a16:creationId xmlns:a16="http://schemas.microsoft.com/office/drawing/2014/main" id="{000A269C-353B-410D-B0AF-74C18B9ED8EB}"/>
+              </a:ext>
+            </a:extLst>
+          </p:cNvPr>
+          <p:cNvPicPr>
+            <a:picLocks noChangeAspect="1"/>
+          </p:cNvPicPr>
+          <p:nvPr/>
+        </p:nvPicPr>
+        <p:blipFill>
+          <a:blip r:embed="rId7">
+            <a:extLst>
+              <a:ext uri="{28A0092B-C50C-407E-A947-70E740481C1C}">
+                <a14:useLocalDpi xmlns:a14="http://schemas.microsoft.com/office/drawing/2010/main" val="0"/>
+              </a:ext>
+            </a:extLst>
+          </a:blip>
+          <a:srcRect/>
+          <a:stretch/>
+        </p:blipFill>
+        <p:spPr>
+          <a:xfrm>
+            <a:off x="7843296" y="3783888"/>
+            <a:ext cx="2036909" cy="2036909"/>
+          </a:xfrm>
+          <a:prstGeom prst="rect">
+            <a:avLst/>
+          </a:prstGeom>
+        </p:spPr>
+      </p:pic>
+      <p:sp>
+        <p:nvSpPr>
+          <p:cNvPr id="16" name="Rettangolo con angoli arrotondati 15">
+            <a:extLst>
+              <a:ext uri="{FF2B5EF4-FFF2-40B4-BE49-F238E27FC236}">
+                <a16:creationId xmlns:a16="http://schemas.microsoft.com/office/drawing/2014/main" id="{4069D79D-A5B9-489D-BEE9-31370AE95D7D}"/>
+              </a:ext>
+            </a:extLst>
+          </p:cNvPr>
+          <p:cNvSpPr/>
+          <p:nvPr/>
+        </p:nvSpPr>
+        <p:spPr>
+          <a:xfrm>
+            <a:off x="887441" y="3253684"/>
+            <a:ext cx="543700" cy="331940"/>
+          </a:xfrm>
+          <a:prstGeom prst="roundRect">
+            <a:avLst/>
+          </a:prstGeom>
+        </p:spPr>
+        <p:style>
+          <a:lnRef idx="2">
+            <a:schemeClr val="dk1">
+              <a:shade val="50000"/>
+            </a:schemeClr>
+          </a:lnRef>
+          <a:fillRef idx="1">
+            <a:schemeClr val="dk1"/>
+          </a:fillRef>
+          <a:effectRef idx="0">
+            <a:schemeClr val="dk1"/>
+          </a:effectRef>
+          <a:fontRef idx="minor">
+            <a:schemeClr val="lt1"/>
+          </a:fontRef>
+        </p:style>
+        <p:txBody>
+          <a:bodyPr rtlCol="0" anchor="ctr"/>
+          <a:lstStyle/>
+          <a:p>
+            <a:pPr algn="ctr"/>
+            <a:r>
+              <a:rPr lang="it-IT" dirty="0"/>
+              <a:t>0</a:t>
+            </a:r>
+          </a:p>
+        </p:txBody>
+      </p:sp>
+      <p:sp>
+        <p:nvSpPr>
+          <p:cNvPr id="18" name="Rettangolo con angoli arrotondati 17">
+            <a:extLst>
+              <a:ext uri="{FF2B5EF4-FFF2-40B4-BE49-F238E27FC236}">
+                <a16:creationId xmlns:a16="http://schemas.microsoft.com/office/drawing/2014/main" id="{7A5BE933-6194-4300-9852-3AF6C9CDC66A}"/>
+              </a:ext>
+            </a:extLst>
+          </p:cNvPr>
+          <p:cNvSpPr/>
+          <p:nvPr/>
+        </p:nvSpPr>
+        <p:spPr>
+          <a:xfrm>
+            <a:off x="887441" y="3858234"/>
+            <a:ext cx="548724" cy="1771399"/>
+          </a:xfrm>
+          <a:prstGeom prst="roundRect">
+            <a:avLst/>
+          </a:prstGeom>
+          <a:gradFill flip="none" rotWithShape="1">
+            <a:gsLst>
+              <a:gs pos="0">
+                <a:schemeClr val="tx1">
+                  <a:lumMod val="95000"/>
+                  <a:lumOff val="5000"/>
+                </a:schemeClr>
+              </a:gs>
+              <a:gs pos="50000">
+                <a:srgbClr val="7F7F7F"/>
+              </a:gs>
+              <a:gs pos="100000">
+                <a:schemeClr val="bg2"/>
+              </a:gs>
+            </a:gsLst>
+            <a:lin ang="5400000" scaled="1"/>
+            <a:tileRect/>
+          </a:gradFill>
+          <a:ln>
+            <a:noFill/>
+          </a:ln>
+        </p:spPr>
+        <p:style>
+          <a:lnRef idx="2">
+            <a:schemeClr val="dk1">
+              <a:shade val="50000"/>
+            </a:schemeClr>
+          </a:lnRef>
+          <a:fillRef idx="1">
+            <a:schemeClr val="dk1"/>
+          </a:fillRef>
+          <a:effectRef idx="0">
+            <a:schemeClr val="dk1"/>
+          </a:effectRef>
+          <a:fontRef idx="minor">
+            <a:schemeClr val="lt1"/>
+          </a:fontRef>
+        </p:style>
+        <p:txBody>
+          <a:bodyPr rtlCol="0" anchor="ctr"/>
+          <a:lstStyle/>
+          <a:p>
+            <a:pPr algn="ctr"/>
+            <a:endParaRPr lang="it-IT"/>
+          </a:p>
+        </p:txBody>
+      </p:sp>
+      <p:sp>
+        <p:nvSpPr>
+          <p:cNvPr id="20" name="CasellaDiTesto 19">
+            <a:extLst>
+              <a:ext uri="{FF2B5EF4-FFF2-40B4-BE49-F238E27FC236}">
+                <a16:creationId xmlns:a16="http://schemas.microsoft.com/office/drawing/2014/main" id="{585C815F-4D44-44B2-A372-855ADEE2426E}"/>
+              </a:ext>
+            </a:extLst>
+          </p:cNvPr>
+          <p:cNvSpPr txBox="1"/>
+          <p:nvPr/>
+        </p:nvSpPr>
+        <p:spPr>
+          <a:xfrm>
+            <a:off x="887441" y="3857259"/>
+            <a:ext cx="549499" cy="369332"/>
+          </a:xfrm>
+          <a:prstGeom prst="rect">
+            <a:avLst/>
+          </a:prstGeom>
+          <a:noFill/>
+        </p:spPr>
+        <p:txBody>
+          <a:bodyPr wrap="square" rtlCol="0">
+            <a:spAutoFit/>
+          </a:bodyPr>
+          <a:lstStyle/>
+          <a:p>
+            <a:pPr algn="ctr"/>
+            <a:r>
+              <a:rPr lang="it-IT" dirty="0">
+                <a:solidFill>
+                  <a:schemeClr val="bg1"/>
+                </a:solidFill>
+              </a:rPr>
+              <a:t>1</a:t>
+            </a:r>
+          </a:p>
+        </p:txBody>
+      </p:sp>
+      <p:sp>
+        <p:nvSpPr>
+          <p:cNvPr id="22" name="CasellaDiTesto 21">
+            <a:extLst>
+              <a:ext uri="{FF2B5EF4-FFF2-40B4-BE49-F238E27FC236}">
+                <a16:creationId xmlns:a16="http://schemas.microsoft.com/office/drawing/2014/main" id="{4A69BEAE-4498-4E63-87D5-495719C77A1F}"/>
+              </a:ext>
+            </a:extLst>
+          </p:cNvPr>
+          <p:cNvSpPr txBox="1"/>
+          <p:nvPr/>
+        </p:nvSpPr>
+        <p:spPr>
+          <a:xfrm>
+            <a:off x="887441" y="5229673"/>
+            <a:ext cx="549499" cy="369332"/>
+          </a:xfrm>
+          <a:prstGeom prst="rect">
+            <a:avLst/>
+          </a:prstGeom>
+          <a:noFill/>
+        </p:spPr>
+        <p:txBody>
+          <a:bodyPr wrap="square" rtlCol="0">
+            <a:spAutoFit/>
+          </a:bodyPr>
+          <a:lstStyle/>
+          <a:p>
+            <a:pPr algn="ctr"/>
+            <a:r>
+              <a:rPr lang="it-IT" dirty="0">
+                <a:solidFill>
+                  <a:schemeClr val="bg1"/>
+                </a:solidFill>
+              </a:rPr>
+              <a:t>255</a:t>
+            </a:r>
+          </a:p>
+        </p:txBody>
+      </p:sp>
+      <p:sp>
+        <p:nvSpPr>
+          <p:cNvPr id="24" name="CasellaDiTesto 23">
+            <a:extLst>
+              <a:ext uri="{FF2B5EF4-FFF2-40B4-BE49-F238E27FC236}">
+                <a16:creationId xmlns:a16="http://schemas.microsoft.com/office/drawing/2014/main" id="{53F71C65-5BCC-4A54-BC8F-BD48EEB151D2}"/>
+              </a:ext>
+            </a:extLst>
+          </p:cNvPr>
+          <p:cNvSpPr txBox="1"/>
+          <p:nvPr/>
+        </p:nvSpPr>
+        <p:spPr>
+          <a:xfrm>
+            <a:off x="886666" y="4554702"/>
+            <a:ext cx="549499" cy="369332"/>
+          </a:xfrm>
+          <a:prstGeom prst="rect">
+            <a:avLst/>
+          </a:prstGeom>
+          <a:noFill/>
+        </p:spPr>
+        <p:txBody>
+          <a:bodyPr wrap="square" rtlCol="0">
+            <a:spAutoFit/>
+          </a:bodyPr>
+          <a:lstStyle/>
+          <a:p>
+            <a:pPr algn="ctr"/>
+            <a:r>
+              <a:rPr lang="it-IT" dirty="0">
+                <a:solidFill>
+                  <a:schemeClr val="bg1"/>
+                </a:solidFill>
+              </a:rPr>
+              <a:t>127</a:t>
+            </a:r>
+          </a:p>
+        </p:txBody>
+      </p:sp>
+      <p:sp>
+        <p:nvSpPr>
+          <p:cNvPr id="25" name="CasellaDiTesto 24">
+            <a:extLst>
+              <a:ext uri="{FF2B5EF4-FFF2-40B4-BE49-F238E27FC236}">
+                <a16:creationId xmlns:a16="http://schemas.microsoft.com/office/drawing/2014/main" id="{9FE7FF74-5345-402B-83E8-7D32F29B6459}"/>
+              </a:ext>
+            </a:extLst>
+          </p:cNvPr>
+          <p:cNvSpPr txBox="1"/>
+          <p:nvPr/>
+        </p:nvSpPr>
+        <p:spPr>
+          <a:xfrm>
+            <a:off x="2068077" y="3228832"/>
+            <a:ext cx="3849173" cy="369332"/>
+          </a:xfrm>
+          <a:prstGeom prst="rect">
+            <a:avLst/>
+          </a:prstGeom>
+          <a:noFill/>
+        </p:spPr>
+        <p:txBody>
+          <a:bodyPr wrap="square" rtlCol="0">
+            <a:spAutoFit/>
+          </a:bodyPr>
+          <a:lstStyle/>
+          <a:p>
+            <a:r>
+              <a:rPr lang="it-IT" dirty="0" err="1"/>
+              <a:t>leave</a:t>
+            </a:r>
+            <a:r>
+              <a:rPr lang="it-IT" dirty="0"/>
+              <a:t> pixel </a:t>
+            </a:r>
+            <a:r>
+              <a:rPr lang="it-IT" b="1" dirty="0" err="1"/>
+              <a:t>unchanged</a:t>
+            </a:r>
+            <a:endParaRPr lang="it-IT" dirty="0"/>
+          </a:p>
+        </p:txBody>
+      </p:sp>
+      <p:sp>
+        <p:nvSpPr>
+          <p:cNvPr id="26" name="Freccia in su 25">
+            <a:extLst>
+              <a:ext uri="{FF2B5EF4-FFF2-40B4-BE49-F238E27FC236}">
+                <a16:creationId xmlns:a16="http://schemas.microsoft.com/office/drawing/2014/main" id="{91B073D3-47D0-4E41-8559-DCE7B02AC5B5}"/>
+              </a:ext>
+            </a:extLst>
+          </p:cNvPr>
+          <p:cNvSpPr/>
+          <p:nvPr/>
+        </p:nvSpPr>
+        <p:spPr>
+          <a:xfrm rot="5400000">
+            <a:off x="1724811" y="3255433"/>
+            <a:ext cx="150312" cy="331940"/>
+          </a:xfrm>
+          <a:prstGeom prst="upArrow">
+            <a:avLst/>
+          </a:prstGeom>
+        </p:spPr>
+        <p:style>
+          <a:lnRef idx="2">
+            <a:schemeClr val="dk1">
+              <a:shade val="50000"/>
+            </a:schemeClr>
+          </a:lnRef>
+          <a:fillRef idx="1">
+            <a:schemeClr val="dk1"/>
+          </a:fillRef>
+          <a:effectRef idx="0">
+            <a:schemeClr val="dk1"/>
+          </a:effectRef>
+          <a:fontRef idx="minor">
+            <a:schemeClr val="lt1"/>
+          </a:fontRef>
+        </p:style>
+        <p:txBody>
+          <a:bodyPr rtlCol="0" anchor="ctr"/>
+          <a:lstStyle/>
+          <a:p>
+            <a:pPr algn="ctr"/>
+            <a:endParaRPr lang="it-IT"/>
+          </a:p>
+        </p:txBody>
+      </p:sp>
+      <p:sp>
+        <p:nvSpPr>
+          <p:cNvPr id="27" name="CasellaDiTesto 26">
+            <a:extLst>
+              <a:ext uri="{FF2B5EF4-FFF2-40B4-BE49-F238E27FC236}">
+                <a16:creationId xmlns:a16="http://schemas.microsoft.com/office/drawing/2014/main" id="{4791EFE8-19BE-4340-8ED4-78A078C3249E}"/>
+              </a:ext>
+            </a:extLst>
+          </p:cNvPr>
+          <p:cNvSpPr txBox="1"/>
+          <p:nvPr/>
+        </p:nvSpPr>
+        <p:spPr>
+          <a:xfrm>
+            <a:off x="2068077" y="3857259"/>
+            <a:ext cx="4483035" cy="369332"/>
+          </a:xfrm>
+          <a:prstGeom prst="rect">
+            <a:avLst/>
+          </a:prstGeom>
+          <a:noFill/>
+        </p:spPr>
+        <p:txBody>
+          <a:bodyPr wrap="square" rtlCol="0">
+            <a:spAutoFit/>
+          </a:bodyPr>
+          <a:lstStyle/>
+          <a:p>
+            <a:r>
+              <a:rPr lang="en-US" dirty="0"/>
+              <a:t>apply blur, </a:t>
+            </a:r>
+            <a:r>
+              <a:rPr lang="en-US" b="1" dirty="0"/>
+              <a:t>increase</a:t>
+            </a:r>
+            <a:r>
+              <a:rPr lang="en-US" dirty="0"/>
+              <a:t> brightness</a:t>
+            </a:r>
+            <a:endParaRPr lang="it-IT" dirty="0"/>
+          </a:p>
+        </p:txBody>
+      </p:sp>
+      <p:sp>
+        <p:nvSpPr>
+          <p:cNvPr id="28" name="Freccia in su 27">
+            <a:extLst>
+              <a:ext uri="{FF2B5EF4-FFF2-40B4-BE49-F238E27FC236}">
+                <a16:creationId xmlns:a16="http://schemas.microsoft.com/office/drawing/2014/main" id="{ABE13117-EE95-40E9-93CE-051909F5A421}"/>
+              </a:ext>
+            </a:extLst>
+          </p:cNvPr>
+          <p:cNvSpPr/>
+          <p:nvPr/>
+        </p:nvSpPr>
+        <p:spPr>
+          <a:xfrm rot="5400000">
+            <a:off x="1724811" y="3883860"/>
+            <a:ext cx="150312" cy="331940"/>
+          </a:xfrm>
+          <a:prstGeom prst="upArrow">
+            <a:avLst/>
+          </a:prstGeom>
+        </p:spPr>
+        <p:style>
+          <a:lnRef idx="2">
+            <a:schemeClr val="dk1">
+              <a:shade val="50000"/>
+            </a:schemeClr>
+          </a:lnRef>
+          <a:fillRef idx="1">
+            <a:schemeClr val="dk1"/>
+          </a:fillRef>
+          <a:effectRef idx="0">
+            <a:schemeClr val="dk1"/>
+          </a:effectRef>
+          <a:fontRef idx="minor">
+            <a:schemeClr val="lt1"/>
+          </a:fontRef>
+        </p:style>
+        <p:txBody>
+          <a:bodyPr rtlCol="0" anchor="ctr"/>
+          <a:lstStyle/>
+          <a:p>
+            <a:pPr algn="ctr"/>
+            <a:endParaRPr lang="it-IT"/>
+          </a:p>
+        </p:txBody>
+      </p:sp>
+      <p:sp>
+        <p:nvSpPr>
+          <p:cNvPr id="29" name="CasellaDiTesto 28">
+            <a:extLst>
+              <a:ext uri="{FF2B5EF4-FFF2-40B4-BE49-F238E27FC236}">
+                <a16:creationId xmlns:a16="http://schemas.microsoft.com/office/drawing/2014/main" id="{B8EB7F71-0BAA-40C4-9D8C-8EF897E7774A}"/>
+              </a:ext>
+            </a:extLst>
+          </p:cNvPr>
+          <p:cNvSpPr txBox="1"/>
+          <p:nvPr/>
+        </p:nvSpPr>
+        <p:spPr>
+          <a:xfrm>
+            <a:off x="2068077" y="4542333"/>
+            <a:ext cx="3849173" cy="369332"/>
+          </a:xfrm>
+          <a:prstGeom prst="rect">
+            <a:avLst/>
+          </a:prstGeom>
+          <a:noFill/>
+        </p:spPr>
+        <p:txBody>
+          <a:bodyPr wrap="square" rtlCol="0">
+            <a:spAutoFit/>
+          </a:bodyPr>
+          <a:lstStyle/>
+          <a:p>
+            <a:r>
+              <a:rPr lang="en-US" dirty="0"/>
+              <a:t>apply blur, </a:t>
+            </a:r>
+            <a:r>
+              <a:rPr lang="en-US" b="1" dirty="0"/>
+              <a:t>keep</a:t>
+            </a:r>
+            <a:r>
+              <a:rPr lang="en-US" dirty="0"/>
+              <a:t> brightness</a:t>
+            </a:r>
+            <a:endParaRPr lang="it-IT" dirty="0"/>
+          </a:p>
+        </p:txBody>
+      </p:sp>
+      <p:sp>
+        <p:nvSpPr>
+          <p:cNvPr id="30" name="Freccia in su 29">
+            <a:extLst>
+              <a:ext uri="{FF2B5EF4-FFF2-40B4-BE49-F238E27FC236}">
+                <a16:creationId xmlns:a16="http://schemas.microsoft.com/office/drawing/2014/main" id="{8A4AE2F2-772D-4896-A750-C10594F5ACEA}"/>
+              </a:ext>
+            </a:extLst>
+          </p:cNvPr>
+          <p:cNvSpPr/>
+          <p:nvPr/>
+        </p:nvSpPr>
+        <p:spPr>
+          <a:xfrm rot="5400000">
+            <a:off x="1724811" y="4568934"/>
+            <a:ext cx="150312" cy="331940"/>
+          </a:xfrm>
+          <a:prstGeom prst="upArrow">
+            <a:avLst/>
+          </a:prstGeom>
+        </p:spPr>
+        <p:style>
+          <a:lnRef idx="2">
+            <a:schemeClr val="dk1">
+              <a:shade val="50000"/>
+            </a:schemeClr>
+          </a:lnRef>
+          <a:fillRef idx="1">
+            <a:schemeClr val="dk1"/>
+          </a:fillRef>
+          <a:effectRef idx="0">
+            <a:schemeClr val="dk1"/>
+          </a:effectRef>
+          <a:fontRef idx="minor">
+            <a:schemeClr val="lt1"/>
+          </a:fontRef>
+        </p:style>
+        <p:txBody>
+          <a:bodyPr rtlCol="0" anchor="ctr"/>
+          <a:lstStyle/>
+          <a:p>
+            <a:pPr algn="ctr"/>
+            <a:endParaRPr lang="it-IT"/>
+          </a:p>
+        </p:txBody>
+      </p:sp>
+      <p:sp>
+        <p:nvSpPr>
+          <p:cNvPr id="31" name="CasellaDiTesto 30">
+            <a:extLst>
+              <a:ext uri="{FF2B5EF4-FFF2-40B4-BE49-F238E27FC236}">
+                <a16:creationId xmlns:a16="http://schemas.microsoft.com/office/drawing/2014/main" id="{E3F66FD5-FE18-4387-8881-1C997988D7BE}"/>
+              </a:ext>
+            </a:extLst>
+          </p:cNvPr>
+          <p:cNvSpPr txBox="1"/>
+          <p:nvPr/>
+        </p:nvSpPr>
+        <p:spPr>
+          <a:xfrm>
+            <a:off x="2068077" y="5217511"/>
+            <a:ext cx="3849173" cy="369332"/>
+          </a:xfrm>
+          <a:prstGeom prst="rect">
+            <a:avLst/>
+          </a:prstGeom>
+          <a:noFill/>
+        </p:spPr>
+        <p:txBody>
+          <a:bodyPr wrap="square" rtlCol="0">
+            <a:spAutoFit/>
+          </a:bodyPr>
+          <a:lstStyle/>
+          <a:p>
+            <a:r>
+              <a:rPr lang="en-US" dirty="0"/>
+              <a:t>apply blur, </a:t>
+            </a:r>
+            <a:r>
+              <a:rPr lang="en-US" b="1" dirty="0"/>
+              <a:t>reduce</a:t>
+            </a:r>
+            <a:r>
+              <a:rPr lang="en-US" dirty="0"/>
+              <a:t> brightness</a:t>
+            </a:r>
+            <a:endParaRPr lang="it-IT" dirty="0"/>
+          </a:p>
+        </p:txBody>
+      </p:sp>
+      <p:sp>
+        <p:nvSpPr>
+          <p:cNvPr id="32" name="Freccia in su 31">
+            <a:extLst>
+              <a:ext uri="{FF2B5EF4-FFF2-40B4-BE49-F238E27FC236}">
+                <a16:creationId xmlns:a16="http://schemas.microsoft.com/office/drawing/2014/main" id="{BAA24F43-F847-4552-89D2-AC07078F26BB}"/>
+              </a:ext>
+            </a:extLst>
+          </p:cNvPr>
+          <p:cNvSpPr/>
+          <p:nvPr/>
+        </p:nvSpPr>
+        <p:spPr>
+          <a:xfrm rot="5400000">
+            <a:off x="1724811" y="5244112"/>
+            <a:ext cx="150312" cy="331940"/>
+          </a:xfrm>
+          <a:prstGeom prst="upArrow">
+            <a:avLst/>
+          </a:prstGeom>
+        </p:spPr>
+        <p:style>
+          <a:lnRef idx="2">
+            <a:schemeClr val="dk1">
+              <a:shade val="50000"/>
+            </a:schemeClr>
+          </a:lnRef>
+          <a:fillRef idx="1">
+            <a:schemeClr val="dk1"/>
+          </a:fillRef>
+          <a:effectRef idx="0">
+            <a:schemeClr val="dk1"/>
+          </a:effectRef>
+          <a:fontRef idx="minor">
+            <a:schemeClr val="lt1"/>
+          </a:fontRef>
+        </p:style>
+        <p:txBody>
+          <a:bodyPr rtlCol="0" anchor="ctr"/>
+          <a:lstStyle/>
+          <a:p>
+            <a:pPr algn="ctr"/>
+            <a:endParaRPr lang="it-IT"/>
+          </a:p>
+        </p:txBody>
+      </p:sp>
     </p:spTree>
     <p:extLst>
       <p:ext uri="{BB962C8B-B14F-4D97-AF65-F5344CB8AC3E}">
-        <p14:creationId xmlns:p14="http://schemas.microsoft.com/office/powerpoint/2010/main" val="3553091261"/>
+        <p14:creationId xmlns:p14="http://schemas.microsoft.com/office/powerpoint/2010/main" val="278767585"/>
       </p:ext>
     </p:extLst>
   </p:cSld>
@@ -5849,7 +6277,7 @@
 </p:sld>
 </file>
 
-<file path=ppt/slides/slide4.xml><?xml version="1.0" encoding="utf-8"?>
+<file path=ppt/slides/slide3.xml><?xml version="1.0" encoding="utf-8"?>
 <p:sld xmlns:a="http://schemas.openxmlformats.org/drawingml/2006/main" xmlns:r="http://schemas.openxmlformats.org/officeDocument/2006/relationships" xmlns:p="http://schemas.openxmlformats.org/presentationml/2006/main">
   <p:cSld>
     <p:spTree>
@@ -6103,7 +6531,7 @@
         <p:spPr>
           <a:xfrm>
             <a:off x="330375" y="231466"/>
-            <a:ext cx="4288033" cy="646331"/>
+            <a:ext cx="5331460" cy="646331"/>
           </a:xfrm>
           <a:prstGeom prst="rect">
             <a:avLst/>
@@ -6117,14 +6545,10 @@
           <a:lstStyle/>
           <a:p>
             <a:r>
-              <a:rPr lang="it-IT" sz="3600" b="1" dirty="0"/>
-              <a:t>The Blur Control </a:t>
-            </a:r>
-            <a:r>
-              <a:rPr lang="it-IT" sz="3600" b="1" dirty="0" err="1"/>
-              <a:t>Map</a:t>
-            </a:r>
-            <a:endParaRPr lang="it-IT" sz="3600" b="1" dirty="0"/>
+              <a:rPr lang="en-US" sz="3600" b="1" dirty="0"/>
+              <a:t>Input Format: PGM Images</a:t>
+            </a:r>
+            <a:endParaRPr lang="it-IT" sz="2400" dirty="0"/>
           </a:p>
         </p:txBody>
       </p:sp>
@@ -6181,8 +6605,8 @@
         </p:nvSpPr>
         <p:spPr>
           <a:xfrm>
-            <a:off x="487988" y="1590034"/>
-            <a:ext cx="5193394" cy="369332"/>
+            <a:off x="487988" y="1938862"/>
+            <a:ext cx="5193394" cy="2862322"/>
           </a:xfrm>
           <a:prstGeom prst="rect">
             <a:avLst/>
@@ -6201,613 +6625,91 @@
             </a:pPr>
             <a:r>
               <a:rPr lang="en-US" dirty="0"/>
-              <a:t>Each pixel in the map guides the filter behavior:</a:t>
-            </a:r>
-          </a:p>
-        </p:txBody>
-      </p:sp>
-      <p:sp>
-        <p:nvSpPr>
-          <p:cNvPr id="2" name="Rettangolo con angoli arrotondati 1">
-            <a:extLst>
-              <a:ext uri="{FF2B5EF4-FFF2-40B4-BE49-F238E27FC236}">
-                <a16:creationId xmlns:a16="http://schemas.microsoft.com/office/drawing/2014/main" id="{E79A9A7B-E70D-4B4B-BA73-20990BAC1B37}"/>
-              </a:ext>
-            </a:extLst>
-          </p:cNvPr>
-          <p:cNvSpPr/>
-          <p:nvPr/>
-        </p:nvSpPr>
-        <p:spPr>
-          <a:xfrm>
-            <a:off x="887441" y="2135257"/>
-            <a:ext cx="543700" cy="331940"/>
-          </a:xfrm>
-          <a:prstGeom prst="roundRect">
-            <a:avLst/>
-          </a:prstGeom>
-        </p:spPr>
-        <p:style>
-          <a:lnRef idx="2">
-            <a:schemeClr val="dk1">
-              <a:shade val="50000"/>
-            </a:schemeClr>
-          </a:lnRef>
-          <a:fillRef idx="1">
-            <a:schemeClr val="dk1"/>
-          </a:fillRef>
-          <a:effectRef idx="0">
-            <a:schemeClr val="dk1"/>
-          </a:effectRef>
-          <a:fontRef idx="minor">
-            <a:schemeClr val="lt1"/>
-          </a:fontRef>
-        </p:style>
-        <p:txBody>
-          <a:bodyPr rtlCol="0" anchor="ctr"/>
-          <a:lstStyle/>
-          <a:p>
-            <a:pPr algn="ctr"/>
+              <a:t>Input images are in </a:t>
+            </a:r>
+            <a:r>
+              <a:rPr lang="en-US" b="1" dirty="0"/>
+              <a:t>PGM ASCII format </a:t>
+            </a:r>
+            <a:br>
+              <a:rPr lang="en-US" b="1" dirty="0"/>
+            </a:br>
+            <a:r>
+              <a:rPr lang="en-US" b="1" dirty="0"/>
+              <a:t>(Portable Gray Map)</a:t>
+            </a:r>
+            <a:endParaRPr lang="en-US" dirty="0"/>
+          </a:p>
+          <a:p>
+            <a:endParaRPr lang="en-US" dirty="0"/>
+          </a:p>
+          <a:p>
+            <a:pPr marL="285750" indent="-285750">
+              <a:buFont typeface="Arial" panose="020B0604020202020204" pitchFamily="34" charset="0"/>
+              <a:buChar char="•"/>
+            </a:pPr>
             <a:r>
               <a:rPr lang="it-IT" dirty="0"/>
-              <a:t>0</a:t>
-            </a:r>
-          </a:p>
-        </p:txBody>
-      </p:sp>
-      <p:sp>
-        <p:nvSpPr>
-          <p:cNvPr id="23" name="Rettangolo con angoli arrotondati 22">
-            <a:extLst>
-              <a:ext uri="{FF2B5EF4-FFF2-40B4-BE49-F238E27FC236}">
-                <a16:creationId xmlns:a16="http://schemas.microsoft.com/office/drawing/2014/main" id="{CC4F70EC-1FAA-4C6B-B690-AFD6916A73C2}"/>
-              </a:ext>
-            </a:extLst>
-          </p:cNvPr>
-          <p:cNvSpPr/>
-          <p:nvPr/>
-        </p:nvSpPr>
-        <p:spPr>
-          <a:xfrm>
-            <a:off x="887441" y="2739807"/>
-            <a:ext cx="548724" cy="2256341"/>
-          </a:xfrm>
-          <a:prstGeom prst="roundRect">
-            <a:avLst/>
-          </a:prstGeom>
-          <a:gradFill flip="none" rotWithShape="1">
-            <a:gsLst>
-              <a:gs pos="0">
-                <a:schemeClr val="tx1">
-                  <a:lumMod val="95000"/>
-                  <a:lumOff val="5000"/>
-                </a:schemeClr>
-              </a:gs>
-              <a:gs pos="50000">
-                <a:srgbClr val="7F7F7F"/>
-              </a:gs>
-              <a:gs pos="100000">
-                <a:schemeClr val="bg2"/>
-              </a:gs>
-            </a:gsLst>
-            <a:lin ang="5400000" scaled="1"/>
-            <a:tileRect/>
-          </a:gradFill>
-          <a:ln>
-            <a:noFill/>
-          </a:ln>
-        </p:spPr>
-        <p:style>
-          <a:lnRef idx="2">
-            <a:schemeClr val="dk1">
-              <a:shade val="50000"/>
-            </a:schemeClr>
-          </a:lnRef>
-          <a:fillRef idx="1">
-            <a:schemeClr val="dk1"/>
-          </a:fillRef>
-          <a:effectRef idx="0">
-            <a:schemeClr val="dk1"/>
-          </a:effectRef>
-          <a:fontRef idx="minor">
-            <a:schemeClr val="lt1"/>
-          </a:fontRef>
-        </p:style>
-        <p:txBody>
-          <a:bodyPr rtlCol="0" anchor="ctr"/>
-          <a:lstStyle/>
-          <a:p>
-            <a:pPr algn="ctr"/>
-            <a:endParaRPr lang="it-IT"/>
-          </a:p>
-        </p:txBody>
-      </p:sp>
-      <p:sp>
-        <p:nvSpPr>
-          <p:cNvPr id="24" name="CasellaDiTesto 23">
-            <a:extLst>
-              <a:ext uri="{FF2B5EF4-FFF2-40B4-BE49-F238E27FC236}">
-                <a16:creationId xmlns:a16="http://schemas.microsoft.com/office/drawing/2014/main" id="{C9A41DA3-A5F2-4D30-B864-114479FC38AA}"/>
-              </a:ext>
-            </a:extLst>
-          </p:cNvPr>
-          <p:cNvSpPr txBox="1"/>
-          <p:nvPr/>
-        </p:nvSpPr>
-        <p:spPr>
-          <a:xfrm>
-            <a:off x="887441" y="2738832"/>
-            <a:ext cx="549499" cy="369332"/>
-          </a:xfrm>
-          <a:prstGeom prst="rect">
-            <a:avLst/>
-          </a:prstGeom>
-          <a:noFill/>
-        </p:spPr>
-        <p:txBody>
-          <a:bodyPr wrap="square" rtlCol="0">
-            <a:spAutoFit/>
-          </a:bodyPr>
-          <a:lstStyle/>
-          <a:p>
-            <a:pPr algn="ctr"/>
-            <a:r>
-              <a:rPr lang="it-IT" dirty="0">
-                <a:solidFill>
-                  <a:schemeClr val="bg1"/>
-                </a:solidFill>
-              </a:rPr>
-              <a:t>1</a:t>
-            </a:r>
-          </a:p>
-        </p:txBody>
-      </p:sp>
-      <p:sp>
-        <p:nvSpPr>
-          <p:cNvPr id="25" name="CasellaDiTesto 24">
-            <a:extLst>
-              <a:ext uri="{FF2B5EF4-FFF2-40B4-BE49-F238E27FC236}">
-                <a16:creationId xmlns:a16="http://schemas.microsoft.com/office/drawing/2014/main" id="{7D083105-7988-4A00-971F-EF18D68DA3B1}"/>
-              </a:ext>
-            </a:extLst>
-          </p:cNvPr>
-          <p:cNvSpPr txBox="1"/>
-          <p:nvPr/>
-        </p:nvSpPr>
-        <p:spPr>
-          <a:xfrm>
-            <a:off x="887441" y="4607751"/>
-            <a:ext cx="549499" cy="369332"/>
-          </a:xfrm>
-          <a:prstGeom prst="rect">
-            <a:avLst/>
-          </a:prstGeom>
-          <a:noFill/>
-        </p:spPr>
-        <p:txBody>
-          <a:bodyPr wrap="square" rtlCol="0">
-            <a:spAutoFit/>
-          </a:bodyPr>
-          <a:lstStyle/>
-          <a:p>
-            <a:pPr algn="ctr"/>
-            <a:r>
-              <a:rPr lang="it-IT" dirty="0">
-                <a:solidFill>
-                  <a:schemeClr val="bg1"/>
-                </a:solidFill>
-              </a:rPr>
-              <a:t>255</a:t>
-            </a:r>
-          </a:p>
-        </p:txBody>
-      </p:sp>
-      <p:sp>
-        <p:nvSpPr>
-          <p:cNvPr id="26" name="CasellaDiTesto 25">
-            <a:extLst>
-              <a:ext uri="{FF2B5EF4-FFF2-40B4-BE49-F238E27FC236}">
-                <a16:creationId xmlns:a16="http://schemas.microsoft.com/office/drawing/2014/main" id="{0368D027-9212-4423-BAFD-9B5B8C4F2937}"/>
-              </a:ext>
-            </a:extLst>
-          </p:cNvPr>
-          <p:cNvSpPr txBox="1"/>
-          <p:nvPr/>
-        </p:nvSpPr>
-        <p:spPr>
-          <a:xfrm>
-            <a:off x="886666" y="3674414"/>
-            <a:ext cx="549499" cy="369332"/>
-          </a:xfrm>
-          <a:prstGeom prst="rect">
-            <a:avLst/>
-          </a:prstGeom>
-          <a:noFill/>
-        </p:spPr>
-        <p:txBody>
-          <a:bodyPr wrap="square" rtlCol="0">
-            <a:spAutoFit/>
-          </a:bodyPr>
-          <a:lstStyle/>
-          <a:p>
-            <a:pPr algn="ctr"/>
-            <a:r>
-              <a:rPr lang="it-IT" dirty="0">
-                <a:solidFill>
-                  <a:schemeClr val="bg1"/>
-                </a:solidFill>
-              </a:rPr>
-              <a:t>127</a:t>
-            </a:r>
-          </a:p>
-        </p:txBody>
-      </p:sp>
-      <p:sp>
-        <p:nvSpPr>
-          <p:cNvPr id="27" name="CasellaDiTesto 26">
-            <a:extLst>
-              <a:ext uri="{FF2B5EF4-FFF2-40B4-BE49-F238E27FC236}">
-                <a16:creationId xmlns:a16="http://schemas.microsoft.com/office/drawing/2014/main" id="{117BB4E4-A45A-477C-853F-8661B8B1E377}"/>
-              </a:ext>
-            </a:extLst>
-          </p:cNvPr>
-          <p:cNvSpPr txBox="1"/>
-          <p:nvPr/>
-        </p:nvSpPr>
-        <p:spPr>
-          <a:xfrm>
-            <a:off x="2068077" y="2110405"/>
-            <a:ext cx="3849173" cy="369332"/>
-          </a:xfrm>
-          <a:prstGeom prst="rect">
-            <a:avLst/>
-          </a:prstGeom>
-          <a:noFill/>
-        </p:spPr>
-        <p:txBody>
-          <a:bodyPr wrap="square" rtlCol="0">
-            <a:spAutoFit/>
-          </a:bodyPr>
-          <a:lstStyle/>
-          <a:p>
-            <a:r>
-              <a:rPr lang="it-IT" dirty="0" err="1"/>
-              <a:t>leave</a:t>
-            </a:r>
-            <a:r>
-              <a:rPr lang="it-IT" dirty="0"/>
-              <a:t> pixel </a:t>
-            </a:r>
-            <a:r>
-              <a:rPr lang="it-IT" b="1" dirty="0" err="1"/>
-              <a:t>unchanged</a:t>
-            </a:r>
-            <a:endParaRPr lang="it-IT" dirty="0"/>
-          </a:p>
-        </p:txBody>
-      </p:sp>
-      <p:sp>
-        <p:nvSpPr>
-          <p:cNvPr id="29" name="Freccia in su 28">
-            <a:extLst>
-              <a:ext uri="{FF2B5EF4-FFF2-40B4-BE49-F238E27FC236}">
-                <a16:creationId xmlns:a16="http://schemas.microsoft.com/office/drawing/2014/main" id="{67466445-D946-4CCA-9E34-B2FCD8BDF315}"/>
-              </a:ext>
-            </a:extLst>
-          </p:cNvPr>
-          <p:cNvSpPr/>
-          <p:nvPr/>
-        </p:nvSpPr>
-        <p:spPr>
-          <a:xfrm rot="5400000">
-            <a:off x="1724811" y="2137006"/>
-            <a:ext cx="150312" cy="331940"/>
-          </a:xfrm>
-          <a:prstGeom prst="upArrow">
-            <a:avLst/>
-          </a:prstGeom>
-        </p:spPr>
-        <p:style>
-          <a:lnRef idx="2">
-            <a:schemeClr val="dk1">
-              <a:shade val="50000"/>
-            </a:schemeClr>
-          </a:lnRef>
-          <a:fillRef idx="1">
-            <a:schemeClr val="dk1"/>
-          </a:fillRef>
-          <a:effectRef idx="0">
-            <a:schemeClr val="dk1"/>
-          </a:effectRef>
-          <a:fontRef idx="minor">
-            <a:schemeClr val="lt1"/>
-          </a:fontRef>
-        </p:style>
-        <p:txBody>
-          <a:bodyPr rtlCol="0" anchor="ctr"/>
-          <a:lstStyle/>
-          <a:p>
-            <a:pPr algn="ctr"/>
-            <a:endParaRPr lang="it-IT"/>
-          </a:p>
-        </p:txBody>
-      </p:sp>
-      <p:sp>
-        <p:nvSpPr>
-          <p:cNvPr id="30" name="CasellaDiTesto 29">
-            <a:extLst>
-              <a:ext uri="{FF2B5EF4-FFF2-40B4-BE49-F238E27FC236}">
-                <a16:creationId xmlns:a16="http://schemas.microsoft.com/office/drawing/2014/main" id="{1073E2FE-00FA-4237-B167-AE3E84B0C00C}"/>
-              </a:ext>
-            </a:extLst>
-          </p:cNvPr>
-          <p:cNvSpPr txBox="1"/>
-          <p:nvPr/>
-        </p:nvSpPr>
-        <p:spPr>
-          <a:xfrm>
-            <a:off x="2068077" y="2738832"/>
-            <a:ext cx="4483035" cy="369332"/>
-          </a:xfrm>
-          <a:prstGeom prst="rect">
-            <a:avLst/>
-          </a:prstGeom>
-          <a:noFill/>
-        </p:spPr>
-        <p:txBody>
-          <a:bodyPr wrap="square" rtlCol="0">
-            <a:spAutoFit/>
-          </a:bodyPr>
-          <a:lstStyle/>
-          <a:p>
+              <a:t>Two inputs:</a:t>
+            </a:r>
+          </a:p>
+          <a:p>
+            <a:pPr marL="742950" lvl="1" indent="-285750">
+              <a:buFont typeface="Arial" panose="020B0604020202020204" pitchFamily="34" charset="0"/>
+              <a:buChar char="•"/>
+            </a:pPr>
             <a:r>
               <a:rPr lang="en-US" dirty="0"/>
-              <a:t>apply Gaussian blur, </a:t>
+              <a:t>The </a:t>
             </a:r>
             <a:r>
               <a:rPr lang="en-US" b="1" dirty="0"/>
-              <a:t>increase</a:t>
+              <a:t>main image</a:t>
             </a:r>
             <a:r>
               <a:rPr lang="en-US" dirty="0"/>
-              <a:t> brightness</a:t>
-            </a:r>
-            <a:endParaRPr lang="it-IT" dirty="0"/>
-          </a:p>
-        </p:txBody>
-      </p:sp>
-      <p:sp>
-        <p:nvSpPr>
-          <p:cNvPr id="31" name="Freccia in su 30">
-            <a:extLst>
-              <a:ext uri="{FF2B5EF4-FFF2-40B4-BE49-F238E27FC236}">
-                <a16:creationId xmlns:a16="http://schemas.microsoft.com/office/drawing/2014/main" id="{28985FC8-50D0-4127-B1AC-2B76C3E34E15}"/>
-              </a:ext>
-            </a:extLst>
-          </p:cNvPr>
-          <p:cNvSpPr/>
-          <p:nvPr/>
-        </p:nvSpPr>
-        <p:spPr>
-          <a:xfrm rot="5400000">
-            <a:off x="1724811" y="2765433"/>
-            <a:ext cx="150312" cy="331940"/>
-          </a:xfrm>
-          <a:prstGeom prst="upArrow">
-            <a:avLst/>
-          </a:prstGeom>
-        </p:spPr>
-        <p:style>
-          <a:lnRef idx="2">
-            <a:schemeClr val="dk1">
-              <a:shade val="50000"/>
-            </a:schemeClr>
-          </a:lnRef>
-          <a:fillRef idx="1">
-            <a:schemeClr val="dk1"/>
-          </a:fillRef>
-          <a:effectRef idx="0">
-            <a:schemeClr val="dk1"/>
-          </a:effectRef>
-          <a:fontRef idx="minor">
-            <a:schemeClr val="lt1"/>
-          </a:fontRef>
-        </p:style>
-        <p:txBody>
-          <a:bodyPr rtlCol="0" anchor="ctr"/>
-          <a:lstStyle/>
-          <a:p>
-            <a:pPr algn="ctr"/>
-            <a:endParaRPr lang="it-IT"/>
-          </a:p>
-        </p:txBody>
-      </p:sp>
-      <p:sp>
-        <p:nvSpPr>
-          <p:cNvPr id="32" name="CasellaDiTesto 31">
-            <a:extLst>
-              <a:ext uri="{FF2B5EF4-FFF2-40B4-BE49-F238E27FC236}">
-                <a16:creationId xmlns:a16="http://schemas.microsoft.com/office/drawing/2014/main" id="{88E9DB5A-EBA0-45D9-9DE7-C1F6D1C4F392}"/>
-              </a:ext>
-            </a:extLst>
-          </p:cNvPr>
-          <p:cNvSpPr txBox="1"/>
-          <p:nvPr/>
-        </p:nvSpPr>
-        <p:spPr>
-          <a:xfrm>
-            <a:off x="2068077" y="3674414"/>
-            <a:ext cx="3849173" cy="369332"/>
-          </a:xfrm>
-          <a:prstGeom prst="rect">
-            <a:avLst/>
-          </a:prstGeom>
-          <a:noFill/>
-        </p:spPr>
-        <p:txBody>
-          <a:bodyPr wrap="square" rtlCol="0">
-            <a:spAutoFit/>
-          </a:bodyPr>
-          <a:lstStyle/>
-          <a:p>
+              <a:t> to be blurred</a:t>
+            </a:r>
+          </a:p>
+          <a:p>
+            <a:pPr marL="742950" lvl="1" indent="-285750">
+              <a:buFont typeface="Arial" panose="020B0604020202020204" pitchFamily="34" charset="0"/>
+              <a:buChar char="•"/>
+            </a:pPr>
             <a:r>
               <a:rPr lang="en-US" dirty="0"/>
-              <a:t>apply Gaussian blur, </a:t>
+              <a:t>A </a:t>
             </a:r>
             <a:r>
               <a:rPr lang="en-US" b="1" dirty="0"/>
-              <a:t>keep</a:t>
+              <a:t>Blur Control Map</a:t>
             </a:r>
             <a:r>
               <a:rPr lang="en-US" dirty="0"/>
-              <a:t> brightness</a:t>
-            </a:r>
-            <a:endParaRPr lang="it-IT" dirty="0"/>
-          </a:p>
-        </p:txBody>
-      </p:sp>
-      <p:sp>
-        <p:nvSpPr>
-          <p:cNvPr id="33" name="Freccia in su 32">
-            <a:extLst>
-              <a:ext uri="{FF2B5EF4-FFF2-40B4-BE49-F238E27FC236}">
-                <a16:creationId xmlns:a16="http://schemas.microsoft.com/office/drawing/2014/main" id="{3C0A650E-E4E9-43EE-A72E-81CDB5F4D924}"/>
-              </a:ext>
-            </a:extLst>
-          </p:cNvPr>
-          <p:cNvSpPr/>
-          <p:nvPr/>
-        </p:nvSpPr>
-        <p:spPr>
-          <a:xfrm rot="5400000">
-            <a:off x="1724811" y="3701015"/>
-            <a:ext cx="150312" cy="331940"/>
-          </a:xfrm>
-          <a:prstGeom prst="upArrow">
-            <a:avLst/>
-          </a:prstGeom>
-        </p:spPr>
-        <p:style>
-          <a:lnRef idx="2">
-            <a:schemeClr val="dk1">
-              <a:shade val="50000"/>
-            </a:schemeClr>
-          </a:lnRef>
-          <a:fillRef idx="1">
-            <a:schemeClr val="dk1"/>
-          </a:fillRef>
-          <a:effectRef idx="0">
-            <a:schemeClr val="dk1"/>
-          </a:effectRef>
-          <a:fontRef idx="minor">
-            <a:schemeClr val="lt1"/>
-          </a:fontRef>
-        </p:style>
-        <p:txBody>
-          <a:bodyPr rtlCol="0" anchor="ctr"/>
-          <a:lstStyle/>
-          <a:p>
-            <a:pPr algn="ctr"/>
-            <a:endParaRPr lang="it-IT"/>
-          </a:p>
-        </p:txBody>
-      </p:sp>
-      <p:sp>
-        <p:nvSpPr>
-          <p:cNvPr id="34" name="CasellaDiTesto 33">
-            <a:extLst>
-              <a:ext uri="{FF2B5EF4-FFF2-40B4-BE49-F238E27FC236}">
-                <a16:creationId xmlns:a16="http://schemas.microsoft.com/office/drawing/2014/main" id="{0CB6148F-80E6-4B68-A2A2-E9F516AD948D}"/>
-              </a:ext>
-            </a:extLst>
-          </p:cNvPr>
-          <p:cNvSpPr txBox="1"/>
-          <p:nvPr/>
-        </p:nvSpPr>
-        <p:spPr>
-          <a:xfrm>
-            <a:off x="2068077" y="4602808"/>
-            <a:ext cx="3849173" cy="369332"/>
-          </a:xfrm>
-          <a:prstGeom prst="rect">
-            <a:avLst/>
-          </a:prstGeom>
-          <a:noFill/>
-        </p:spPr>
-        <p:txBody>
-          <a:bodyPr wrap="square" rtlCol="0">
-            <a:spAutoFit/>
-          </a:bodyPr>
-          <a:lstStyle/>
-          <a:p>
+              <a:t> that determines how each pixel is processed</a:t>
+            </a:r>
+          </a:p>
+          <a:p>
+            <a:endParaRPr lang="en-US" dirty="0"/>
+          </a:p>
+          <a:p>
+            <a:pPr marL="285750" indent="-285750">
+              <a:buFont typeface="Arial" panose="020B0604020202020204" pitchFamily="34" charset="0"/>
+              <a:buChar char="•"/>
+            </a:pPr>
             <a:r>
               <a:rPr lang="en-US" dirty="0"/>
-              <a:t>apply Gaussian blur, </a:t>
-            </a:r>
-            <a:r>
-              <a:rPr lang="en-US" b="1" dirty="0"/>
-              <a:t>reduce</a:t>
-            </a:r>
-            <a:r>
-              <a:rPr lang="en-US" dirty="0"/>
-              <a:t> brightness</a:t>
-            </a:r>
-            <a:endParaRPr lang="it-IT" dirty="0"/>
-          </a:p>
-        </p:txBody>
-      </p:sp>
-      <p:sp>
-        <p:nvSpPr>
-          <p:cNvPr id="35" name="Freccia in su 34">
-            <a:extLst>
-              <a:ext uri="{FF2B5EF4-FFF2-40B4-BE49-F238E27FC236}">
-                <a16:creationId xmlns:a16="http://schemas.microsoft.com/office/drawing/2014/main" id="{DB61C10C-F8EB-4890-BDF8-F1096ABE2058}"/>
-              </a:ext>
-            </a:extLst>
-          </p:cNvPr>
-          <p:cNvSpPr/>
-          <p:nvPr/>
-        </p:nvSpPr>
-        <p:spPr>
-          <a:xfrm rot="5400000">
-            <a:off x="1724811" y="4629409"/>
-            <a:ext cx="150312" cy="331940"/>
-          </a:xfrm>
-          <a:prstGeom prst="upArrow">
-            <a:avLst/>
-          </a:prstGeom>
-        </p:spPr>
-        <p:style>
-          <a:lnRef idx="2">
-            <a:schemeClr val="dk1">
-              <a:shade val="50000"/>
-            </a:schemeClr>
-          </a:lnRef>
-          <a:fillRef idx="1">
-            <a:schemeClr val="dk1"/>
-          </a:fillRef>
-          <a:effectRef idx="0">
-            <a:schemeClr val="dk1"/>
-          </a:effectRef>
-          <a:fontRef idx="minor">
-            <a:schemeClr val="lt1"/>
-          </a:fontRef>
-        </p:style>
-        <p:txBody>
-          <a:bodyPr rtlCol="0" anchor="ctr"/>
-          <a:lstStyle/>
-          <a:p>
-            <a:pPr algn="ctr"/>
-            <a:endParaRPr lang="it-IT"/>
+              <a:t>Grayscale format: easy to parse and process pixel values directly.</a:t>
+            </a:r>
           </a:p>
         </p:txBody>
       </p:sp>
       <p:pic>
         <p:nvPicPr>
-          <p:cNvPr id="37" name="Immagine 36">
-            <a:extLst>
-              <a:ext uri="{FF2B5EF4-FFF2-40B4-BE49-F238E27FC236}">
-                <a16:creationId xmlns:a16="http://schemas.microsoft.com/office/drawing/2014/main" id="{A5A8FAAB-CACE-45BF-B8BD-2E9BF5367CDA}"/>
+          <p:cNvPr id="4" name="Immagine 3">
+            <a:extLst>
+              <a:ext uri="{FF2B5EF4-FFF2-40B4-BE49-F238E27FC236}">
+                <a16:creationId xmlns:a16="http://schemas.microsoft.com/office/drawing/2014/main" id="{2E7D6280-8155-4F7C-8CFF-6CE6DAC20989}"/>
               </a:ext>
             </a:extLst>
           </p:cNvPr>
@@ -6824,104 +6726,24 @@
               </a:ext>
             </a:extLst>
           </a:blip>
-          <a:srcRect/>
-          <a:stretch/>
+          <a:stretch>
+            <a:fillRect/>
+          </a:stretch>
         </p:blipFill>
         <p:spPr>
           <a:xfrm>
-            <a:off x="8087014" y="877797"/>
-            <a:ext cx="2036909" cy="2036909"/>
+            <a:off x="7154558" y="1350645"/>
+            <a:ext cx="4058324" cy="3998415"/>
           </a:xfrm>
           <a:prstGeom prst="rect">
             <a:avLst/>
           </a:prstGeom>
         </p:spPr>
       </p:pic>
-      <p:pic>
-        <p:nvPicPr>
-          <p:cNvPr id="38" name="Immagine 37">
-            <a:extLst>
-              <a:ext uri="{FF2B5EF4-FFF2-40B4-BE49-F238E27FC236}">
-                <a16:creationId xmlns:a16="http://schemas.microsoft.com/office/drawing/2014/main" id="{4BBB1AA0-7FCF-4920-8E91-9523E31F5A8C}"/>
-              </a:ext>
-            </a:extLst>
-          </p:cNvPr>
-          <p:cNvPicPr>
-            <a:picLocks noChangeAspect="1"/>
-          </p:cNvPicPr>
-          <p:nvPr/>
-        </p:nvPicPr>
-        <p:blipFill>
-          <a:blip r:embed="rId6">
-            <a:extLst>
-              <a:ext uri="{28A0092B-C50C-407E-A947-70E740481C1C}">
-                <a14:useLocalDpi xmlns:a14="http://schemas.microsoft.com/office/drawing/2010/main" val="0"/>
-              </a:ext>
-            </a:extLst>
-          </a:blip>
-          <a:srcRect/>
-          <a:stretch/>
-        </p:blipFill>
-        <p:spPr>
-          <a:xfrm>
-            <a:off x="8087013" y="3623986"/>
-            <a:ext cx="2036909" cy="2036909"/>
-          </a:xfrm>
-          <a:prstGeom prst="rect">
-            <a:avLst/>
-          </a:prstGeom>
-        </p:spPr>
-      </p:pic>
-      <p:sp>
-        <p:nvSpPr>
-          <p:cNvPr id="39" name="Freccia in giù 38">
-            <a:extLst>
-              <a:ext uri="{FF2B5EF4-FFF2-40B4-BE49-F238E27FC236}">
-                <a16:creationId xmlns:a16="http://schemas.microsoft.com/office/drawing/2014/main" id="{39143A1E-9B4C-44D2-AEA4-61313C4B35BC}"/>
-              </a:ext>
-            </a:extLst>
-          </p:cNvPr>
-          <p:cNvSpPr/>
-          <p:nvPr/>
-        </p:nvSpPr>
-        <p:spPr>
-          <a:xfrm>
-            <a:off x="8950829" y="3044934"/>
-            <a:ext cx="302419" cy="475476"/>
-          </a:xfrm>
-          <a:prstGeom prst="downArrow">
-            <a:avLst/>
-          </a:prstGeom>
-        </p:spPr>
-        <p:style>
-          <a:lnRef idx="2">
-            <a:schemeClr val="dk1">
-              <a:shade val="50000"/>
-            </a:schemeClr>
-          </a:lnRef>
-          <a:fillRef idx="1">
-            <a:schemeClr val="dk1"/>
-          </a:fillRef>
-          <a:effectRef idx="0">
-            <a:schemeClr val="dk1"/>
-          </a:effectRef>
-          <a:fontRef idx="minor">
-            <a:schemeClr val="lt1"/>
-          </a:fontRef>
-        </p:style>
-        <p:txBody>
-          <a:bodyPr rtlCol="0" anchor="ctr"/>
-          <a:lstStyle/>
-          <a:p>
-            <a:pPr algn="ctr"/>
-            <a:endParaRPr lang="it-IT"/>
-          </a:p>
-        </p:txBody>
-      </p:sp>
     </p:spTree>
     <p:extLst>
       <p:ext uri="{BB962C8B-B14F-4D97-AF65-F5344CB8AC3E}">
-        <p14:creationId xmlns:p14="http://schemas.microsoft.com/office/powerpoint/2010/main" val="1593689301"/>
+        <p14:creationId xmlns:p14="http://schemas.microsoft.com/office/powerpoint/2010/main" val="3553091261"/>
       </p:ext>
     </p:extLst>
   </p:cSld>
@@ -6931,7 +6753,7 @@
 </p:sld>
 </file>
 
-<file path=ppt/slides/slide5.xml><?xml version="1.0" encoding="utf-8"?>
+<file path=ppt/slides/slide4.xml><?xml version="1.0" encoding="utf-8"?>
 <p:sld xmlns:a="http://schemas.openxmlformats.org/drawingml/2006/main" xmlns:r="http://schemas.openxmlformats.org/officeDocument/2006/relationships" xmlns:p="http://schemas.openxmlformats.org/presentationml/2006/main">
   <p:cSld>
     <p:spTree>
@@ -7185,7 +7007,7 @@
         <p:spPr>
           <a:xfrm>
             <a:off x="330375" y="231466"/>
-            <a:ext cx="6905608" cy="646331"/>
+            <a:ext cx="6699655" cy="646331"/>
           </a:xfrm>
           <a:prstGeom prst="rect">
             <a:avLst/>
@@ -7200,7 +7022,7 @@
           <a:p>
             <a:r>
               <a:rPr lang="en-US" sz="3600" b="1" dirty="0"/>
-              <a:t>Applying the Filter: 2D Convolution</a:t>
+              <a:t>Applying the Blur: 2D Convolution</a:t>
             </a:r>
             <a:endParaRPr lang="it-IT" sz="3600" b="1" dirty="0"/>
           </a:p>
@@ -7295,8 +7117,8 @@
         </p:nvSpPr>
         <p:spPr>
           <a:xfrm>
-            <a:off x="487988" y="1124099"/>
-            <a:ext cx="5346430" cy="4832092"/>
+            <a:off x="487988" y="1920895"/>
+            <a:ext cx="5346430" cy="3016210"/>
           </a:xfrm>
           <a:prstGeom prst="rect">
             <a:avLst/>
@@ -7389,109 +7211,8 @@
               <a:t> in the output image</a:t>
             </a:r>
           </a:p>
-          <a:p>
-            <a:pPr lvl="1">
-              <a:spcAft>
-                <a:spcPts val="600"/>
-              </a:spcAft>
-            </a:pPr>
-            <a:endParaRPr lang="en-US" dirty="0"/>
-          </a:p>
-          <a:p>
-            <a:pPr marL="285750" indent="-285750">
-              <a:buFont typeface="Arial" panose="020B0604020202020204" pitchFamily="34" charset="0"/>
-              <a:buChar char="•"/>
-            </a:pPr>
-            <a:r>
-              <a:rPr lang="en-US" dirty="0"/>
-              <a:t>In the implemented filter, a </a:t>
-            </a:r>
-            <a:r>
-              <a:rPr lang="en-US" b="1" dirty="0"/>
-              <a:t>unique Gaussian kernel</a:t>
-            </a:r>
-            <a:r>
-              <a:rPr lang="en-US" dirty="0"/>
-              <a:t> is </a:t>
-            </a:r>
-            <a:r>
-              <a:rPr lang="en-US" b="1" dirty="0"/>
-              <a:t>dynamically computed</a:t>
-            </a:r>
-            <a:r>
-              <a:rPr lang="en-US" dirty="0"/>
-              <a:t> for </a:t>
-            </a:r>
-            <a:r>
-              <a:rPr lang="en-US" b="1" dirty="0"/>
-              <a:t>each pixel</a:t>
-            </a:r>
-            <a:r>
-              <a:rPr lang="en-US" dirty="0"/>
-              <a:t>, </a:t>
-            </a:r>
-            <a:r>
-              <a:rPr lang="en-US" b="1" dirty="0"/>
-              <a:t>centered at its position</a:t>
-            </a:r>
-            <a:r>
-              <a:rPr lang="en-US" dirty="0"/>
-              <a:t>.</a:t>
-            </a:r>
-          </a:p>
-          <a:p>
-            <a:pPr marL="285750" indent="-285750">
-              <a:buFont typeface="Arial" panose="020B0604020202020204" pitchFamily="34" charset="0"/>
-              <a:buChar char="•"/>
-            </a:pPr>
-            <a:endParaRPr lang="en-US" dirty="0"/>
-          </a:p>
-          <a:p>
-            <a:pPr marL="285750" indent="-285750">
-              <a:buFont typeface="Arial" panose="020B0604020202020204" pitchFamily="34" charset="0"/>
-              <a:buChar char="•"/>
-            </a:pPr>
-            <a:r>
-              <a:rPr lang="en-US" b="1" dirty="0"/>
-              <a:t>Time complexity</a:t>
-            </a:r>
-            <a:r>
-              <a:rPr lang="en-US" dirty="0"/>
-              <a:t>:  𝑂(𝑤 × ℎ × 𝑛²)</a:t>
-            </a:r>
-          </a:p>
-        </p:txBody>
-      </p:sp>
-      <p:pic>
-        <p:nvPicPr>
-          <p:cNvPr id="5" name="Immagine 4">
-            <a:extLst>
-              <a:ext uri="{FF2B5EF4-FFF2-40B4-BE49-F238E27FC236}">
-                <a16:creationId xmlns:a16="http://schemas.microsoft.com/office/drawing/2014/main" id="{C63C082D-69E5-46BB-AB64-6A163ACFFC81}"/>
-              </a:ext>
-            </a:extLst>
-          </p:cNvPr>
-          <p:cNvPicPr>
-            <a:picLocks noChangeAspect="1"/>
-          </p:cNvPicPr>
-          <p:nvPr/>
-        </p:nvPicPr>
-        <p:blipFill>
-          <a:blip r:embed="rId6"/>
-          <a:stretch>
-            <a:fillRect/>
-          </a:stretch>
-        </p:blipFill>
-        <p:spPr>
-          <a:xfrm>
-            <a:off x="12849347" y="2225040"/>
-            <a:ext cx="4283343" cy="2067266"/>
-          </a:xfrm>
-          <a:prstGeom prst="rect">
-            <a:avLst/>
-          </a:prstGeom>
-        </p:spPr>
-      </p:pic>
+        </p:txBody>
+      </p:sp>
     </p:spTree>
     <p:extLst>
       <p:ext uri="{BB962C8B-B14F-4D97-AF65-F5344CB8AC3E}">
@@ -7505,7 +7226,7 @@
 </p:sld>
 </file>
 
-<file path=ppt/slides/slide6.xml><?xml version="1.0" encoding="utf-8"?>
+<file path=ppt/slides/slide5.xml><?xml version="1.0" encoding="utf-8"?>
 <p:sld xmlns:a="http://schemas.openxmlformats.org/drawingml/2006/main" xmlns:r="http://schemas.openxmlformats.org/officeDocument/2006/relationships" xmlns:p="http://schemas.openxmlformats.org/presentationml/2006/main">
   <p:cSld>
     <p:spTree>
@@ -7522,6 +7243,116 @@
           <a:chExt cx="0" cy="0"/>
         </a:xfrm>
       </p:grpSpPr>
+      <p:sp>
+        <p:nvSpPr>
+          <p:cNvPr id="80" name="Rettangolo con angoli arrotondati 79">
+            <a:extLst>
+              <a:ext uri="{FF2B5EF4-FFF2-40B4-BE49-F238E27FC236}">
+                <a16:creationId xmlns:a16="http://schemas.microsoft.com/office/drawing/2014/main" id="{7256ED60-3137-491A-9378-699BFA2575DD}"/>
+              </a:ext>
+            </a:extLst>
+          </p:cNvPr>
+          <p:cNvSpPr/>
+          <p:nvPr/>
+        </p:nvSpPr>
+        <p:spPr>
+          <a:xfrm>
+            <a:off x="6624095" y="5000055"/>
+            <a:ext cx="4834423" cy="764651"/>
+          </a:xfrm>
+          <a:prstGeom prst="roundRect">
+            <a:avLst>
+              <a:gd name="adj" fmla="val 10960"/>
+            </a:avLst>
+          </a:prstGeom>
+          <a:solidFill>
+            <a:schemeClr val="accent2">
+              <a:lumMod val="60000"/>
+              <a:lumOff val="40000"/>
+            </a:schemeClr>
+          </a:solidFill>
+          <a:ln>
+            <a:noFill/>
+          </a:ln>
+        </p:spPr>
+        <p:style>
+          <a:lnRef idx="3">
+            <a:schemeClr val="lt1"/>
+          </a:lnRef>
+          <a:fillRef idx="1">
+            <a:schemeClr val="accent2"/>
+          </a:fillRef>
+          <a:effectRef idx="1">
+            <a:schemeClr val="accent2"/>
+          </a:effectRef>
+          <a:fontRef idx="minor">
+            <a:schemeClr val="lt1"/>
+          </a:fontRef>
+        </p:style>
+        <p:txBody>
+          <a:bodyPr rtlCol="0" anchor="ctr"/>
+          <a:lstStyle/>
+          <a:p>
+            <a:pPr algn="ctr"/>
+            <a:endParaRPr lang="it-IT"/>
+          </a:p>
+        </p:txBody>
+      </p:sp>
+      <p:sp>
+        <p:nvSpPr>
+          <p:cNvPr id="79" name="Rettangolo con angoli arrotondati 78">
+            <a:extLst>
+              <a:ext uri="{FF2B5EF4-FFF2-40B4-BE49-F238E27FC236}">
+                <a16:creationId xmlns:a16="http://schemas.microsoft.com/office/drawing/2014/main" id="{9719EC0C-9747-4F81-99C1-5C8C0034F864}"/>
+              </a:ext>
+            </a:extLst>
+          </p:cNvPr>
+          <p:cNvSpPr/>
+          <p:nvPr/>
+        </p:nvSpPr>
+        <p:spPr>
+          <a:xfrm>
+            <a:off x="6624095" y="4048947"/>
+            <a:ext cx="4834423" cy="626973"/>
+          </a:xfrm>
+          <a:prstGeom prst="roundRect">
+            <a:avLst>
+              <a:gd name="adj" fmla="val 10960"/>
+            </a:avLst>
+          </a:prstGeom>
+          <a:solidFill>
+            <a:schemeClr val="accent2">
+              <a:lumMod val="60000"/>
+              <a:lumOff val="40000"/>
+            </a:schemeClr>
+          </a:solidFill>
+          <a:ln>
+            <a:noFill/>
+          </a:ln>
+        </p:spPr>
+        <p:style>
+          <a:lnRef idx="3">
+            <a:schemeClr val="lt1"/>
+          </a:lnRef>
+          <a:fillRef idx="1">
+            <a:schemeClr val="accent2"/>
+          </a:fillRef>
+          <a:effectRef idx="1">
+            <a:schemeClr val="accent2"/>
+          </a:effectRef>
+          <a:fontRef idx="minor">
+            <a:schemeClr val="lt1"/>
+          </a:fontRef>
+        </p:style>
+        <p:txBody>
+          <a:bodyPr rtlCol="0" anchor="ctr"/>
+          <a:lstStyle/>
+          <a:p>
+            <a:pPr algn="ctr"/>
+            <a:endParaRPr lang="it-IT"/>
+          </a:p>
+        </p:txBody>
+      </p:sp>
       <p:sp>
         <p:nvSpPr>
           <p:cNvPr id="8" name="Rettangolo con un angolo in alto arrotondato e l'altro ritagliato 7">
@@ -7744,6 +7575,42 @@
           </a:p>
         </p:txBody>
       </p:sp>
+      <p:sp>
+        <p:nvSpPr>
+          <p:cNvPr id="14" name="CasellaDiTesto 13">
+            <a:extLst>
+              <a:ext uri="{FF2B5EF4-FFF2-40B4-BE49-F238E27FC236}">
+                <a16:creationId xmlns:a16="http://schemas.microsoft.com/office/drawing/2014/main" id="{139906C6-3D94-414E-99D1-BBC80DE39511}"/>
+              </a:ext>
+            </a:extLst>
+          </p:cNvPr>
+          <p:cNvSpPr txBox="1"/>
+          <p:nvPr/>
+        </p:nvSpPr>
+        <p:spPr>
+          <a:xfrm>
+            <a:off x="330375" y="231466"/>
+            <a:ext cx="7668702" cy="646331"/>
+          </a:xfrm>
+          <a:prstGeom prst="rect">
+            <a:avLst/>
+          </a:prstGeom>
+          <a:noFill/>
+        </p:spPr>
+        <p:txBody>
+          <a:bodyPr wrap="none" rtlCol="0">
+            <a:spAutoFit/>
+          </a:bodyPr>
+          <a:lstStyle/>
+          <a:p>
+            <a:r>
+              <a:rPr lang="en-US" sz="3600" b="1" dirty="0"/>
+              <a:t>Compute the Kernel: Gaussian Formula</a:t>
+            </a:r>
+            <a:endParaRPr lang="it-IT" sz="3600" b="1" dirty="0"/>
+          </a:p>
+        </p:txBody>
+      </p:sp>
       <p:pic>
         <p:nvPicPr>
           <p:cNvPr id="15" name="Elemento grafico 14">
@@ -7785,10 +7652,10 @@
       </p:pic>
       <p:sp>
         <p:nvSpPr>
-          <p:cNvPr id="19" name="CasellaDiTesto 18">
-            <a:extLst>
-              <a:ext uri="{FF2B5EF4-FFF2-40B4-BE49-F238E27FC236}">
-                <a16:creationId xmlns:a16="http://schemas.microsoft.com/office/drawing/2014/main" id="{35FDDEA8-3019-42FA-814E-B4F3A6D22B10}"/>
+          <p:cNvPr id="28" name="CasellaDiTesto 27">
+            <a:extLst>
+              <a:ext uri="{FF2B5EF4-FFF2-40B4-BE49-F238E27FC236}">
+                <a16:creationId xmlns:a16="http://schemas.microsoft.com/office/drawing/2014/main" id="{5D5776F2-BD98-4A76-A063-D9ECF3C12E34}"/>
               </a:ext>
             </a:extLst>
           </p:cNvPr>
@@ -7797,8 +7664,8 @@
         </p:nvSpPr>
         <p:spPr>
           <a:xfrm>
-            <a:off x="330375" y="231466"/>
-            <a:ext cx="8205195" cy="646331"/>
+            <a:off x="487988" y="1625366"/>
+            <a:ext cx="5505188" cy="3693319"/>
           </a:xfrm>
           <a:prstGeom prst="rect">
             <a:avLst/>
@@ -7806,41 +7673,6 @@
           <a:noFill/>
         </p:spPr>
         <p:txBody>
-          <a:bodyPr wrap="none" rtlCol="0">
-            <a:spAutoFit/>
-          </a:bodyPr>
-          <a:lstStyle/>
-          <a:p>
-            <a:r>
-              <a:rPr lang="en-US" sz="3600" b="1" dirty="0"/>
-              <a:t>Test Setup: Input Data and Load Scenarios</a:t>
-            </a:r>
-          </a:p>
-        </p:txBody>
-      </p:sp>
-      <p:sp>
-        <p:nvSpPr>
-          <p:cNvPr id="20" name="CasellaDiTesto 19">
-            <a:extLst>
-              <a:ext uri="{FF2B5EF4-FFF2-40B4-BE49-F238E27FC236}">
-                <a16:creationId xmlns:a16="http://schemas.microsoft.com/office/drawing/2014/main" id="{F43D8FBF-7224-4771-AD90-1F2BA6764838}"/>
-              </a:ext>
-            </a:extLst>
-          </p:cNvPr>
-          <p:cNvSpPr txBox="1"/>
-          <p:nvPr/>
-        </p:nvSpPr>
-        <p:spPr>
-          <a:xfrm>
-            <a:off x="487988" y="1720840"/>
-            <a:ext cx="5346430" cy="3416320"/>
-          </a:xfrm>
-          <a:prstGeom prst="rect">
-            <a:avLst/>
-          </a:prstGeom>
-          <a:noFill/>
-        </p:spPr>
-        <p:txBody>
           <a:bodyPr wrap="square" rtlCol="0">
             <a:spAutoFit/>
           </a:bodyPr>
@@ -7852,44 +7684,22 @@
             </a:pPr>
             <a:r>
               <a:rPr lang="en-US" dirty="0"/>
-              <a:t>Input images are </a:t>
+              <a:t>The kernel size is fixed (e.g., </a:t>
             </a:r>
             <a:r>
               <a:rPr lang="en-US" b="1" dirty="0"/>
-              <a:t>randomly generated</a:t>
+              <a:t>3×3</a:t>
             </a:r>
             <a:r>
               <a:rPr lang="en-US" dirty="0"/>
-              <a:t> at runtime, filled with values from </a:t>
-            </a:r>
-            <a:r>
-              <a:rPr lang="en-US" b="1" dirty="0"/>
-              <a:t>0 to 255</a:t>
-            </a:r>
-            <a:endParaRPr lang="en-US" dirty="0"/>
-          </a:p>
-          <a:p>
-            <a:endParaRPr lang="en-US" dirty="0"/>
+              <a:t>)</a:t>
+            </a:r>
           </a:p>
           <a:p>
             <a:pPr marL="285750" indent="-285750">
               <a:buFont typeface="Arial" panose="020B0604020202020204" pitchFamily="34" charset="0"/>
               <a:buChar char="•"/>
             </a:pPr>
-            <a:r>
-              <a:rPr lang="en-US" dirty="0"/>
-              <a:t>Each image is of size </a:t>
-            </a:r>
-            <a:r>
-              <a:rPr lang="en-US" b="1" dirty="0"/>
-              <a:t>1440 × 2160 </a:t>
-            </a:r>
-            <a:r>
-              <a:rPr lang="en-US" dirty="0"/>
-              <a:t>pixels.</a:t>
-            </a:r>
-          </a:p>
-          <a:p>
             <a:endParaRPr lang="en-US" dirty="0"/>
           </a:p>
           <a:p>
@@ -7899,82 +7709,94 @@
             </a:pPr>
             <a:r>
               <a:rPr lang="en-US" dirty="0"/>
-              <a:t>Three workload levels were tested:</a:t>
-            </a:r>
-          </a:p>
-          <a:p>
-            <a:pPr marL="742950" lvl="1" indent="-285750">
-              <a:buFont typeface="Arial" panose="020B0604020202020204" pitchFamily="34" charset="0"/>
-              <a:buChar char="•"/>
-            </a:pPr>
+              <a:t>For each pixel </a:t>
+            </a:r>
             <a:r>
               <a:rPr lang="en-US" b="1" dirty="0"/>
-              <a:t>Low</a:t>
+              <a:t>(x, y)</a:t>
             </a:r>
             <a:r>
               <a:rPr lang="en-US" dirty="0"/>
-              <a:t>: 3 images</a:t>
-            </a:r>
-          </a:p>
-          <a:p>
-            <a:pPr marL="742950" lvl="1" indent="-285750">
-              <a:buFont typeface="Arial" panose="020B0604020202020204" pitchFamily="34" charset="0"/>
-              <a:buChar char="•"/>
-            </a:pPr>
+              <a:t>, a Gaussian kernel is computed using the </a:t>
+            </a:r>
             <a:r>
               <a:rPr lang="en-US" b="1" dirty="0"/>
-              <a:t>Medium</a:t>
+              <a:t>2D Gaussian function</a:t>
             </a:r>
             <a:r>
               <a:rPr lang="en-US" dirty="0"/>
-              <a:t>: 15 images</a:t>
-            </a:r>
-          </a:p>
-          <a:p>
-            <a:pPr marL="742950" lvl="1" indent="-285750">
-              <a:buFont typeface="Arial" panose="020B0604020202020204" pitchFamily="34" charset="0"/>
-              <a:buChar char="•"/>
-            </a:pPr>
-            <a:r>
-              <a:rPr lang="en-US" b="1" dirty="0"/>
-              <a:t>High</a:t>
-            </a:r>
-            <a:r>
-              <a:rPr lang="en-US" dirty="0"/>
-              <a:t>: 30 images</a:t>
-            </a:r>
-          </a:p>
-          <a:p>
-            <a:pPr lvl="1"/>
-            <a:endParaRPr lang="en-US" b="1" dirty="0"/>
+              <a:t>:</a:t>
+            </a:r>
           </a:p>
           <a:p>
             <a:pPr marL="285750" indent="-285750">
               <a:buFont typeface="Arial" panose="020B0604020202020204" pitchFamily="34" charset="0"/>
               <a:buChar char="•"/>
             </a:pPr>
+            <a:endParaRPr lang="en-US" dirty="0"/>
+          </a:p>
+          <a:p>
+            <a:pPr marL="285750" indent="-285750">
+              <a:buFont typeface="Arial" panose="020B0604020202020204" pitchFamily="34" charset="0"/>
+              <a:buChar char="•"/>
+            </a:pPr>
+            <a:endParaRPr lang="en-US" dirty="0"/>
+          </a:p>
+          <a:p>
+            <a:endParaRPr lang="en-US" dirty="0"/>
+          </a:p>
+          <a:p>
+            <a:endParaRPr lang="en-US" dirty="0"/>
+          </a:p>
+          <a:p>
+            <a:pPr marL="285750" indent="-285750">
+              <a:buFont typeface="Arial" panose="020B0604020202020204" pitchFamily="34" charset="0"/>
+              <a:buChar char="•"/>
+            </a:pPr>
+            <a:r>
+              <a:rPr lang="en-US" dirty="0"/>
+              <a:t>The standard deviation </a:t>
+            </a:r>
             <a:r>
               <a:rPr lang="en-US" b="1" dirty="0"/>
-              <a:t>Target performance</a:t>
+              <a:t>σ</a:t>
             </a:r>
             <a:r>
               <a:rPr lang="en-US" dirty="0"/>
-              <a:t>: process at least </a:t>
-            </a:r>
+              <a:t> is dynamically computed as:</a:t>
+            </a:r>
+          </a:p>
+          <a:p>
+            <a:endParaRPr lang="en-US" dirty="0"/>
+          </a:p>
+          <a:p>
+            <a:endParaRPr lang="en-US" dirty="0"/>
+          </a:p>
+          <a:p>
+            <a:endParaRPr lang="en-US" dirty="0"/>
+          </a:p>
+          <a:p>
+            <a:pPr marL="285750" indent="-285750">
+              <a:buFont typeface="Arial" panose="020B0604020202020204" pitchFamily="34" charset="0"/>
+              <a:buChar char="•"/>
+            </a:pPr>
             <a:r>
               <a:rPr lang="en-US" b="1" dirty="0"/>
-              <a:t>10 images per second</a:t>
-            </a:r>
-            <a:endParaRPr lang="en-US" dirty="0"/>
+              <a:t>Time complexity</a:t>
+            </a:r>
+            <a:r>
+              <a:rPr lang="en-US" dirty="0"/>
+              <a:t>:  𝑂(𝑤 × ℎ × 𝑛²)</a:t>
+            </a:r>
           </a:p>
         </p:txBody>
       </p:sp>
       <p:pic>
         <p:nvPicPr>
-          <p:cNvPr id="3" name="Immagine 2">
-            <a:extLst>
-              <a:ext uri="{FF2B5EF4-FFF2-40B4-BE49-F238E27FC236}">
-                <a16:creationId xmlns:a16="http://schemas.microsoft.com/office/drawing/2014/main" id="{ED66351A-F0AF-49CA-BA4E-73BA167B3BED}"/>
+          <p:cNvPr id="5" name="Immagine 4">
+            <a:extLst>
+              <a:ext uri="{FF2B5EF4-FFF2-40B4-BE49-F238E27FC236}">
+                <a16:creationId xmlns:a16="http://schemas.microsoft.com/office/drawing/2014/main" id="{C63C082D-69E5-46BB-AB64-6A163ACFFC81}"/>
               </a:ext>
             </a:extLst>
           </p:cNvPr>
@@ -7984,33 +7806,541 @@
           <p:nvPr/>
         </p:nvPicPr>
         <p:blipFill>
-          <a:blip r:embed="rId5">
-            <a:extLst>
-              <a:ext uri="{28A0092B-C50C-407E-A947-70E740481C1C}">
-                <a14:useLocalDpi xmlns:a14="http://schemas.microsoft.com/office/drawing/2010/main" val="0"/>
-              </a:ext>
-            </a:extLst>
-          </a:blip>
+          <a:blip r:embed="rId5"/>
           <a:stretch>
             <a:fillRect/>
           </a:stretch>
         </p:blipFill>
         <p:spPr>
           <a:xfrm>
-            <a:off x="9358355" y="1627363"/>
-            <a:ext cx="2224473" cy="3387375"/>
+            <a:off x="12849347" y="2225040"/>
+            <a:ext cx="4283343" cy="2067266"/>
           </a:xfrm>
           <a:prstGeom prst="rect">
             <a:avLst/>
           </a:prstGeom>
         </p:spPr>
       </p:pic>
+      <mc:AlternateContent xmlns:mc="http://schemas.openxmlformats.org/markup-compatibility/2006">
+        <mc:Choice xmlns:a14="http://schemas.microsoft.com/office/drawing/2010/main" Requires="a14">
+          <p:sp>
+            <p:nvSpPr>
+              <p:cNvPr id="10" name="CasellaDiTesto 9">
+                <a:extLst>
+                  <a:ext uri="{FF2B5EF4-FFF2-40B4-BE49-F238E27FC236}">
+                    <a16:creationId xmlns:a16="http://schemas.microsoft.com/office/drawing/2014/main" id="{2DD92BE1-E988-43FA-944A-B2548FCD65E2}"/>
+                  </a:ext>
+                </a:extLst>
+              </p:cNvPr>
+              <p:cNvSpPr txBox="1"/>
+              <p:nvPr/>
+            </p:nvSpPr>
+            <p:spPr>
+              <a:xfrm>
+                <a:off x="1007964" y="2924888"/>
+                <a:ext cx="4131679" cy="685637"/>
+              </a:xfrm>
+              <a:prstGeom prst="rect">
+                <a:avLst/>
+              </a:prstGeom>
+              <a:noFill/>
+            </p:spPr>
+            <p:txBody>
+              <a:bodyPr wrap="square" lIns="0" tIns="0" rIns="0" bIns="0" rtlCol="0">
+                <a:spAutoFit/>
+              </a:bodyPr>
+              <a:lstStyle/>
+              <a:p>
+                <a:pPr/>
+                <a14:m>
+                  <m:oMathPara xmlns:m="http://schemas.openxmlformats.org/officeDocument/2006/math">
+                    <m:oMathParaPr>
+                      <m:jc m:val="centerGroup"/>
+                    </m:oMathParaPr>
+                    <m:oMath xmlns:m="http://schemas.openxmlformats.org/officeDocument/2006/math">
+                      <m:r>
+                        <a:rPr lang="it-IT" sz="2000" b="0" i="1" smtClean="0">
+                          <a:latin typeface="Cambria Math" panose="02040503050406030204" pitchFamily="18" charset="0"/>
+                        </a:rPr>
+                        <m:t>𝐺</m:t>
+                      </m:r>
+                      <m:d>
+                        <m:dPr>
+                          <m:ctrlPr>
+                            <a:rPr lang="it-IT" sz="2000" b="0" i="1" smtClean="0">
+                              <a:latin typeface="Cambria Math" panose="02040503050406030204" pitchFamily="18" charset="0"/>
+                            </a:rPr>
+                          </m:ctrlPr>
+                        </m:dPr>
+                        <m:e>
+                          <m:r>
+                            <a:rPr lang="it-IT" sz="2000" b="0" i="1" smtClean="0">
+                              <a:latin typeface="Cambria Math" panose="02040503050406030204" pitchFamily="18" charset="0"/>
+                            </a:rPr>
+                            <m:t>𝑥</m:t>
+                          </m:r>
+                          <m:r>
+                            <a:rPr lang="it-IT" sz="2000" b="0" i="1" smtClean="0">
+                              <a:latin typeface="Cambria Math" panose="02040503050406030204" pitchFamily="18" charset="0"/>
+                            </a:rPr>
+                            <m:t>,</m:t>
+                          </m:r>
+                          <m:r>
+                            <a:rPr lang="it-IT" sz="2000" b="0" i="1" smtClean="0">
+                              <a:latin typeface="Cambria Math" panose="02040503050406030204" pitchFamily="18" charset="0"/>
+                            </a:rPr>
+                            <m:t>𝑦</m:t>
+                          </m:r>
+                        </m:e>
+                      </m:d>
+                      <m:r>
+                        <a:rPr lang="it-IT" sz="2000" b="0" i="1" smtClean="0">
+                          <a:latin typeface="Cambria Math" panose="02040503050406030204" pitchFamily="18" charset="0"/>
+                        </a:rPr>
+                        <m:t>=</m:t>
+                      </m:r>
+                      <m:f>
+                        <m:fPr>
+                          <m:ctrlPr>
+                            <a:rPr lang="it-IT" sz="2000" b="0" i="1" smtClean="0">
+                              <a:latin typeface="Cambria Math" panose="02040503050406030204" pitchFamily="18" charset="0"/>
+                            </a:rPr>
+                          </m:ctrlPr>
+                        </m:fPr>
+                        <m:num>
+                          <m:r>
+                            <a:rPr lang="it-IT" sz="2000" b="0" i="1" smtClean="0">
+                              <a:latin typeface="Cambria Math" panose="02040503050406030204" pitchFamily="18" charset="0"/>
+                            </a:rPr>
+                            <m:t>1</m:t>
+                          </m:r>
+                        </m:num>
+                        <m:den>
+                          <m:rad>
+                            <m:radPr>
+                              <m:degHide m:val="on"/>
+                              <m:ctrlPr>
+                                <a:rPr lang="it-IT" sz="2000" b="0" i="1" smtClean="0">
+                                  <a:latin typeface="Cambria Math" panose="02040503050406030204" pitchFamily="18" charset="0"/>
+                                </a:rPr>
+                              </m:ctrlPr>
+                            </m:radPr>
+                            <m:deg/>
+                            <m:e>
+                              <m:r>
+                                <a:rPr lang="it-IT" sz="2000" b="0" i="1" smtClean="0">
+                                  <a:latin typeface="Cambria Math" panose="02040503050406030204" pitchFamily="18" charset="0"/>
+                                </a:rPr>
+                                <m:t>2</m:t>
+                              </m:r>
+                              <m:r>
+                                <a:rPr lang="it-IT" sz="2000" b="0" i="1" smtClean="0">
+                                  <a:latin typeface="Cambria Math" panose="02040503050406030204" pitchFamily="18" charset="0"/>
+                                  <a:ea typeface="Cambria Math" panose="02040503050406030204" pitchFamily="18" charset="0"/>
+                                </a:rPr>
+                                <m:t>𝜋</m:t>
+                              </m:r>
+                              <m:sSup>
+                                <m:sSupPr>
+                                  <m:ctrlPr>
+                                    <a:rPr lang="it-IT" sz="2000" b="0" i="1" smtClean="0">
+                                      <a:latin typeface="Cambria Math" panose="02040503050406030204" pitchFamily="18" charset="0"/>
+                                      <a:ea typeface="Cambria Math" panose="02040503050406030204" pitchFamily="18" charset="0"/>
+                                    </a:rPr>
+                                  </m:ctrlPr>
+                                </m:sSupPr>
+                                <m:e>
+                                  <m:r>
+                                    <a:rPr lang="it-IT" sz="2000" b="0" i="1" smtClean="0">
+                                      <a:latin typeface="Cambria Math" panose="02040503050406030204" pitchFamily="18" charset="0"/>
+                                      <a:ea typeface="Cambria Math" panose="02040503050406030204" pitchFamily="18" charset="0"/>
+                                    </a:rPr>
+                                    <m:t>𝜎</m:t>
+                                  </m:r>
+                                </m:e>
+                                <m:sup>
+                                  <m:r>
+                                    <a:rPr lang="it-IT" sz="2000" b="0" i="1" smtClean="0">
+                                      <a:latin typeface="Cambria Math" panose="02040503050406030204" pitchFamily="18" charset="0"/>
+                                      <a:ea typeface="Cambria Math" panose="02040503050406030204" pitchFamily="18" charset="0"/>
+                                    </a:rPr>
+                                    <m:t>2</m:t>
+                                  </m:r>
+                                </m:sup>
+                              </m:sSup>
+                            </m:e>
+                          </m:rad>
+                        </m:den>
+                      </m:f>
+                      <m:sSup>
+                        <m:sSupPr>
+                          <m:ctrlPr>
+                            <a:rPr lang="it-IT" sz="2000" b="0" i="1" smtClean="0">
+                              <a:latin typeface="Cambria Math" panose="02040503050406030204" pitchFamily="18" charset="0"/>
+                            </a:rPr>
+                          </m:ctrlPr>
+                        </m:sSupPr>
+                        <m:e>
+                          <m:r>
+                            <a:rPr lang="it-IT" sz="2000" b="0" i="1" smtClean="0">
+                              <a:latin typeface="Cambria Math" panose="02040503050406030204" pitchFamily="18" charset="0"/>
+                            </a:rPr>
+                            <m:t>𝑒</m:t>
+                          </m:r>
+                        </m:e>
+                        <m:sup>
+                          <m:r>
+                            <a:rPr lang="it-IT" sz="2000" b="0" i="1" smtClean="0">
+                              <a:latin typeface="Cambria Math" panose="02040503050406030204" pitchFamily="18" charset="0"/>
+                            </a:rPr>
+                            <m:t>−</m:t>
+                          </m:r>
+                          <m:f>
+                            <m:fPr>
+                              <m:ctrlPr>
+                                <a:rPr lang="it-IT" sz="2000" i="1">
+                                  <a:latin typeface="Cambria Math" panose="02040503050406030204" pitchFamily="18" charset="0"/>
+                                </a:rPr>
+                              </m:ctrlPr>
+                            </m:fPr>
+                            <m:num>
+                              <m:sSup>
+                                <m:sSupPr>
+                                  <m:ctrlPr>
+                                    <a:rPr lang="it-IT" sz="2000" i="1">
+                                      <a:latin typeface="Cambria Math" panose="02040503050406030204" pitchFamily="18" charset="0"/>
+                                    </a:rPr>
+                                  </m:ctrlPr>
+                                </m:sSupPr>
+                                <m:e>
+                                  <m:r>
+                                    <a:rPr lang="it-IT" sz="2000" i="1">
+                                      <a:latin typeface="Cambria Math" panose="02040503050406030204" pitchFamily="18" charset="0"/>
+                                    </a:rPr>
+                                    <m:t>𝑥</m:t>
+                                  </m:r>
+                                </m:e>
+                                <m:sup>
+                                  <m:r>
+                                    <a:rPr lang="it-IT" sz="2000" i="1">
+                                      <a:latin typeface="Cambria Math" panose="02040503050406030204" pitchFamily="18" charset="0"/>
+                                    </a:rPr>
+                                    <m:t>2</m:t>
+                                  </m:r>
+                                </m:sup>
+                              </m:sSup>
+                              <m:r>
+                                <a:rPr lang="it-IT" sz="2000" i="1">
+                                  <a:latin typeface="Cambria Math" panose="02040503050406030204" pitchFamily="18" charset="0"/>
+                                </a:rPr>
+                                <m:t>+</m:t>
+                              </m:r>
+                              <m:sSup>
+                                <m:sSupPr>
+                                  <m:ctrlPr>
+                                    <a:rPr lang="it-IT" sz="2000" i="1">
+                                      <a:latin typeface="Cambria Math" panose="02040503050406030204" pitchFamily="18" charset="0"/>
+                                    </a:rPr>
+                                  </m:ctrlPr>
+                                </m:sSupPr>
+                                <m:e>
+                                  <m:r>
+                                    <a:rPr lang="it-IT" sz="2000" i="1">
+                                      <a:latin typeface="Cambria Math" panose="02040503050406030204" pitchFamily="18" charset="0"/>
+                                    </a:rPr>
+                                    <m:t>𝑦</m:t>
+                                  </m:r>
+                                </m:e>
+                                <m:sup>
+                                  <m:r>
+                                    <a:rPr lang="it-IT" sz="2000" i="1">
+                                      <a:latin typeface="Cambria Math" panose="02040503050406030204" pitchFamily="18" charset="0"/>
+                                    </a:rPr>
+                                    <m:t>2</m:t>
+                                  </m:r>
+                                </m:sup>
+                              </m:sSup>
+                            </m:num>
+                            <m:den>
+                              <m:r>
+                                <a:rPr lang="it-IT" sz="2000" i="1">
+                                  <a:latin typeface="Cambria Math" panose="02040503050406030204" pitchFamily="18" charset="0"/>
+                                </a:rPr>
+                                <m:t>2</m:t>
+                              </m:r>
+                              <m:sSup>
+                                <m:sSupPr>
+                                  <m:ctrlPr>
+                                    <a:rPr lang="it-IT" sz="2000" i="1">
+                                      <a:latin typeface="Cambria Math" panose="02040503050406030204" pitchFamily="18" charset="0"/>
+                                      <a:ea typeface="Cambria Math" panose="02040503050406030204" pitchFamily="18" charset="0"/>
+                                    </a:rPr>
+                                  </m:ctrlPr>
+                                </m:sSupPr>
+                                <m:e>
+                                  <m:r>
+                                    <a:rPr lang="it-IT" sz="2000" i="1">
+                                      <a:latin typeface="Cambria Math" panose="02040503050406030204" pitchFamily="18" charset="0"/>
+                                      <a:ea typeface="Cambria Math" panose="02040503050406030204" pitchFamily="18" charset="0"/>
+                                    </a:rPr>
+                                    <m:t>𝜎</m:t>
+                                  </m:r>
+                                </m:e>
+                                <m:sup>
+                                  <m:r>
+                                    <a:rPr lang="it-IT" sz="2000" i="1">
+                                      <a:latin typeface="Cambria Math" panose="02040503050406030204" pitchFamily="18" charset="0"/>
+                                      <a:ea typeface="Cambria Math" panose="02040503050406030204" pitchFamily="18" charset="0"/>
+                                    </a:rPr>
+                                    <m:t>2</m:t>
+                                  </m:r>
+                                </m:sup>
+                              </m:sSup>
+                            </m:den>
+                          </m:f>
+                        </m:sup>
+                      </m:sSup>
+                    </m:oMath>
+                  </m:oMathPara>
+                </a14:m>
+                <a:endParaRPr lang="it-IT" sz="2000" dirty="0"/>
+              </a:p>
+            </p:txBody>
+          </p:sp>
+        </mc:Choice>
+        <mc:Fallback>
+          <p:sp>
+            <p:nvSpPr>
+              <p:cNvPr id="10" name="CasellaDiTesto 9">
+                <a:extLst>
+                  <a:ext uri="{FF2B5EF4-FFF2-40B4-BE49-F238E27FC236}">
+                    <a16:creationId xmlns:a16="http://schemas.microsoft.com/office/drawing/2014/main" id="{2DD92BE1-E988-43FA-944A-B2548FCD65E2}"/>
+                  </a:ext>
+                </a:extLst>
+              </p:cNvPr>
+              <p:cNvSpPr txBox="1">
+                <a:spLocks noRot="1" noChangeAspect="1" noMove="1" noResize="1" noEditPoints="1" noAdjustHandles="1" noChangeArrowheads="1" noChangeShapeType="1" noTextEdit="1"/>
+              </p:cNvSpPr>
+              <p:nvPr/>
+            </p:nvSpPr>
+            <p:spPr>
+              <a:xfrm>
+                <a:off x="1007964" y="2924888"/>
+                <a:ext cx="4131679" cy="685637"/>
+              </a:xfrm>
+              <a:prstGeom prst="rect">
+                <a:avLst/>
+              </a:prstGeom>
+              <a:blipFill>
+                <a:blip r:embed="rId6"/>
+                <a:stretch>
+                  <a:fillRect/>
+                </a:stretch>
+              </a:blipFill>
+            </p:spPr>
+            <p:txBody>
+              <a:bodyPr/>
+              <a:lstStyle/>
+              <a:p>
+                <a:r>
+                  <a:rPr lang="it-IT">
+                    <a:noFill/>
+                  </a:rPr>
+                  <a:t> </a:t>
+                </a:r>
+              </a:p>
+            </p:txBody>
+          </p:sp>
+        </mc:Fallback>
+      </mc:AlternateContent>
+      <mc:AlternateContent xmlns:mc="http://schemas.openxmlformats.org/markup-compatibility/2006">
+        <mc:Choice xmlns:a14="http://schemas.microsoft.com/office/drawing/2010/main" Requires="a14">
+          <p:sp>
+            <p:nvSpPr>
+              <p:cNvPr id="12" name="CasellaDiTesto 11">
+                <a:extLst>
+                  <a:ext uri="{FF2B5EF4-FFF2-40B4-BE49-F238E27FC236}">
+                    <a16:creationId xmlns:a16="http://schemas.microsoft.com/office/drawing/2014/main" id="{7C50A696-C640-4F8B-A6CE-C9C823E2E387}"/>
+                  </a:ext>
+                </a:extLst>
+              </p:cNvPr>
+              <p:cNvSpPr txBox="1"/>
+              <p:nvPr/>
+            </p:nvSpPr>
+            <p:spPr>
+              <a:xfrm>
+                <a:off x="1152736" y="4291950"/>
+                <a:ext cx="3842133" cy="400110"/>
+              </a:xfrm>
+              <a:prstGeom prst="rect">
+                <a:avLst/>
+              </a:prstGeom>
+              <a:noFill/>
+            </p:spPr>
+            <p:txBody>
+              <a:bodyPr wrap="square">
+                <a:spAutoFit/>
+              </a:bodyPr>
+              <a:lstStyle/>
+              <a:p>
+                <a:pPr/>
+                <a14:m>
+                  <m:oMathPara xmlns:m="http://schemas.openxmlformats.org/officeDocument/2006/math">
+                    <m:oMathParaPr>
+                      <m:jc m:val="centerGroup"/>
+                    </m:oMathParaPr>
+                    <m:oMath xmlns:m="http://schemas.openxmlformats.org/officeDocument/2006/math">
+                      <m:r>
+                        <a:rPr lang="it-IT" sz="2000" b="0" i="1" smtClean="0">
+                          <a:latin typeface="Cambria Math" panose="02040503050406030204" pitchFamily="18" charset="0"/>
+                          <a:ea typeface="Cambria Math" panose="02040503050406030204" pitchFamily="18" charset="0"/>
+                        </a:rPr>
+                        <m:t>𝜎</m:t>
+                      </m:r>
+                      <m:r>
+                        <a:rPr lang="it-IT" sz="2000" b="0" i="1" smtClean="0">
+                          <a:latin typeface="Cambria Math" panose="02040503050406030204" pitchFamily="18" charset="0"/>
+                          <a:ea typeface="Cambria Math" panose="02040503050406030204" pitchFamily="18" charset="0"/>
+                        </a:rPr>
+                        <m:t>=</m:t>
+                      </m:r>
+                      <m:r>
+                        <m:rPr>
+                          <m:sty m:val="p"/>
+                        </m:rPr>
+                        <a:rPr lang="it-IT" sz="2000" b="0" i="0" smtClean="0">
+                          <a:latin typeface="Cambria Math" panose="02040503050406030204" pitchFamily="18" charset="0"/>
+                          <a:ea typeface="Cambria Math" panose="02040503050406030204" pitchFamily="18" charset="0"/>
+                        </a:rPr>
+                        <m:t>blurMap</m:t>
+                      </m:r>
+                      <m:d>
+                        <m:dPr>
+                          <m:ctrlPr>
+                            <a:rPr lang="it-IT" sz="2000" b="0" i="1" smtClean="0">
+                              <a:latin typeface="Cambria Math" panose="02040503050406030204" pitchFamily="18" charset="0"/>
+                              <a:ea typeface="Cambria Math" panose="02040503050406030204" pitchFamily="18" charset="0"/>
+                            </a:rPr>
+                          </m:ctrlPr>
+                        </m:dPr>
+                        <m:e>
+                          <m:r>
+                            <a:rPr lang="it-IT" sz="2000" b="0" i="1" smtClean="0">
+                              <a:latin typeface="Cambria Math" panose="02040503050406030204" pitchFamily="18" charset="0"/>
+                              <a:ea typeface="Cambria Math" panose="02040503050406030204" pitchFamily="18" charset="0"/>
+                            </a:rPr>
+                            <m:t>𝑥</m:t>
+                          </m:r>
+                          <m:r>
+                            <a:rPr lang="it-IT" sz="2000" b="0" i="1" smtClean="0">
+                              <a:latin typeface="Cambria Math" panose="02040503050406030204" pitchFamily="18" charset="0"/>
+                              <a:ea typeface="Cambria Math" panose="02040503050406030204" pitchFamily="18" charset="0"/>
+                            </a:rPr>
+                            <m:t>,</m:t>
+                          </m:r>
+                          <m:r>
+                            <a:rPr lang="it-IT" sz="2000" b="0" i="1" smtClean="0">
+                              <a:latin typeface="Cambria Math" panose="02040503050406030204" pitchFamily="18" charset="0"/>
+                              <a:ea typeface="Cambria Math" panose="02040503050406030204" pitchFamily="18" charset="0"/>
+                            </a:rPr>
+                            <m:t>𝑦</m:t>
+                          </m:r>
+                        </m:e>
+                      </m:d>
+                      <m:r>
+                        <a:rPr lang="it-IT" sz="2000" b="0" i="0" smtClean="0">
+                          <a:latin typeface="Cambria Math" panose="02040503050406030204" pitchFamily="18" charset="0"/>
+                          <a:ea typeface="Cambria Math" panose="02040503050406030204" pitchFamily="18" charset="0"/>
+                        </a:rPr>
+                        <m:t>∗</m:t>
+                      </m:r>
+                      <m:sSub>
+                        <m:sSubPr>
+                          <m:ctrlPr>
+                            <a:rPr lang="it-IT" sz="2000" i="1" smtClean="0">
+                              <a:latin typeface="Cambria Math" panose="02040503050406030204" pitchFamily="18" charset="0"/>
+                              <a:ea typeface="Cambria Math" panose="02040503050406030204" pitchFamily="18" charset="0"/>
+                            </a:rPr>
+                          </m:ctrlPr>
+                        </m:sSubPr>
+                        <m:e>
+                          <m:r>
+                            <a:rPr lang="el-GR" sz="2000" b="0" i="1" smtClean="0">
+                              <a:latin typeface="Cambria Math" panose="02040503050406030204" pitchFamily="18" charset="0"/>
+                              <a:ea typeface="Cambria Math" panose="02040503050406030204" pitchFamily="18" charset="0"/>
+                            </a:rPr>
+                            <m:t>𝜎</m:t>
+                          </m:r>
+                        </m:e>
+                        <m:sub>
+                          <m:r>
+                            <a:rPr lang="it-IT" sz="2000" b="0" i="1" smtClean="0">
+                              <a:latin typeface="Cambria Math" panose="02040503050406030204" pitchFamily="18" charset="0"/>
+                              <a:ea typeface="Cambria Math" panose="02040503050406030204" pitchFamily="18" charset="0"/>
+                            </a:rPr>
+                            <m:t>𝑀𝐴𝑋</m:t>
+                          </m:r>
+                        </m:sub>
+                      </m:sSub>
+                    </m:oMath>
+                  </m:oMathPara>
+                </a14:m>
+                <a:endParaRPr lang="it-IT" sz="2000" dirty="0"/>
+              </a:p>
+            </p:txBody>
+          </p:sp>
+        </mc:Choice>
+        <mc:Fallback>
+          <p:sp>
+            <p:nvSpPr>
+              <p:cNvPr id="12" name="CasellaDiTesto 11">
+                <a:extLst>
+                  <a:ext uri="{FF2B5EF4-FFF2-40B4-BE49-F238E27FC236}">
+                    <a16:creationId xmlns:a16="http://schemas.microsoft.com/office/drawing/2014/main" id="{7C50A696-C640-4F8B-A6CE-C9C823E2E387}"/>
+                  </a:ext>
+                </a:extLst>
+              </p:cNvPr>
+              <p:cNvSpPr txBox="1">
+                <a:spLocks noRot="1" noChangeAspect="1" noMove="1" noResize="1" noEditPoints="1" noAdjustHandles="1" noChangeArrowheads="1" noChangeShapeType="1" noTextEdit="1"/>
+              </p:cNvSpPr>
+              <p:nvPr/>
+            </p:nvSpPr>
+            <p:spPr>
+              <a:xfrm>
+                <a:off x="1152736" y="4291950"/>
+                <a:ext cx="3842133" cy="400110"/>
+              </a:xfrm>
+              <a:prstGeom prst="rect">
+                <a:avLst/>
+              </a:prstGeom>
+              <a:blipFill>
+                <a:blip r:embed="rId7"/>
+                <a:stretch>
+                  <a:fillRect b="-13636"/>
+                </a:stretch>
+              </a:blipFill>
+            </p:spPr>
+            <p:txBody>
+              <a:bodyPr/>
+              <a:lstStyle/>
+              <a:p>
+                <a:r>
+                  <a:rPr lang="it-IT">
+                    <a:noFill/>
+                  </a:rPr>
+                  <a:t> </a:t>
+                </a:r>
+              </a:p>
+            </p:txBody>
+          </p:sp>
+        </mc:Fallback>
+      </mc:AlternateContent>
       <p:pic>
         <p:nvPicPr>
-          <p:cNvPr id="5" name="Immagine 4">
-            <a:extLst>
-              <a:ext uri="{FF2B5EF4-FFF2-40B4-BE49-F238E27FC236}">
-                <a16:creationId xmlns:a16="http://schemas.microsoft.com/office/drawing/2014/main" id="{91EE246B-C211-4C48-A74A-FDC61C65F41B}"/>
+          <p:cNvPr id="51" name="Immagine 50">
+            <a:extLst>
+              <a:ext uri="{FF2B5EF4-FFF2-40B4-BE49-F238E27FC236}">
+                <a16:creationId xmlns:a16="http://schemas.microsoft.com/office/drawing/2014/main" id="{51175329-B084-4BE4-9941-A1B79B1DCFC5}"/>
               </a:ext>
             </a:extLst>
           </p:cNvPr>
@@ -8020,7 +8350,7 @@
           <p:nvPr/>
         </p:nvPicPr>
         <p:blipFill>
-          <a:blip r:embed="rId6">
+          <a:blip r:embed="rId8">
             <a:extLst>
               <a:ext uri="{28A0092B-C50C-407E-A947-70E740481C1C}">
                 <a14:useLocalDpi xmlns:a14="http://schemas.microsoft.com/office/drawing/2010/main" val="0"/>
@@ -8033,96 +8363,153 @@
         </p:blipFill>
         <p:spPr>
           <a:xfrm>
-            <a:off x="6690920" y="1627363"/>
-            <a:ext cx="2224473" cy="3384301"/>
+            <a:off x="6996562" y="1363318"/>
+            <a:ext cx="1956124" cy="1956124"/>
           </a:xfrm>
           <a:prstGeom prst="rect">
             <a:avLst/>
           </a:prstGeom>
         </p:spPr>
       </p:pic>
+      <p:sp>
+        <p:nvSpPr>
+          <p:cNvPr id="52" name="CasellaDiTesto 51">
+            <a:extLst>
+              <a:ext uri="{FF2B5EF4-FFF2-40B4-BE49-F238E27FC236}">
+                <a16:creationId xmlns:a16="http://schemas.microsoft.com/office/drawing/2014/main" id="{DCF8589B-45C5-4CEC-87DF-FA7800FD284B}"/>
+              </a:ext>
+            </a:extLst>
+          </p:cNvPr>
+          <p:cNvSpPr txBox="1"/>
+          <p:nvPr/>
+        </p:nvSpPr>
+        <p:spPr>
+          <a:xfrm>
+            <a:off x="7168377" y="3386258"/>
+            <a:ext cx="1612493" cy="338554"/>
+          </a:xfrm>
+          <a:prstGeom prst="rect">
+            <a:avLst/>
+          </a:prstGeom>
+          <a:noFill/>
+        </p:spPr>
+        <p:txBody>
+          <a:bodyPr wrap="none" rtlCol="0">
+            <a:spAutoFit/>
+          </a:bodyPr>
+          <a:lstStyle/>
+          <a:p>
+            <a:r>
+              <a:rPr lang="it-IT" sz="1600" dirty="0"/>
+              <a:t>Blur Control </a:t>
+            </a:r>
+            <a:r>
+              <a:rPr lang="it-IT" sz="1600" dirty="0" err="1"/>
+              <a:t>Map</a:t>
+            </a:r>
+            <a:endParaRPr lang="it-IT" sz="1600" dirty="0"/>
+          </a:p>
+        </p:txBody>
+      </p:sp>
+      <p:sp>
+        <p:nvSpPr>
+          <p:cNvPr id="53" name="Rettangolo 52">
+            <a:extLst>
+              <a:ext uri="{FF2B5EF4-FFF2-40B4-BE49-F238E27FC236}">
+                <a16:creationId xmlns:a16="http://schemas.microsoft.com/office/drawing/2014/main" id="{A72F3610-13EB-41B3-AFD9-4C66BC3CB0FA}"/>
+              </a:ext>
+            </a:extLst>
+          </p:cNvPr>
+          <p:cNvSpPr/>
+          <p:nvPr/>
+        </p:nvSpPr>
+        <p:spPr>
+          <a:xfrm>
+            <a:off x="7628164" y="2280122"/>
+            <a:ext cx="137432" cy="138521"/>
+          </a:xfrm>
+          <a:prstGeom prst="rect">
+            <a:avLst/>
+          </a:prstGeom>
+          <a:solidFill>
+            <a:srgbClr val="9DE4FF"/>
+          </a:solidFill>
+          <a:ln>
+            <a:noFill/>
+          </a:ln>
+        </p:spPr>
+        <p:style>
+          <a:lnRef idx="3">
+            <a:schemeClr val="lt1"/>
+          </a:lnRef>
+          <a:fillRef idx="1">
+            <a:schemeClr val="accent1"/>
+          </a:fillRef>
+          <a:effectRef idx="1">
+            <a:schemeClr val="accent1"/>
+          </a:effectRef>
+          <a:fontRef idx="minor">
+            <a:schemeClr val="lt1"/>
+          </a:fontRef>
+        </p:style>
+        <p:txBody>
+          <a:bodyPr rtlCol="0" anchor="ctr"/>
+          <a:lstStyle/>
+          <a:p>
+            <a:pPr algn="ctr"/>
+            <a:endParaRPr lang="it-IT"/>
+          </a:p>
+        </p:txBody>
+      </p:sp>
       <p:cxnSp>
         <p:nvCxnSpPr>
-          <p:cNvPr id="7" name="Connettore 2 6">
-            <a:extLst>
-              <a:ext uri="{FF2B5EF4-FFF2-40B4-BE49-F238E27FC236}">
-                <a16:creationId xmlns:a16="http://schemas.microsoft.com/office/drawing/2014/main" id="{199C9DC1-50F4-4C34-AD96-2A4D9B38DA3E}"/>
-              </a:ext>
-            </a:extLst>
-          </p:cNvPr>
-          <p:cNvCxnSpPr/>
+          <p:cNvPr id="55" name="Connettore diritto 54">
+            <a:extLst>
+              <a:ext uri="{FF2B5EF4-FFF2-40B4-BE49-F238E27FC236}">
+                <a16:creationId xmlns:a16="http://schemas.microsoft.com/office/drawing/2014/main" id="{8DAA49EF-8ABE-4AEB-B3EA-57C08869C8D6}"/>
+              </a:ext>
+            </a:extLst>
+          </p:cNvPr>
+          <p:cNvCxnSpPr>
+            <a:endCxn id="53" idx="0"/>
+          </p:cNvCxnSpPr>
           <p:nvPr/>
         </p:nvCxnSpPr>
         <p:spPr>
           <a:xfrm>
-            <a:off x="6432125" y="1627363"/>
-            <a:ext cx="0" cy="3384301"/>
-          </a:xfrm>
-          <a:prstGeom prst="straightConnector1">
+            <a:off x="7696880" y="1363318"/>
+            <a:ext cx="0" cy="916804"/>
+          </a:xfrm>
+          <a:prstGeom prst="line">
             <a:avLst/>
           </a:prstGeom>
-          <a:ln w="28575">
-            <a:headEnd type="triangle"/>
-            <a:tailEnd type="triangle"/>
+          <a:ln w="12700">
+            <a:solidFill>
+              <a:srgbClr val="9DE4FF"/>
+            </a:solidFill>
           </a:ln>
         </p:spPr>
         <p:style>
           <a:lnRef idx="1">
-            <a:schemeClr val="dk1"/>
+            <a:schemeClr val="accent1"/>
           </a:lnRef>
           <a:fillRef idx="0">
-            <a:schemeClr val="dk1"/>
+            <a:schemeClr val="accent1"/>
           </a:fillRef>
           <a:effectRef idx="0">
-            <a:schemeClr val="dk1"/>
+            <a:schemeClr val="accent1"/>
           </a:effectRef>
           <a:fontRef idx="minor">
             <a:schemeClr val="tx1"/>
           </a:fontRef>
         </p:style>
       </p:cxnSp>
-      <p:sp>
-        <p:nvSpPr>
-          <p:cNvPr id="10" name="CasellaDiTesto 9">
-            <a:extLst>
-              <a:ext uri="{FF2B5EF4-FFF2-40B4-BE49-F238E27FC236}">
-                <a16:creationId xmlns:a16="http://schemas.microsoft.com/office/drawing/2014/main" id="{FB15AD05-C1A1-4531-BEC4-56235B9F757D}"/>
-              </a:ext>
-            </a:extLst>
-          </p:cNvPr>
-          <p:cNvSpPr txBox="1"/>
-          <p:nvPr/>
-        </p:nvSpPr>
-        <p:spPr>
-          <a:xfrm rot="16200000">
-            <a:off x="5972961" y="3077603"/>
-            <a:ext cx="550151" cy="307777"/>
-          </a:xfrm>
-          <a:prstGeom prst="rect">
-            <a:avLst/>
-          </a:prstGeom>
-          <a:noFill/>
-        </p:spPr>
-        <p:txBody>
-          <a:bodyPr wrap="none" rtlCol="0">
-            <a:spAutoFit/>
-          </a:bodyPr>
-          <a:lstStyle/>
-          <a:p>
-            <a:pPr algn="ctr"/>
-            <a:r>
-              <a:rPr lang="it-IT" sz="1400" dirty="0"/>
-              <a:t>2160</a:t>
-            </a:r>
-          </a:p>
-        </p:txBody>
-      </p:sp>
       <p:cxnSp>
         <p:nvCxnSpPr>
-          <p:cNvPr id="16" name="Connettore 2 15">
-            <a:extLst>
-              <a:ext uri="{FF2B5EF4-FFF2-40B4-BE49-F238E27FC236}">
-                <a16:creationId xmlns:a16="http://schemas.microsoft.com/office/drawing/2014/main" id="{AC4A3C38-743F-496E-B55C-4D4720BF05E1}"/>
+          <p:cNvPr id="56" name="Connettore diritto 55">
+            <a:extLst>
+              <a:ext uri="{FF2B5EF4-FFF2-40B4-BE49-F238E27FC236}">
+                <a16:creationId xmlns:a16="http://schemas.microsoft.com/office/drawing/2014/main" id="{05637F90-CC20-4A73-B84B-BB62D6FEAACC}"/>
               </a:ext>
             </a:extLst>
           </p:cNvPr>
@@ -8133,26 +8520,27 @@
         </p:nvCxnSpPr>
         <p:spPr>
           <a:xfrm flipH="1">
-            <a:off x="6690921" y="5233225"/>
-            <a:ext cx="2224472" cy="0"/>
-          </a:xfrm>
-          <a:prstGeom prst="straightConnector1">
+            <a:off x="6999515" y="2349383"/>
+            <a:ext cx="687160" cy="0"/>
+          </a:xfrm>
+          <a:prstGeom prst="line">
             <a:avLst/>
           </a:prstGeom>
-          <a:ln w="28575">
-            <a:headEnd type="triangle"/>
-            <a:tailEnd type="triangle"/>
+          <a:ln w="12700">
+            <a:solidFill>
+              <a:srgbClr val="9DE4FF"/>
+            </a:solidFill>
           </a:ln>
         </p:spPr>
         <p:style>
           <a:lnRef idx="1">
-            <a:schemeClr val="dk1"/>
+            <a:schemeClr val="accent1"/>
           </a:lnRef>
           <a:fillRef idx="0">
-            <a:schemeClr val="dk1"/>
+            <a:schemeClr val="accent1"/>
           </a:fillRef>
           <a:effectRef idx="0">
-            <a:schemeClr val="dk1"/>
+            <a:schemeClr val="accent1"/>
           </a:effectRef>
           <a:fontRef idx="minor">
             <a:schemeClr val="tx1"/>
@@ -8161,10 +8549,10 @@
       </p:cxnSp>
       <p:sp>
         <p:nvSpPr>
-          <p:cNvPr id="21" name="CasellaDiTesto 20">
-            <a:extLst>
-              <a:ext uri="{FF2B5EF4-FFF2-40B4-BE49-F238E27FC236}">
-                <a16:creationId xmlns:a16="http://schemas.microsoft.com/office/drawing/2014/main" id="{09F4B912-4EA9-4BB3-8C4F-D13DDAAF2978}"/>
+          <p:cNvPr id="60" name="CasellaDiTesto 59">
+            <a:extLst>
+              <a:ext uri="{FF2B5EF4-FFF2-40B4-BE49-F238E27FC236}">
+                <a16:creationId xmlns:a16="http://schemas.microsoft.com/office/drawing/2014/main" id="{3602A44D-9A18-4030-8F6F-2EB7FF1DD856}"/>
               </a:ext>
             </a:extLst>
           </p:cNvPr>
@@ -8173,8 +8561,8 @@
         </p:nvSpPr>
         <p:spPr>
           <a:xfrm>
-            <a:off x="7528080" y="5268300"/>
-            <a:ext cx="550152" cy="307777"/>
+            <a:off x="6722001" y="2185332"/>
+            <a:ext cx="276038" cy="307777"/>
           </a:xfrm>
           <a:prstGeom prst="rect">
             <a:avLst/>
@@ -8187,18 +8575,864 @@
           </a:bodyPr>
           <a:lstStyle/>
           <a:p>
+            <a:r>
+              <a:rPr lang="it-IT" sz="1400" dirty="0"/>
+              <a:t>3</a:t>
+            </a:r>
+          </a:p>
+        </p:txBody>
+      </p:sp>
+      <p:sp>
+        <p:nvSpPr>
+          <p:cNvPr id="61" name="CasellaDiTesto 60">
+            <a:extLst>
+              <a:ext uri="{FF2B5EF4-FFF2-40B4-BE49-F238E27FC236}">
+                <a16:creationId xmlns:a16="http://schemas.microsoft.com/office/drawing/2014/main" id="{82CDF83E-E94B-49E7-931F-81B2D61B8A99}"/>
+              </a:ext>
+            </a:extLst>
+          </p:cNvPr>
+          <p:cNvSpPr txBox="1"/>
+          <p:nvPr/>
+        </p:nvSpPr>
+        <p:spPr>
+          <a:xfrm>
+            <a:off x="7565635" y="1086769"/>
+            <a:ext cx="276038" cy="307777"/>
+          </a:xfrm>
+          <a:prstGeom prst="rect">
+            <a:avLst/>
+          </a:prstGeom>
+          <a:noFill/>
+        </p:spPr>
+        <p:txBody>
+          <a:bodyPr wrap="none" rtlCol="0">
+            <a:spAutoFit/>
+          </a:bodyPr>
+          <a:lstStyle/>
+          <a:p>
+            <a:r>
+              <a:rPr lang="it-IT" sz="1400" dirty="0"/>
+              <a:t>2</a:t>
+            </a:r>
+          </a:p>
+        </p:txBody>
+      </p:sp>
+      <p:pic>
+        <p:nvPicPr>
+          <p:cNvPr id="63" name="Immagine 62">
+            <a:extLst>
+              <a:ext uri="{FF2B5EF4-FFF2-40B4-BE49-F238E27FC236}">
+                <a16:creationId xmlns:a16="http://schemas.microsoft.com/office/drawing/2014/main" id="{D4977B5E-E701-412A-9A17-2BE5DD98CFD5}"/>
+              </a:ext>
+            </a:extLst>
+          </p:cNvPr>
+          <p:cNvPicPr>
+            <a:picLocks noChangeAspect="1"/>
+          </p:cNvPicPr>
+          <p:nvPr/>
+        </p:nvPicPr>
+        <p:blipFill>
+          <a:blip r:embed="rId9">
+            <a:extLst>
+              <a:ext uri="{28A0092B-C50C-407E-A947-70E740481C1C}">
+                <a14:useLocalDpi xmlns:a14="http://schemas.microsoft.com/office/drawing/2010/main" val="0"/>
+              </a:ext>
+            </a:extLst>
+          </a:blip>
+          <a:stretch>
+            <a:fillRect/>
+          </a:stretch>
+        </p:blipFill>
+        <p:spPr>
+          <a:xfrm>
+            <a:off x="9878465" y="1871510"/>
+            <a:ext cx="2216919" cy="2216919"/>
+          </a:xfrm>
+          <a:prstGeom prst="rect">
+            <a:avLst/>
+          </a:prstGeom>
+        </p:spPr>
+      </p:pic>
+      <p:sp>
+        <p:nvSpPr>
+          <p:cNvPr id="64" name="CasellaDiTesto 63">
+            <a:extLst>
+              <a:ext uri="{FF2B5EF4-FFF2-40B4-BE49-F238E27FC236}">
+                <a16:creationId xmlns:a16="http://schemas.microsoft.com/office/drawing/2014/main" id="{660DFF81-35F5-4E2C-B52C-EA2A3FF1C0B7}"/>
+              </a:ext>
+            </a:extLst>
+          </p:cNvPr>
+          <p:cNvSpPr txBox="1"/>
+          <p:nvPr/>
+        </p:nvSpPr>
+        <p:spPr>
+          <a:xfrm>
+            <a:off x="9659197" y="3386258"/>
+            <a:ext cx="1397627" cy="338554"/>
+          </a:xfrm>
+          <a:prstGeom prst="rect">
+            <a:avLst/>
+          </a:prstGeom>
+          <a:noFill/>
+        </p:spPr>
+        <p:txBody>
+          <a:bodyPr wrap="none" rtlCol="0">
+            <a:spAutoFit/>
+          </a:bodyPr>
+          <a:lstStyle/>
+          <a:p>
+            <a:r>
+              <a:rPr lang="it-IT" sz="1600" dirty="0"/>
+              <a:t>Kernel in (3, 2)</a:t>
+            </a:r>
+          </a:p>
+        </p:txBody>
+      </p:sp>
+      <p:sp>
+        <p:nvSpPr>
+          <p:cNvPr id="65" name="Rettangolo 64">
+            <a:extLst>
+              <a:ext uri="{FF2B5EF4-FFF2-40B4-BE49-F238E27FC236}">
+                <a16:creationId xmlns:a16="http://schemas.microsoft.com/office/drawing/2014/main" id="{480D1126-8466-442E-95B1-753BCAEB7720}"/>
+              </a:ext>
+            </a:extLst>
+          </p:cNvPr>
+          <p:cNvSpPr/>
+          <p:nvPr/>
+        </p:nvSpPr>
+        <p:spPr>
+          <a:xfrm>
+            <a:off x="10601751" y="2595876"/>
+            <a:ext cx="137432" cy="138521"/>
+          </a:xfrm>
+          <a:prstGeom prst="rect">
+            <a:avLst/>
+          </a:prstGeom>
+          <a:solidFill>
+            <a:schemeClr val="accent2">
+              <a:lumMod val="60000"/>
+              <a:lumOff val="40000"/>
+            </a:schemeClr>
+          </a:solidFill>
+          <a:ln>
+            <a:noFill/>
+          </a:ln>
+        </p:spPr>
+        <p:style>
+          <a:lnRef idx="3">
+            <a:schemeClr val="lt1"/>
+          </a:lnRef>
+          <a:fillRef idx="1">
+            <a:schemeClr val="accent1"/>
+          </a:fillRef>
+          <a:effectRef idx="1">
+            <a:schemeClr val="accent1"/>
+          </a:effectRef>
+          <a:fontRef idx="minor">
+            <a:schemeClr val="lt1"/>
+          </a:fontRef>
+        </p:style>
+        <p:txBody>
+          <a:bodyPr rtlCol="0" anchor="ctr"/>
+          <a:lstStyle/>
+          <a:p>
             <a:pPr algn="ctr"/>
+            <a:endParaRPr lang="it-IT"/>
+          </a:p>
+        </p:txBody>
+      </p:sp>
+      <p:cxnSp>
+        <p:nvCxnSpPr>
+          <p:cNvPr id="66" name="Connettore diritto 65">
+            <a:extLst>
+              <a:ext uri="{FF2B5EF4-FFF2-40B4-BE49-F238E27FC236}">
+                <a16:creationId xmlns:a16="http://schemas.microsoft.com/office/drawing/2014/main" id="{4D5C2905-D6A4-4E14-B705-D8B4B5986F2A}"/>
+              </a:ext>
+            </a:extLst>
+          </p:cNvPr>
+          <p:cNvCxnSpPr>
+            <a:cxnSpLocks/>
+          </p:cNvCxnSpPr>
+          <p:nvPr/>
+        </p:nvCxnSpPr>
+        <p:spPr>
+          <a:xfrm flipV="1">
+            <a:off x="10670467" y="1873876"/>
+            <a:ext cx="0" cy="730974"/>
+          </a:xfrm>
+          <a:prstGeom prst="line">
+            <a:avLst/>
+          </a:prstGeom>
+          <a:ln w="12700">
+            <a:solidFill>
+              <a:srgbClr val="F4B183"/>
+            </a:solidFill>
+          </a:ln>
+        </p:spPr>
+        <p:style>
+          <a:lnRef idx="1">
+            <a:schemeClr val="accent1"/>
+          </a:lnRef>
+          <a:fillRef idx="0">
+            <a:schemeClr val="accent1"/>
+          </a:fillRef>
+          <a:effectRef idx="0">
+            <a:schemeClr val="accent1"/>
+          </a:effectRef>
+          <a:fontRef idx="minor">
+            <a:schemeClr val="tx1"/>
+          </a:fontRef>
+        </p:style>
+      </p:cxnSp>
+      <p:cxnSp>
+        <p:nvCxnSpPr>
+          <p:cNvPr id="68" name="Connettore diritto 67">
+            <a:extLst>
+              <a:ext uri="{FF2B5EF4-FFF2-40B4-BE49-F238E27FC236}">
+                <a16:creationId xmlns:a16="http://schemas.microsoft.com/office/drawing/2014/main" id="{1CD883D8-6D3C-49F1-99C4-893E1436EC13}"/>
+              </a:ext>
+            </a:extLst>
+          </p:cNvPr>
+          <p:cNvCxnSpPr>
+            <a:cxnSpLocks/>
+          </p:cNvCxnSpPr>
+          <p:nvPr/>
+        </p:nvCxnSpPr>
+        <p:spPr>
+          <a:xfrm>
+            <a:off x="9882149" y="2665136"/>
+            <a:ext cx="795995" cy="0"/>
+          </a:xfrm>
+          <a:prstGeom prst="line">
+            <a:avLst/>
+          </a:prstGeom>
+          <a:ln w="12700">
+            <a:solidFill>
+              <a:srgbClr val="F4B183"/>
+            </a:solidFill>
+          </a:ln>
+        </p:spPr>
+        <p:style>
+          <a:lnRef idx="1">
+            <a:schemeClr val="accent1"/>
+          </a:lnRef>
+          <a:fillRef idx="0">
+            <a:schemeClr val="accent1"/>
+          </a:fillRef>
+          <a:effectRef idx="0">
+            <a:schemeClr val="accent1"/>
+          </a:effectRef>
+          <a:fontRef idx="minor">
+            <a:schemeClr val="tx1"/>
+          </a:fontRef>
+        </p:style>
+      </p:cxnSp>
+      <p:sp>
+        <p:nvSpPr>
+          <p:cNvPr id="70" name="CasellaDiTesto 69">
+            <a:extLst>
+              <a:ext uri="{FF2B5EF4-FFF2-40B4-BE49-F238E27FC236}">
+                <a16:creationId xmlns:a16="http://schemas.microsoft.com/office/drawing/2014/main" id="{8C07E541-C140-4B1A-8524-59AE946012D9}"/>
+              </a:ext>
+            </a:extLst>
+          </p:cNvPr>
+          <p:cNvSpPr txBox="1"/>
+          <p:nvPr/>
+        </p:nvSpPr>
+        <p:spPr>
+          <a:xfrm>
+            <a:off x="9610194" y="2521099"/>
+            <a:ext cx="276038" cy="307777"/>
+          </a:xfrm>
+          <a:prstGeom prst="rect">
+            <a:avLst/>
+          </a:prstGeom>
+          <a:noFill/>
+        </p:spPr>
+        <p:txBody>
+          <a:bodyPr wrap="none" rtlCol="0">
+            <a:spAutoFit/>
+          </a:bodyPr>
+          <a:lstStyle/>
+          <a:p>
             <a:r>
               <a:rPr lang="it-IT" sz="1400" dirty="0"/>
-              <a:t>1440</a:t>
-            </a:r>
+              <a:t>2</a:t>
+            </a:r>
+          </a:p>
+        </p:txBody>
+      </p:sp>
+      <p:sp>
+        <p:nvSpPr>
+          <p:cNvPr id="71" name="CasellaDiTesto 70">
+            <a:extLst>
+              <a:ext uri="{FF2B5EF4-FFF2-40B4-BE49-F238E27FC236}">
+                <a16:creationId xmlns:a16="http://schemas.microsoft.com/office/drawing/2014/main" id="{9D83FC99-1490-4A78-AE6E-40E4DCC27424}"/>
+              </a:ext>
+            </a:extLst>
+          </p:cNvPr>
+          <p:cNvSpPr txBox="1"/>
+          <p:nvPr/>
+        </p:nvSpPr>
+        <p:spPr>
+          <a:xfrm>
+            <a:off x="10534390" y="1597505"/>
+            <a:ext cx="276038" cy="307777"/>
+          </a:xfrm>
+          <a:prstGeom prst="rect">
+            <a:avLst/>
+          </a:prstGeom>
+          <a:noFill/>
+        </p:spPr>
+        <p:txBody>
+          <a:bodyPr wrap="none" rtlCol="0">
+            <a:spAutoFit/>
+          </a:bodyPr>
+          <a:lstStyle/>
+          <a:p>
+            <a:r>
+              <a:rPr lang="it-IT" sz="1400" dirty="0"/>
+              <a:t>2</a:t>
+            </a:r>
+          </a:p>
+        </p:txBody>
+      </p:sp>
+      <mc:AlternateContent xmlns:mc="http://schemas.openxmlformats.org/markup-compatibility/2006">
+        <mc:Choice xmlns:a14="http://schemas.microsoft.com/office/drawing/2010/main" Requires="a14">
+          <p:sp>
+            <p:nvSpPr>
+              <p:cNvPr id="76" name="CasellaDiTesto 75">
+                <a:extLst>
+                  <a:ext uri="{FF2B5EF4-FFF2-40B4-BE49-F238E27FC236}">
+                    <a16:creationId xmlns:a16="http://schemas.microsoft.com/office/drawing/2014/main" id="{D4692FFC-D3F2-4479-BC15-B57EDB9E6B62}"/>
+                  </a:ext>
+                </a:extLst>
+              </p:cNvPr>
+              <p:cNvSpPr txBox="1"/>
+              <p:nvPr/>
+            </p:nvSpPr>
+            <p:spPr>
+              <a:xfrm>
+                <a:off x="6722659" y="4236576"/>
+                <a:ext cx="4622227" cy="276999"/>
+              </a:xfrm>
+              <a:prstGeom prst="rect">
+                <a:avLst/>
+              </a:prstGeom>
+              <a:noFill/>
+            </p:spPr>
+            <p:txBody>
+              <a:bodyPr wrap="none" lIns="0" tIns="0" rIns="0" bIns="0" rtlCol="0">
+                <a:spAutoFit/>
+              </a:bodyPr>
+              <a:lstStyle/>
+              <a:p>
+                <a:pPr/>
+                <a14:m>
+                  <m:oMathPara xmlns:m="http://schemas.openxmlformats.org/officeDocument/2006/math">
+                    <m:oMathParaPr>
+                      <m:jc m:val="centerGroup"/>
+                    </m:oMathParaPr>
+                    <m:oMath xmlns:m="http://schemas.openxmlformats.org/officeDocument/2006/math">
+                      <m:r>
+                        <a:rPr lang="it-IT" i="1" smtClean="0">
+                          <a:latin typeface="Cambria Math" panose="02040503050406030204" pitchFamily="18" charset="0"/>
+                          <a:ea typeface="Cambria Math" panose="02040503050406030204" pitchFamily="18" charset="0"/>
+                        </a:rPr>
+                        <m:t>𝜎</m:t>
+                      </m:r>
+                      <m:r>
+                        <a:rPr lang="it-IT" i="1" smtClean="0">
+                          <a:latin typeface="Cambria Math" panose="02040503050406030204" pitchFamily="18" charset="0"/>
+                          <a:ea typeface="Cambria Math" panose="02040503050406030204" pitchFamily="18" charset="0"/>
+                        </a:rPr>
+                        <m:t>=</m:t>
+                      </m:r>
+                      <m:r>
+                        <m:rPr>
+                          <m:sty m:val="p"/>
+                        </m:rPr>
+                        <a:rPr lang="it-IT">
+                          <a:latin typeface="Cambria Math" panose="02040503050406030204" pitchFamily="18" charset="0"/>
+                          <a:ea typeface="Cambria Math" panose="02040503050406030204" pitchFamily="18" charset="0"/>
+                        </a:rPr>
+                        <m:t>blurMap</m:t>
+                      </m:r>
+                      <m:d>
+                        <m:dPr>
+                          <m:ctrlPr>
+                            <a:rPr lang="it-IT" i="1">
+                              <a:latin typeface="Cambria Math" panose="02040503050406030204" pitchFamily="18" charset="0"/>
+                              <a:ea typeface="Cambria Math" panose="02040503050406030204" pitchFamily="18" charset="0"/>
+                            </a:rPr>
+                          </m:ctrlPr>
+                        </m:dPr>
+                        <m:e>
+                          <m:r>
+                            <a:rPr lang="it-IT" b="0" i="1" smtClean="0">
+                              <a:latin typeface="Cambria Math" panose="02040503050406030204" pitchFamily="18" charset="0"/>
+                              <a:ea typeface="Cambria Math" panose="02040503050406030204" pitchFamily="18" charset="0"/>
+                            </a:rPr>
+                            <m:t>2</m:t>
+                          </m:r>
+                          <m:r>
+                            <a:rPr lang="it-IT" i="1">
+                              <a:latin typeface="Cambria Math" panose="02040503050406030204" pitchFamily="18" charset="0"/>
+                              <a:ea typeface="Cambria Math" panose="02040503050406030204" pitchFamily="18" charset="0"/>
+                            </a:rPr>
+                            <m:t>,</m:t>
+                          </m:r>
+                          <m:r>
+                            <a:rPr lang="it-IT" b="0" i="1" smtClean="0">
+                              <a:latin typeface="Cambria Math" panose="02040503050406030204" pitchFamily="18" charset="0"/>
+                              <a:ea typeface="Cambria Math" panose="02040503050406030204" pitchFamily="18" charset="0"/>
+                            </a:rPr>
+                            <m:t>3</m:t>
+                          </m:r>
+                        </m:e>
+                      </m:d>
+                      <m:r>
+                        <a:rPr lang="it-IT">
+                          <a:latin typeface="Cambria Math" panose="02040503050406030204" pitchFamily="18" charset="0"/>
+                          <a:ea typeface="Cambria Math" panose="02040503050406030204" pitchFamily="18" charset="0"/>
+                        </a:rPr>
+                        <m:t>∗</m:t>
+                      </m:r>
+                      <m:sSub>
+                        <m:sSubPr>
+                          <m:ctrlPr>
+                            <a:rPr lang="it-IT" i="1">
+                              <a:latin typeface="Cambria Math" panose="02040503050406030204" pitchFamily="18" charset="0"/>
+                              <a:ea typeface="Cambria Math" panose="02040503050406030204" pitchFamily="18" charset="0"/>
+                            </a:rPr>
+                          </m:ctrlPr>
+                        </m:sSubPr>
+                        <m:e>
+                          <m:r>
+                            <a:rPr lang="el-GR" i="1">
+                              <a:latin typeface="Cambria Math" panose="02040503050406030204" pitchFamily="18" charset="0"/>
+                              <a:ea typeface="Cambria Math" panose="02040503050406030204" pitchFamily="18" charset="0"/>
+                            </a:rPr>
+                            <m:t>𝜎</m:t>
+                          </m:r>
+                        </m:e>
+                        <m:sub>
+                          <m:r>
+                            <a:rPr lang="it-IT" i="1">
+                              <a:latin typeface="Cambria Math" panose="02040503050406030204" pitchFamily="18" charset="0"/>
+                              <a:ea typeface="Cambria Math" panose="02040503050406030204" pitchFamily="18" charset="0"/>
+                            </a:rPr>
+                            <m:t>𝑀𝐴𝑋</m:t>
+                          </m:r>
+                        </m:sub>
+                      </m:sSub>
+                      <m:r>
+                        <a:rPr lang="it-IT" b="0" i="1" smtClean="0">
+                          <a:latin typeface="Cambria Math" panose="02040503050406030204" pitchFamily="18" charset="0"/>
+                          <a:ea typeface="Cambria Math" panose="02040503050406030204" pitchFamily="18" charset="0"/>
+                        </a:rPr>
+                        <m:t>=255∗0.5=127.5</m:t>
+                      </m:r>
+                    </m:oMath>
+                  </m:oMathPara>
+                </a14:m>
+                <a:endParaRPr lang="it-IT" dirty="0"/>
+              </a:p>
+            </p:txBody>
+          </p:sp>
+        </mc:Choice>
+        <mc:Fallback>
+          <p:sp>
+            <p:nvSpPr>
+              <p:cNvPr id="76" name="CasellaDiTesto 75">
+                <a:extLst>
+                  <a:ext uri="{FF2B5EF4-FFF2-40B4-BE49-F238E27FC236}">
+                    <a16:creationId xmlns:a16="http://schemas.microsoft.com/office/drawing/2014/main" id="{D4692FFC-D3F2-4479-BC15-B57EDB9E6B62}"/>
+                  </a:ext>
+                </a:extLst>
+              </p:cNvPr>
+              <p:cNvSpPr txBox="1">
+                <a:spLocks noRot="1" noChangeAspect="1" noMove="1" noResize="1" noEditPoints="1" noAdjustHandles="1" noChangeArrowheads="1" noChangeShapeType="1" noTextEdit="1"/>
+              </p:cNvSpPr>
+              <p:nvPr/>
+            </p:nvSpPr>
+            <p:spPr>
+              <a:xfrm>
+                <a:off x="6722659" y="4236576"/>
+                <a:ext cx="4622227" cy="276999"/>
+              </a:xfrm>
+              <a:prstGeom prst="rect">
+                <a:avLst/>
+              </a:prstGeom>
+              <a:blipFill>
+                <a:blip r:embed="rId10"/>
+                <a:stretch>
+                  <a:fillRect l="-264" t="-2222" r="-923" b="-35556"/>
+                </a:stretch>
+              </a:blipFill>
+            </p:spPr>
+            <p:txBody>
+              <a:bodyPr/>
+              <a:lstStyle/>
+              <a:p>
+                <a:r>
+                  <a:rPr lang="it-IT">
+                    <a:noFill/>
+                  </a:rPr>
+                  <a:t> </a:t>
+                </a:r>
+              </a:p>
+            </p:txBody>
+          </p:sp>
+        </mc:Fallback>
+      </mc:AlternateContent>
+      <mc:AlternateContent xmlns:mc="http://schemas.openxmlformats.org/markup-compatibility/2006">
+        <mc:Choice xmlns:a14="http://schemas.microsoft.com/office/drawing/2010/main" Requires="a14">
+          <p:sp>
+            <p:nvSpPr>
+              <p:cNvPr id="78" name="CasellaDiTesto 77">
+                <a:extLst>
+                  <a:ext uri="{FF2B5EF4-FFF2-40B4-BE49-F238E27FC236}">
+                    <a16:creationId xmlns:a16="http://schemas.microsoft.com/office/drawing/2014/main" id="{EB7C4DEE-7DF8-4AE3-8338-D72E1DB226F7}"/>
+                  </a:ext>
+                </a:extLst>
+              </p:cNvPr>
+              <p:cNvSpPr txBox="1"/>
+              <p:nvPr/>
+            </p:nvSpPr>
+            <p:spPr>
+              <a:xfrm>
+                <a:off x="6777145" y="5031645"/>
+                <a:ext cx="4352398" cy="669286"/>
+              </a:xfrm>
+              <a:prstGeom prst="rect">
+                <a:avLst/>
+              </a:prstGeom>
+              <a:noFill/>
+            </p:spPr>
+            <p:txBody>
+              <a:bodyPr wrap="square">
+                <a:spAutoFit/>
+              </a:bodyPr>
+              <a:lstStyle/>
+              <a:p>
+                <a:pPr/>
+                <a14:m>
+                  <m:oMathPara xmlns:m="http://schemas.openxmlformats.org/officeDocument/2006/math">
+                    <m:oMathParaPr>
+                      <m:jc m:val="centerGroup"/>
+                    </m:oMathParaPr>
+                    <m:oMath xmlns:m="http://schemas.openxmlformats.org/officeDocument/2006/math">
+                      <m:r>
+                        <a:rPr lang="it-IT" sz="1800" b="0" i="1" smtClean="0">
+                          <a:latin typeface="Cambria Math" panose="02040503050406030204" pitchFamily="18" charset="0"/>
+                        </a:rPr>
+                        <m:t>𝐾</m:t>
+                      </m:r>
+                      <m:d>
+                        <m:dPr>
+                          <m:ctrlPr>
+                            <a:rPr lang="it-IT" sz="1800" b="0" i="1" smtClean="0">
+                              <a:latin typeface="Cambria Math" panose="02040503050406030204" pitchFamily="18" charset="0"/>
+                            </a:rPr>
+                          </m:ctrlPr>
+                        </m:dPr>
+                        <m:e>
+                          <m:r>
+                            <a:rPr lang="it-IT" sz="1800" b="0" i="1" smtClean="0">
+                              <a:latin typeface="Cambria Math" panose="02040503050406030204" pitchFamily="18" charset="0"/>
+                            </a:rPr>
+                            <m:t>2</m:t>
+                          </m:r>
+                          <m:r>
+                            <a:rPr lang="it-IT" sz="1800" b="0" i="1" smtClean="0">
+                              <a:latin typeface="Cambria Math" panose="02040503050406030204" pitchFamily="18" charset="0"/>
+                            </a:rPr>
+                            <m:t>,</m:t>
+                          </m:r>
+                          <m:r>
+                            <a:rPr lang="it-IT" sz="1800" b="0" i="1" smtClean="0">
+                              <a:latin typeface="Cambria Math" panose="02040503050406030204" pitchFamily="18" charset="0"/>
+                            </a:rPr>
+                            <m:t>2</m:t>
+                          </m:r>
+                        </m:e>
+                      </m:d>
+                      <m:r>
+                        <a:rPr lang="it-IT" sz="1800" b="0" i="1" smtClean="0">
+                          <a:latin typeface="Cambria Math" panose="02040503050406030204" pitchFamily="18" charset="0"/>
+                        </a:rPr>
+                        <m:t>=</m:t>
+                      </m:r>
+                      <m:f>
+                        <m:fPr>
+                          <m:ctrlPr>
+                            <a:rPr lang="it-IT" sz="1800" b="0" i="1" smtClean="0">
+                              <a:latin typeface="Cambria Math" panose="02040503050406030204" pitchFamily="18" charset="0"/>
+                            </a:rPr>
+                          </m:ctrlPr>
+                        </m:fPr>
+                        <m:num>
+                          <m:r>
+                            <a:rPr lang="it-IT" sz="1800" b="0" i="1" smtClean="0">
+                              <a:latin typeface="Cambria Math" panose="02040503050406030204" pitchFamily="18" charset="0"/>
+                            </a:rPr>
+                            <m:t>1</m:t>
+                          </m:r>
+                        </m:num>
+                        <m:den>
+                          <m:rad>
+                            <m:radPr>
+                              <m:degHide m:val="on"/>
+                              <m:ctrlPr>
+                                <a:rPr lang="it-IT" sz="1800" b="0" i="1" smtClean="0">
+                                  <a:latin typeface="Cambria Math" panose="02040503050406030204" pitchFamily="18" charset="0"/>
+                                </a:rPr>
+                              </m:ctrlPr>
+                            </m:radPr>
+                            <m:deg/>
+                            <m:e>
+                              <m:r>
+                                <a:rPr lang="it-IT" sz="1800" b="0" i="1" smtClean="0">
+                                  <a:latin typeface="Cambria Math" panose="02040503050406030204" pitchFamily="18" charset="0"/>
+                                </a:rPr>
+                                <m:t>2</m:t>
+                              </m:r>
+                              <m:r>
+                                <a:rPr lang="it-IT" sz="1800" b="0" i="1" smtClean="0">
+                                  <a:latin typeface="Cambria Math" panose="02040503050406030204" pitchFamily="18" charset="0"/>
+                                  <a:ea typeface="Cambria Math" panose="02040503050406030204" pitchFamily="18" charset="0"/>
+                                </a:rPr>
+                                <m:t>𝜋</m:t>
+                              </m:r>
+                              <m:r>
+                                <a:rPr lang="it-IT" sz="1800" b="0" i="1" smtClean="0">
+                                  <a:latin typeface="Cambria Math" panose="02040503050406030204" pitchFamily="18" charset="0"/>
+                                  <a:ea typeface="Cambria Math" panose="02040503050406030204" pitchFamily="18" charset="0"/>
+                                </a:rPr>
+                                <m:t>∗</m:t>
+                              </m:r>
+                              <m:sSup>
+                                <m:sSupPr>
+                                  <m:ctrlPr>
+                                    <a:rPr lang="it-IT" sz="1800" b="0" i="1" smtClean="0">
+                                      <a:latin typeface="Cambria Math" panose="02040503050406030204" pitchFamily="18" charset="0"/>
+                                      <a:ea typeface="Cambria Math" panose="02040503050406030204" pitchFamily="18" charset="0"/>
+                                    </a:rPr>
+                                  </m:ctrlPr>
+                                </m:sSupPr>
+                                <m:e>
+                                  <m:r>
+                                    <a:rPr lang="it-IT" i="1">
+                                      <a:latin typeface="Cambria Math" panose="02040503050406030204" pitchFamily="18" charset="0"/>
+                                      <a:ea typeface="Cambria Math" panose="02040503050406030204" pitchFamily="18" charset="0"/>
+                                    </a:rPr>
+                                    <m:t>127.5</m:t>
+                                  </m:r>
+                                </m:e>
+                                <m:sup>
+                                  <m:r>
+                                    <a:rPr lang="it-IT" sz="1800" b="0" i="1" smtClean="0">
+                                      <a:latin typeface="Cambria Math" panose="02040503050406030204" pitchFamily="18" charset="0"/>
+                                      <a:ea typeface="Cambria Math" panose="02040503050406030204" pitchFamily="18" charset="0"/>
+                                    </a:rPr>
+                                    <m:t>2</m:t>
+                                  </m:r>
+                                </m:sup>
+                              </m:sSup>
+                            </m:e>
+                          </m:rad>
+                        </m:den>
+                      </m:f>
+                      <m:sSup>
+                        <m:sSupPr>
+                          <m:ctrlPr>
+                            <a:rPr lang="it-IT" sz="1800" b="0" i="1" smtClean="0">
+                              <a:latin typeface="Cambria Math" panose="02040503050406030204" pitchFamily="18" charset="0"/>
+                            </a:rPr>
+                          </m:ctrlPr>
+                        </m:sSupPr>
+                        <m:e>
+                          <m:r>
+                            <a:rPr lang="it-IT" sz="1800" b="0" i="1" smtClean="0">
+                              <a:latin typeface="Cambria Math" panose="02040503050406030204" pitchFamily="18" charset="0"/>
+                            </a:rPr>
+                            <m:t>𝑒</m:t>
+                          </m:r>
+                        </m:e>
+                        <m:sup>
+                          <m:r>
+                            <a:rPr lang="it-IT" sz="1800" b="0" i="1" smtClean="0">
+                              <a:latin typeface="Cambria Math" panose="02040503050406030204" pitchFamily="18" charset="0"/>
+                            </a:rPr>
+                            <m:t>−</m:t>
+                          </m:r>
+                          <m:f>
+                            <m:fPr>
+                              <m:ctrlPr>
+                                <a:rPr lang="it-IT" sz="1800" i="1">
+                                  <a:latin typeface="Cambria Math" panose="02040503050406030204" pitchFamily="18" charset="0"/>
+                                </a:rPr>
+                              </m:ctrlPr>
+                            </m:fPr>
+                            <m:num>
+                              <m:r>
+                                <a:rPr lang="it-IT" sz="1800" b="0" i="1" smtClean="0">
+                                  <a:latin typeface="Cambria Math" panose="02040503050406030204" pitchFamily="18" charset="0"/>
+                                </a:rPr>
+                                <m:t>4</m:t>
+                              </m:r>
+                            </m:num>
+                            <m:den>
+                              <m:sSup>
+                                <m:sSupPr>
+                                  <m:ctrlPr>
+                                    <a:rPr lang="it-IT" sz="1800" i="1">
+                                      <a:latin typeface="Cambria Math" panose="02040503050406030204" pitchFamily="18" charset="0"/>
+                                      <a:ea typeface="Cambria Math" panose="02040503050406030204" pitchFamily="18" charset="0"/>
+                                    </a:rPr>
+                                  </m:ctrlPr>
+                                </m:sSupPr>
+                                <m:e>
+                                  <m:r>
+                                    <a:rPr lang="it-IT" i="1">
+                                      <a:latin typeface="Cambria Math" panose="02040503050406030204" pitchFamily="18" charset="0"/>
+                                      <a:ea typeface="Cambria Math" panose="02040503050406030204" pitchFamily="18" charset="0"/>
+                                    </a:rPr>
+                                    <m:t>127.5</m:t>
+                                  </m:r>
+                                </m:e>
+                                <m:sup>
+                                  <m:r>
+                                    <a:rPr lang="it-IT" sz="1800" i="1">
+                                      <a:latin typeface="Cambria Math" panose="02040503050406030204" pitchFamily="18" charset="0"/>
+                                      <a:ea typeface="Cambria Math" panose="02040503050406030204" pitchFamily="18" charset="0"/>
+                                    </a:rPr>
+                                    <m:t>2</m:t>
+                                  </m:r>
+                                </m:sup>
+                              </m:sSup>
+                            </m:den>
+                          </m:f>
+                        </m:sup>
+                      </m:sSup>
+                      <m:r>
+                        <a:rPr lang="it-IT" i="1">
+                          <a:latin typeface="Cambria Math" panose="02040503050406030204" pitchFamily="18" charset="0"/>
+                          <a:ea typeface="Cambria Math" panose="02040503050406030204" pitchFamily="18" charset="0"/>
+                        </a:rPr>
+                        <m:t>≈0.00313</m:t>
+                      </m:r>
+                    </m:oMath>
+                  </m:oMathPara>
+                </a14:m>
+                <a:endParaRPr lang="it-IT" sz="1800" dirty="0"/>
+              </a:p>
+            </p:txBody>
+          </p:sp>
+        </mc:Choice>
+        <mc:Fallback>
+          <p:sp>
+            <p:nvSpPr>
+              <p:cNvPr id="78" name="CasellaDiTesto 77">
+                <a:extLst>
+                  <a:ext uri="{FF2B5EF4-FFF2-40B4-BE49-F238E27FC236}">
+                    <a16:creationId xmlns:a16="http://schemas.microsoft.com/office/drawing/2014/main" id="{EB7C4DEE-7DF8-4AE3-8338-D72E1DB226F7}"/>
+                  </a:ext>
+                </a:extLst>
+              </p:cNvPr>
+              <p:cNvSpPr txBox="1">
+                <a:spLocks noRot="1" noChangeAspect="1" noMove="1" noResize="1" noEditPoints="1" noAdjustHandles="1" noChangeArrowheads="1" noChangeShapeType="1" noTextEdit="1"/>
+              </p:cNvSpPr>
+              <p:nvPr/>
+            </p:nvSpPr>
+            <p:spPr>
+              <a:xfrm>
+                <a:off x="6777145" y="5031645"/>
+                <a:ext cx="4352398" cy="669286"/>
+              </a:xfrm>
+              <a:prstGeom prst="rect">
+                <a:avLst/>
+              </a:prstGeom>
+              <a:blipFill>
+                <a:blip r:embed="rId11"/>
+                <a:stretch>
+                  <a:fillRect/>
+                </a:stretch>
+              </a:blipFill>
+            </p:spPr>
+            <p:txBody>
+              <a:bodyPr/>
+              <a:lstStyle/>
+              <a:p>
+                <a:r>
+                  <a:rPr lang="it-IT">
+                    <a:noFill/>
+                  </a:rPr>
+                  <a:t> </a:t>
+                </a:r>
+              </a:p>
+            </p:txBody>
+          </p:sp>
+        </mc:Fallback>
+      </mc:AlternateContent>
+      <p:sp>
+        <p:nvSpPr>
+          <p:cNvPr id="82" name="Freccia in giù 81">
+            <a:extLst>
+              <a:ext uri="{FF2B5EF4-FFF2-40B4-BE49-F238E27FC236}">
+                <a16:creationId xmlns:a16="http://schemas.microsoft.com/office/drawing/2014/main" id="{C49F848D-A965-46A3-A650-6D5599E8B398}"/>
+              </a:ext>
+            </a:extLst>
+          </p:cNvPr>
+          <p:cNvSpPr/>
+          <p:nvPr/>
+        </p:nvSpPr>
+        <p:spPr>
+          <a:xfrm>
+            <a:off x="8918318" y="4653043"/>
+            <a:ext cx="163425" cy="348327"/>
+          </a:xfrm>
+          <a:prstGeom prst="downArrow">
+            <a:avLst/>
+          </a:prstGeom>
+          <a:solidFill>
+            <a:schemeClr val="accent2">
+              <a:lumMod val="60000"/>
+              <a:lumOff val="40000"/>
+            </a:schemeClr>
+          </a:solidFill>
+          <a:ln>
+            <a:noFill/>
+          </a:ln>
+        </p:spPr>
+        <p:style>
+          <a:lnRef idx="3">
+            <a:schemeClr val="lt1"/>
+          </a:lnRef>
+          <a:fillRef idx="1">
+            <a:schemeClr val="accent1"/>
+          </a:fillRef>
+          <a:effectRef idx="1">
+            <a:schemeClr val="accent1"/>
+          </a:effectRef>
+          <a:fontRef idx="minor">
+            <a:schemeClr val="lt1"/>
+          </a:fontRef>
+        </p:style>
+        <p:txBody>
+          <a:bodyPr rtlCol="0" anchor="ctr"/>
+          <a:lstStyle/>
+          <a:p>
+            <a:pPr algn="ctr"/>
+            <a:endParaRPr lang="it-IT"/>
           </a:p>
         </p:txBody>
       </p:sp>
     </p:spTree>
     <p:extLst>
       <p:ext uri="{BB962C8B-B14F-4D97-AF65-F5344CB8AC3E}">
-        <p14:creationId xmlns:p14="http://schemas.microsoft.com/office/powerpoint/2010/main" val="60850379"/>
+        <p14:creationId xmlns:p14="http://schemas.microsoft.com/office/powerpoint/2010/main" val="1014618610"/>
       </p:ext>
     </p:extLst>
   </p:cSld>
@@ -8208,7 +9442,7 @@
 </p:sld>
 </file>
 
-<file path=ppt/slides/slide7.xml><?xml version="1.0" encoding="utf-8"?>
+<file path=ppt/slides/slide6.xml><?xml version="1.0" encoding="utf-8"?>
 <p:sld xmlns:a="http://schemas.openxmlformats.org/drawingml/2006/main" xmlns:r="http://schemas.openxmlformats.org/officeDocument/2006/relationships" xmlns:p="http://schemas.openxmlformats.org/presentationml/2006/main">
   <p:cSld>
     <p:spTree>
@@ -8951,7 +10185,2147 @@
 </p:sld>
 </file>
 
+<file path=ppt/slides/slide7.xml><?xml version="1.0" encoding="utf-8"?>
+<p:sld xmlns:a="http://schemas.openxmlformats.org/drawingml/2006/main" xmlns:r="http://schemas.openxmlformats.org/officeDocument/2006/relationships" xmlns:p="http://schemas.openxmlformats.org/presentationml/2006/main">
+  <p:cSld>
+    <p:spTree>
+      <p:nvGrpSpPr>
+        <p:cNvPr id="1" name=""/>
+        <p:cNvGrpSpPr/>
+        <p:nvPr/>
+      </p:nvGrpSpPr>
+      <p:grpSpPr>
+        <a:xfrm>
+          <a:off x="0" y="0"/>
+          <a:ext cx="0" cy="0"/>
+          <a:chOff x="0" y="0"/>
+          <a:chExt cx="0" cy="0"/>
+        </a:xfrm>
+      </p:grpSpPr>
+      <p:sp>
+        <p:nvSpPr>
+          <p:cNvPr id="8" name="Rettangolo con un angolo in alto arrotondato e l'altro ritagliato 7">
+            <a:extLst>
+              <a:ext uri="{FF2B5EF4-FFF2-40B4-BE49-F238E27FC236}">
+                <a16:creationId xmlns:a16="http://schemas.microsoft.com/office/drawing/2014/main" id="{011717E5-7BF2-464B-9215-AF8C51E0CE38}"/>
+              </a:ext>
+            </a:extLst>
+          </p:cNvPr>
+          <p:cNvSpPr/>
+          <p:nvPr/>
+        </p:nvSpPr>
+        <p:spPr>
+          <a:xfrm flipV="1">
+            <a:off x="10534390" y="6325643"/>
+            <a:ext cx="678492" cy="532357"/>
+          </a:xfrm>
+          <a:custGeom>
+            <a:avLst/>
+            <a:gdLst>
+              <a:gd name="connsiteX0" fmla="*/ 0 w 4265112"/>
+              <a:gd name="connsiteY0" fmla="*/ 0 h 2373682"/>
+              <a:gd name="connsiteX1" fmla="*/ 3078271 w 4265112"/>
+              <a:gd name="connsiteY1" fmla="*/ 0 h 2373682"/>
+              <a:gd name="connsiteX2" fmla="*/ 4265112 w 4265112"/>
+              <a:gd name="connsiteY2" fmla="*/ 1186841 h 2373682"/>
+              <a:gd name="connsiteX3" fmla="*/ 4265112 w 4265112"/>
+              <a:gd name="connsiteY3" fmla="*/ 2373682 h 2373682"/>
+              <a:gd name="connsiteX4" fmla="*/ 0 w 4265112"/>
+              <a:gd name="connsiteY4" fmla="*/ 2373682 h 2373682"/>
+              <a:gd name="connsiteX5" fmla="*/ 0 w 4265112"/>
+              <a:gd name="connsiteY5" fmla="*/ 0 h 2373682"/>
+              <a:gd name="connsiteX6" fmla="*/ 0 w 4265112"/>
+              <a:gd name="connsiteY6" fmla="*/ 0 h 2373682"/>
+              <a:gd name="connsiteX0" fmla="*/ 0 w 4265112"/>
+              <a:gd name="connsiteY0" fmla="*/ 0 h 2373682"/>
+              <a:gd name="connsiteX1" fmla="*/ 3078271 w 4265112"/>
+              <a:gd name="connsiteY1" fmla="*/ 0 h 2373682"/>
+              <a:gd name="connsiteX2" fmla="*/ 4265112 w 4265112"/>
+              <a:gd name="connsiteY2" fmla="*/ 2373682 h 2373682"/>
+              <a:gd name="connsiteX3" fmla="*/ 0 w 4265112"/>
+              <a:gd name="connsiteY3" fmla="*/ 2373682 h 2373682"/>
+              <a:gd name="connsiteX4" fmla="*/ 0 w 4265112"/>
+              <a:gd name="connsiteY4" fmla="*/ 0 h 2373682"/>
+              <a:gd name="connsiteX5" fmla="*/ 0 w 4265112"/>
+              <a:gd name="connsiteY5" fmla="*/ 0 h 2373682"/>
+            </a:gdLst>
+            <a:ahLst/>
+            <a:cxnLst>
+              <a:cxn ang="0">
+                <a:pos x="connsiteX0" y="connsiteY0"/>
+              </a:cxn>
+              <a:cxn ang="0">
+                <a:pos x="connsiteX1" y="connsiteY1"/>
+              </a:cxn>
+              <a:cxn ang="0">
+                <a:pos x="connsiteX2" y="connsiteY2"/>
+              </a:cxn>
+              <a:cxn ang="0">
+                <a:pos x="connsiteX3" y="connsiteY3"/>
+              </a:cxn>
+              <a:cxn ang="0">
+                <a:pos x="connsiteX4" y="connsiteY4"/>
+              </a:cxn>
+              <a:cxn ang="0">
+                <a:pos x="connsiteX5" y="connsiteY5"/>
+              </a:cxn>
+            </a:cxnLst>
+            <a:rect l="l" t="t" r="r" b="b"/>
+            <a:pathLst>
+              <a:path w="4265112" h="2373682">
+                <a:moveTo>
+                  <a:pt x="0" y="0"/>
+                </a:moveTo>
+                <a:lnTo>
+                  <a:pt x="3078271" y="0"/>
+                </a:lnTo>
+                <a:lnTo>
+                  <a:pt x="4265112" y="2373682"/>
+                </a:lnTo>
+                <a:lnTo>
+                  <a:pt x="0" y="2373682"/>
+                </a:lnTo>
+                <a:lnTo>
+                  <a:pt x="0" y="0"/>
+                </a:lnTo>
+                <a:lnTo>
+                  <a:pt x="0" y="0"/>
+                </a:lnTo>
+                <a:close/>
+              </a:path>
+            </a:pathLst>
+          </a:custGeom>
+          <a:solidFill>
+            <a:srgbClr val="0F406B"/>
+          </a:solidFill>
+          <a:ln>
+            <a:noFill/>
+          </a:ln>
+        </p:spPr>
+        <p:style>
+          <a:lnRef idx="2">
+            <a:schemeClr val="dk1">
+              <a:shade val="50000"/>
+            </a:schemeClr>
+          </a:lnRef>
+          <a:fillRef idx="1">
+            <a:schemeClr val="dk1"/>
+          </a:fillRef>
+          <a:effectRef idx="0">
+            <a:schemeClr val="dk1"/>
+          </a:effectRef>
+          <a:fontRef idx="minor">
+            <a:schemeClr val="lt1"/>
+          </a:fontRef>
+        </p:style>
+        <p:txBody>
+          <a:bodyPr rtlCol="0" anchor="ctr"/>
+          <a:lstStyle/>
+          <a:p>
+            <a:pPr algn="ctr"/>
+            <a:endParaRPr lang="it-IT" dirty="0"/>
+          </a:p>
+        </p:txBody>
+      </p:sp>
+      <p:sp>
+        <p:nvSpPr>
+          <p:cNvPr id="9" name="Rettangolo 8">
+            <a:extLst>
+              <a:ext uri="{FF2B5EF4-FFF2-40B4-BE49-F238E27FC236}">
+                <a16:creationId xmlns:a16="http://schemas.microsoft.com/office/drawing/2014/main" id="{937A4F61-6DC9-4F23-85D5-F06BD43FDEEF}"/>
+              </a:ext>
+            </a:extLst>
+          </p:cNvPr>
+          <p:cNvSpPr/>
+          <p:nvPr/>
+        </p:nvSpPr>
+        <p:spPr>
+          <a:xfrm>
+            <a:off x="-1" y="6325643"/>
+            <a:ext cx="10796955" cy="532357"/>
+          </a:xfrm>
+          <a:prstGeom prst="rect">
+            <a:avLst/>
+          </a:prstGeom>
+          <a:solidFill>
+            <a:srgbClr val="0F406B"/>
+          </a:solidFill>
+          <a:ln>
+            <a:noFill/>
+          </a:ln>
+        </p:spPr>
+        <p:style>
+          <a:lnRef idx="2">
+            <a:schemeClr val="accent1">
+              <a:shade val="50000"/>
+            </a:schemeClr>
+          </a:lnRef>
+          <a:fillRef idx="1">
+            <a:schemeClr val="accent1"/>
+          </a:fillRef>
+          <a:effectRef idx="0">
+            <a:schemeClr val="accent1"/>
+          </a:effectRef>
+          <a:fontRef idx="minor">
+            <a:schemeClr val="lt1"/>
+          </a:fontRef>
+        </p:style>
+        <p:txBody>
+          <a:bodyPr rtlCol="0" anchor="ctr"/>
+          <a:lstStyle/>
+          <a:p>
+            <a:pPr algn="r"/>
+            <a:r>
+              <a:rPr lang="it-IT" sz="2000" cap="small" dirty="0">
+                <a:latin typeface="Times New Roman" panose="02020603050405020304" pitchFamily="18" charset="0"/>
+                <a:cs typeface="Times New Roman" panose="02020603050405020304" pitchFamily="18" charset="0"/>
+              </a:rPr>
+              <a:t>Università di Pisa</a:t>
+            </a:r>
+          </a:p>
+        </p:txBody>
+      </p:sp>
+      <p:sp>
+        <p:nvSpPr>
+          <p:cNvPr id="13" name="CasellaDiTesto 12">
+            <a:extLst>
+              <a:ext uri="{FF2B5EF4-FFF2-40B4-BE49-F238E27FC236}">
+                <a16:creationId xmlns:a16="http://schemas.microsoft.com/office/drawing/2014/main" id="{79CA0111-6699-4A05-93E4-F380E6BCEBDC}"/>
+              </a:ext>
+            </a:extLst>
+          </p:cNvPr>
+          <p:cNvSpPr txBox="1"/>
+          <p:nvPr/>
+        </p:nvSpPr>
+        <p:spPr>
+          <a:xfrm>
+            <a:off x="61781" y="6437933"/>
+            <a:ext cx="7912843" cy="307777"/>
+          </a:xfrm>
+          <a:prstGeom prst="rect">
+            <a:avLst/>
+          </a:prstGeom>
+          <a:noFill/>
+        </p:spPr>
+        <p:txBody>
+          <a:bodyPr wrap="square" rtlCol="0">
+            <a:spAutoFit/>
+          </a:bodyPr>
+          <a:lstStyle/>
+          <a:p>
+            <a:r>
+              <a:rPr lang="it-IT" sz="1400" dirty="0">
+                <a:solidFill>
+                  <a:schemeClr val="bg1"/>
+                </a:solidFill>
+              </a:rPr>
+              <a:t>Carlo Mazzanti | Andrea Migliore</a:t>
+            </a:r>
+          </a:p>
+        </p:txBody>
+      </p:sp>
+      <p:pic>
+        <p:nvPicPr>
+          <p:cNvPr id="15" name="Elemento grafico 14">
+            <a:extLst>
+              <a:ext uri="{FF2B5EF4-FFF2-40B4-BE49-F238E27FC236}">
+                <a16:creationId xmlns:a16="http://schemas.microsoft.com/office/drawing/2014/main" id="{187B2B7B-BBC9-452E-BAFF-74650AE5FDB9}"/>
+              </a:ext>
+            </a:extLst>
+          </p:cNvPr>
+          <p:cNvPicPr>
+            <a:picLocks noChangeAspect="1"/>
+          </p:cNvPicPr>
+          <p:nvPr/>
+        </p:nvPicPr>
+        <p:blipFill>
+          <a:blip r:embed="rId3">
+            <a:extLst>
+              <a:ext uri="{28A0092B-C50C-407E-A947-70E740481C1C}">
+                <a14:useLocalDpi xmlns:a14="http://schemas.microsoft.com/office/drawing/2010/main" val="0"/>
+              </a:ext>
+              <a:ext uri="{96DAC541-7B7A-43D3-8B79-37D633B846F1}">
+                <asvg:svgBlip xmlns:asvg="http://schemas.microsoft.com/office/drawing/2016/SVG/main" r:embed="rId4"/>
+              </a:ext>
+            </a:extLst>
+          </a:blip>
+          <a:stretch>
+            <a:fillRect/>
+          </a:stretch>
+        </p:blipFill>
+        <p:spPr>
+          <a:xfrm>
+            <a:off x="11457860" y="6385223"/>
+            <a:ext cx="420548" cy="420548"/>
+          </a:xfrm>
+          <a:prstGeom prst="rect">
+            <a:avLst/>
+          </a:prstGeom>
+        </p:spPr>
+      </p:pic>
+      <p:sp>
+        <p:nvSpPr>
+          <p:cNvPr id="19" name="CasellaDiTesto 18">
+            <a:extLst>
+              <a:ext uri="{FF2B5EF4-FFF2-40B4-BE49-F238E27FC236}">
+                <a16:creationId xmlns:a16="http://schemas.microsoft.com/office/drawing/2014/main" id="{35FDDEA8-3019-42FA-814E-B4F3A6D22B10}"/>
+              </a:ext>
+            </a:extLst>
+          </p:cNvPr>
+          <p:cNvSpPr txBox="1"/>
+          <p:nvPr/>
+        </p:nvSpPr>
+        <p:spPr>
+          <a:xfrm>
+            <a:off x="330375" y="231466"/>
+            <a:ext cx="4572406" cy="646331"/>
+          </a:xfrm>
+          <a:prstGeom prst="rect">
+            <a:avLst/>
+          </a:prstGeom>
+          <a:noFill/>
+        </p:spPr>
+        <p:txBody>
+          <a:bodyPr wrap="none" rtlCol="0">
+            <a:spAutoFit/>
+          </a:bodyPr>
+          <a:lstStyle/>
+          <a:p>
+            <a:r>
+              <a:rPr lang="en-US" sz="3600" b="1" dirty="0"/>
+              <a:t>Parallelization Strategy</a:t>
+            </a:r>
+            <a:endParaRPr lang="en-US" sz="3600" dirty="0"/>
+          </a:p>
+        </p:txBody>
+      </p:sp>
+      <p:sp>
+        <p:nvSpPr>
+          <p:cNvPr id="20" name="CasellaDiTesto 19">
+            <a:extLst>
+              <a:ext uri="{FF2B5EF4-FFF2-40B4-BE49-F238E27FC236}">
+                <a16:creationId xmlns:a16="http://schemas.microsoft.com/office/drawing/2014/main" id="{F43D8FBF-7224-4771-AD90-1F2BA6764838}"/>
+              </a:ext>
+            </a:extLst>
+          </p:cNvPr>
+          <p:cNvSpPr txBox="1"/>
+          <p:nvPr/>
+        </p:nvSpPr>
+        <p:spPr>
+          <a:xfrm>
+            <a:off x="487987" y="2690336"/>
+            <a:ext cx="4844989" cy="1477328"/>
+          </a:xfrm>
+          <a:prstGeom prst="rect">
+            <a:avLst/>
+          </a:prstGeom>
+          <a:noFill/>
+        </p:spPr>
+        <p:txBody>
+          <a:bodyPr wrap="square" rtlCol="0">
+            <a:spAutoFit/>
+          </a:bodyPr>
+          <a:lstStyle/>
+          <a:p>
+            <a:pPr marL="285750" indent="-285750">
+              <a:buFont typeface="Arial" panose="020B0604020202020204" pitchFamily="34" charset="0"/>
+              <a:buChar char="•"/>
+            </a:pPr>
+            <a:r>
+              <a:rPr lang="en-US" dirty="0"/>
+              <a:t>Each thread processes its assigned row block </a:t>
+            </a:r>
+            <a:r>
+              <a:rPr lang="en-US" b="1" dirty="0"/>
+              <a:t>column by column</a:t>
+            </a:r>
+          </a:p>
+          <a:p>
+            <a:endParaRPr lang="en-US" dirty="0"/>
+          </a:p>
+          <a:p>
+            <a:pPr marL="285750" indent="-285750">
+              <a:buFont typeface="Arial" panose="020B0604020202020204" pitchFamily="34" charset="0"/>
+              <a:buChar char="•"/>
+            </a:pPr>
+            <a:r>
+              <a:rPr lang="en-US" dirty="0"/>
+              <a:t>The thread computes the </a:t>
+            </a:r>
+            <a:r>
+              <a:rPr lang="en-US" b="1" dirty="0"/>
+              <a:t>Gaussian kernel and convolution</a:t>
+            </a:r>
+            <a:r>
+              <a:rPr lang="en-US" dirty="0"/>
+              <a:t> for each pixel (</a:t>
+            </a:r>
+            <a:r>
+              <a:rPr lang="en-US" dirty="0" err="1"/>
+              <a:t>x,y</a:t>
+            </a:r>
+            <a:r>
+              <a:rPr lang="en-US" dirty="0"/>
+              <a:t>) in its submatrix</a:t>
+            </a:r>
+            <a:endParaRPr lang="it-IT" sz="1800" dirty="0">
+              <a:ea typeface="Cambria Math" panose="02040503050406030204" pitchFamily="18" charset="0"/>
+            </a:endParaRPr>
+          </a:p>
+        </p:txBody>
+      </p:sp>
+      <p:grpSp>
+        <p:nvGrpSpPr>
+          <p:cNvPr id="39" name="Gruppo 38">
+            <a:extLst>
+              <a:ext uri="{FF2B5EF4-FFF2-40B4-BE49-F238E27FC236}">
+                <a16:creationId xmlns:a16="http://schemas.microsoft.com/office/drawing/2014/main" id="{FE71D3F3-1889-4155-8B04-C29E120D6F80}"/>
+              </a:ext>
+            </a:extLst>
+          </p:cNvPr>
+          <p:cNvGrpSpPr/>
+          <p:nvPr/>
+        </p:nvGrpSpPr>
+        <p:grpSpPr>
+          <a:xfrm>
+            <a:off x="7574493" y="1275073"/>
+            <a:ext cx="2808588" cy="821893"/>
+            <a:chOff x="7574493" y="1275073"/>
+            <a:chExt cx="2808588" cy="821893"/>
+          </a:xfrm>
+        </p:grpSpPr>
+        <p:sp>
+          <p:nvSpPr>
+            <p:cNvPr id="22" name="Rettangolo 21">
+              <a:extLst>
+                <a:ext uri="{FF2B5EF4-FFF2-40B4-BE49-F238E27FC236}">
+                  <a16:creationId xmlns:a16="http://schemas.microsoft.com/office/drawing/2014/main" id="{25FD771F-659C-4E0E-8D7F-D2AAE370D773}"/>
+                </a:ext>
+              </a:extLst>
+            </p:cNvPr>
+            <p:cNvSpPr/>
+            <p:nvPr/>
+          </p:nvSpPr>
+          <p:spPr>
+            <a:xfrm>
+              <a:off x="7589837" y="1289147"/>
+              <a:ext cx="2773363" cy="793750"/>
+            </a:xfrm>
+            <a:prstGeom prst="rect">
+              <a:avLst/>
+            </a:prstGeom>
+            <a:solidFill>
+              <a:srgbClr val="9DE4FF"/>
+            </a:solidFill>
+            <a:ln>
+              <a:noFill/>
+            </a:ln>
+          </p:spPr>
+          <p:style>
+            <a:lnRef idx="3">
+              <a:schemeClr val="lt1"/>
+            </a:lnRef>
+            <a:fillRef idx="1">
+              <a:schemeClr val="accent1"/>
+            </a:fillRef>
+            <a:effectRef idx="1">
+              <a:schemeClr val="accent1"/>
+            </a:effectRef>
+            <a:fontRef idx="minor">
+              <a:schemeClr val="lt1"/>
+            </a:fontRef>
+          </p:style>
+          <p:txBody>
+            <a:bodyPr rtlCol="0" anchor="ctr"/>
+            <a:lstStyle/>
+            <a:p>
+              <a:pPr algn="ctr"/>
+              <a:endParaRPr lang="it-IT" dirty="0"/>
+            </a:p>
+          </p:txBody>
+        </p:sp>
+        <p:sp>
+          <p:nvSpPr>
+            <p:cNvPr id="10" name="Rettangolo 9">
+              <a:extLst>
+                <a:ext uri="{FF2B5EF4-FFF2-40B4-BE49-F238E27FC236}">
+                  <a16:creationId xmlns:a16="http://schemas.microsoft.com/office/drawing/2014/main" id="{04B415A9-5E0E-4D76-BED5-67EE51806763}"/>
+                </a:ext>
+              </a:extLst>
+            </p:cNvPr>
+            <p:cNvSpPr/>
+            <p:nvPr/>
+          </p:nvSpPr>
+          <p:spPr>
+            <a:xfrm>
+              <a:off x="7589837" y="1289146"/>
+              <a:ext cx="402371" cy="793749"/>
+            </a:xfrm>
+            <a:prstGeom prst="rect">
+              <a:avLst/>
+            </a:prstGeom>
+            <a:solidFill>
+              <a:schemeClr val="accent4">
+                <a:lumMod val="20000"/>
+                <a:lumOff val="80000"/>
+              </a:schemeClr>
+            </a:solidFill>
+            <a:ln>
+              <a:noFill/>
+            </a:ln>
+          </p:spPr>
+          <p:style>
+            <a:lnRef idx="3">
+              <a:schemeClr val="lt1"/>
+            </a:lnRef>
+            <a:fillRef idx="1">
+              <a:schemeClr val="accent1"/>
+            </a:fillRef>
+            <a:effectRef idx="1">
+              <a:schemeClr val="accent1"/>
+            </a:effectRef>
+            <a:fontRef idx="minor">
+              <a:schemeClr val="lt1"/>
+            </a:fontRef>
+          </p:style>
+          <p:txBody>
+            <a:bodyPr rtlCol="0" anchor="ctr"/>
+            <a:lstStyle/>
+            <a:p>
+              <a:pPr algn="ctr"/>
+              <a:endParaRPr lang="it-IT"/>
+            </a:p>
+          </p:txBody>
+        </p:sp>
+        <p:sp>
+          <p:nvSpPr>
+            <p:cNvPr id="35" name="Rettangolo 34">
+              <a:extLst>
+                <a:ext uri="{FF2B5EF4-FFF2-40B4-BE49-F238E27FC236}">
+                  <a16:creationId xmlns:a16="http://schemas.microsoft.com/office/drawing/2014/main" id="{A89FD8D0-4716-467C-B829-AF829FD2DD00}"/>
+                </a:ext>
+              </a:extLst>
+            </p:cNvPr>
+            <p:cNvSpPr/>
+            <p:nvPr/>
+          </p:nvSpPr>
+          <p:spPr>
+            <a:xfrm>
+              <a:off x="7589837" y="1286167"/>
+              <a:ext cx="402371" cy="392382"/>
+            </a:xfrm>
+            <a:prstGeom prst="rect">
+              <a:avLst/>
+            </a:prstGeom>
+            <a:solidFill>
+              <a:srgbClr val="FF6161"/>
+            </a:solidFill>
+            <a:ln>
+              <a:noFill/>
+            </a:ln>
+          </p:spPr>
+          <p:style>
+            <a:lnRef idx="3">
+              <a:schemeClr val="lt1"/>
+            </a:lnRef>
+            <a:fillRef idx="1">
+              <a:schemeClr val="accent1"/>
+            </a:fillRef>
+            <a:effectRef idx="1">
+              <a:schemeClr val="accent1"/>
+            </a:effectRef>
+            <a:fontRef idx="minor">
+              <a:schemeClr val="lt1"/>
+            </a:fontRef>
+          </p:style>
+          <p:txBody>
+            <a:bodyPr rtlCol="0" anchor="ctr"/>
+            <a:lstStyle/>
+            <a:p>
+              <a:pPr algn="ctr"/>
+              <a:endParaRPr lang="it-IT"/>
+            </a:p>
+          </p:txBody>
+        </p:sp>
+        <p:pic>
+          <p:nvPicPr>
+            <p:cNvPr id="4" name="Immagine 3">
+              <a:extLst>
+                <a:ext uri="{FF2B5EF4-FFF2-40B4-BE49-F238E27FC236}">
+                  <a16:creationId xmlns:a16="http://schemas.microsoft.com/office/drawing/2014/main" id="{32A4009E-2355-42E8-8F21-AFFABF3FBB44}"/>
+                </a:ext>
+              </a:extLst>
+            </p:cNvPr>
+            <p:cNvPicPr>
+              <a:picLocks noChangeAspect="1"/>
+            </p:cNvPicPr>
+            <p:nvPr/>
+          </p:nvPicPr>
+          <p:blipFill>
+            <a:blip r:embed="rId5">
+              <a:extLst>
+                <a:ext uri="{28A0092B-C50C-407E-A947-70E740481C1C}">
+                  <a14:useLocalDpi xmlns:a14="http://schemas.microsoft.com/office/drawing/2010/main" val="0"/>
+                </a:ext>
+              </a:extLst>
+            </a:blip>
+            <a:srcRect/>
+            <a:stretch/>
+          </p:blipFill>
+          <p:spPr>
+            <a:xfrm>
+              <a:off x="7574493" y="1275073"/>
+              <a:ext cx="2808588" cy="821893"/>
+            </a:xfrm>
+            <a:prstGeom prst="rect">
+              <a:avLst/>
+            </a:prstGeom>
+          </p:spPr>
+        </p:pic>
+      </p:grpSp>
+      <p:grpSp>
+        <p:nvGrpSpPr>
+          <p:cNvPr id="40" name="Gruppo 39">
+            <a:extLst>
+              <a:ext uri="{FF2B5EF4-FFF2-40B4-BE49-F238E27FC236}">
+                <a16:creationId xmlns:a16="http://schemas.microsoft.com/office/drawing/2014/main" id="{342ED0E5-5166-46E4-8CD2-2281F951E7AC}"/>
+              </a:ext>
+            </a:extLst>
+          </p:cNvPr>
+          <p:cNvGrpSpPr/>
+          <p:nvPr/>
+        </p:nvGrpSpPr>
+        <p:grpSpPr>
+          <a:xfrm>
+            <a:off x="7574493" y="2364537"/>
+            <a:ext cx="2808588" cy="821893"/>
+            <a:chOff x="7574493" y="2364537"/>
+            <a:chExt cx="2808588" cy="821893"/>
+          </a:xfrm>
+        </p:grpSpPr>
+        <p:sp>
+          <p:nvSpPr>
+            <p:cNvPr id="23" name="Rettangolo 22">
+              <a:extLst>
+                <a:ext uri="{FF2B5EF4-FFF2-40B4-BE49-F238E27FC236}">
+                  <a16:creationId xmlns:a16="http://schemas.microsoft.com/office/drawing/2014/main" id="{D121C1A9-5630-44D4-B6F1-556C47E3CD41}"/>
+                </a:ext>
+              </a:extLst>
+            </p:cNvPr>
+            <p:cNvSpPr/>
+            <p:nvPr/>
+          </p:nvSpPr>
+          <p:spPr>
+            <a:xfrm>
+              <a:off x="7589837" y="2378609"/>
+              <a:ext cx="2773363" cy="793750"/>
+            </a:xfrm>
+            <a:prstGeom prst="rect">
+              <a:avLst/>
+            </a:prstGeom>
+            <a:solidFill>
+              <a:srgbClr val="9DE4FF"/>
+            </a:solidFill>
+            <a:ln>
+              <a:noFill/>
+            </a:ln>
+          </p:spPr>
+          <p:style>
+            <a:lnRef idx="3">
+              <a:schemeClr val="lt1"/>
+            </a:lnRef>
+            <a:fillRef idx="1">
+              <a:schemeClr val="accent1"/>
+            </a:fillRef>
+            <a:effectRef idx="1">
+              <a:schemeClr val="accent1"/>
+            </a:effectRef>
+            <a:fontRef idx="minor">
+              <a:schemeClr val="lt1"/>
+            </a:fontRef>
+          </p:style>
+          <p:txBody>
+            <a:bodyPr rtlCol="0" anchor="ctr"/>
+            <a:lstStyle/>
+            <a:p>
+              <a:pPr algn="ctr"/>
+              <a:endParaRPr lang="it-IT" dirty="0"/>
+            </a:p>
+          </p:txBody>
+        </p:sp>
+        <p:sp>
+          <p:nvSpPr>
+            <p:cNvPr id="24" name="Rettangolo 23">
+              <a:extLst>
+                <a:ext uri="{FF2B5EF4-FFF2-40B4-BE49-F238E27FC236}">
+                  <a16:creationId xmlns:a16="http://schemas.microsoft.com/office/drawing/2014/main" id="{49523E7B-64FB-4CDD-91BF-832A853282C2}"/>
+                </a:ext>
+              </a:extLst>
+            </p:cNvPr>
+            <p:cNvSpPr/>
+            <p:nvPr/>
+          </p:nvSpPr>
+          <p:spPr>
+            <a:xfrm>
+              <a:off x="7589837" y="2374116"/>
+              <a:ext cx="402371" cy="793750"/>
+            </a:xfrm>
+            <a:prstGeom prst="rect">
+              <a:avLst/>
+            </a:prstGeom>
+            <a:solidFill>
+              <a:schemeClr val="accent4">
+                <a:lumMod val="20000"/>
+                <a:lumOff val="80000"/>
+              </a:schemeClr>
+            </a:solidFill>
+            <a:ln>
+              <a:noFill/>
+            </a:ln>
+          </p:spPr>
+          <p:style>
+            <a:lnRef idx="3">
+              <a:schemeClr val="lt1"/>
+            </a:lnRef>
+            <a:fillRef idx="1">
+              <a:schemeClr val="accent1"/>
+            </a:fillRef>
+            <a:effectRef idx="1">
+              <a:schemeClr val="accent1"/>
+            </a:effectRef>
+            <a:fontRef idx="minor">
+              <a:schemeClr val="lt1"/>
+            </a:fontRef>
+          </p:style>
+          <p:txBody>
+            <a:bodyPr rtlCol="0" anchor="ctr"/>
+            <a:lstStyle/>
+            <a:p>
+              <a:pPr algn="ctr"/>
+              <a:endParaRPr lang="it-IT"/>
+            </a:p>
+          </p:txBody>
+        </p:sp>
+        <p:sp>
+          <p:nvSpPr>
+            <p:cNvPr id="36" name="Rettangolo 35">
+              <a:extLst>
+                <a:ext uri="{FF2B5EF4-FFF2-40B4-BE49-F238E27FC236}">
+                  <a16:creationId xmlns:a16="http://schemas.microsoft.com/office/drawing/2014/main" id="{06742324-D30B-4557-80EE-9FFBAEECC887}"/>
+                </a:ext>
+              </a:extLst>
+            </p:cNvPr>
+            <p:cNvSpPr/>
+            <p:nvPr/>
+          </p:nvSpPr>
+          <p:spPr>
+            <a:xfrm>
+              <a:off x="7589836" y="2783048"/>
+              <a:ext cx="402371" cy="392382"/>
+            </a:xfrm>
+            <a:prstGeom prst="rect">
+              <a:avLst/>
+            </a:prstGeom>
+            <a:solidFill>
+              <a:srgbClr val="FF6161"/>
+            </a:solidFill>
+            <a:ln>
+              <a:noFill/>
+            </a:ln>
+          </p:spPr>
+          <p:style>
+            <a:lnRef idx="3">
+              <a:schemeClr val="lt1"/>
+            </a:lnRef>
+            <a:fillRef idx="1">
+              <a:schemeClr val="accent1"/>
+            </a:fillRef>
+            <a:effectRef idx="1">
+              <a:schemeClr val="accent1"/>
+            </a:effectRef>
+            <a:fontRef idx="minor">
+              <a:schemeClr val="lt1"/>
+            </a:fontRef>
+          </p:style>
+          <p:txBody>
+            <a:bodyPr rtlCol="0" anchor="ctr"/>
+            <a:lstStyle/>
+            <a:p>
+              <a:pPr algn="ctr"/>
+              <a:endParaRPr lang="it-IT"/>
+            </a:p>
+          </p:txBody>
+        </p:sp>
+        <p:pic>
+          <p:nvPicPr>
+            <p:cNvPr id="25" name="Immagine 24">
+              <a:extLst>
+                <a:ext uri="{FF2B5EF4-FFF2-40B4-BE49-F238E27FC236}">
+                  <a16:creationId xmlns:a16="http://schemas.microsoft.com/office/drawing/2014/main" id="{7165B35C-0C62-4D7D-A071-7CD484CE1456}"/>
+                </a:ext>
+              </a:extLst>
+            </p:cNvPr>
+            <p:cNvPicPr>
+              <a:picLocks noChangeAspect="1"/>
+            </p:cNvPicPr>
+            <p:nvPr/>
+          </p:nvPicPr>
+          <p:blipFill>
+            <a:blip r:embed="rId5">
+              <a:extLst>
+                <a:ext uri="{28A0092B-C50C-407E-A947-70E740481C1C}">
+                  <a14:useLocalDpi xmlns:a14="http://schemas.microsoft.com/office/drawing/2010/main" val="0"/>
+                </a:ext>
+              </a:extLst>
+            </a:blip>
+            <a:srcRect/>
+            <a:stretch/>
+          </p:blipFill>
+          <p:spPr>
+            <a:xfrm>
+              <a:off x="7574493" y="2364537"/>
+              <a:ext cx="2808588" cy="821893"/>
+            </a:xfrm>
+            <a:prstGeom prst="rect">
+              <a:avLst/>
+            </a:prstGeom>
+          </p:spPr>
+        </p:pic>
+      </p:grpSp>
+      <p:grpSp>
+        <p:nvGrpSpPr>
+          <p:cNvPr id="41" name="Gruppo 40">
+            <a:extLst>
+              <a:ext uri="{FF2B5EF4-FFF2-40B4-BE49-F238E27FC236}">
+                <a16:creationId xmlns:a16="http://schemas.microsoft.com/office/drawing/2014/main" id="{52211D5F-03D5-4A97-BEB1-1EEE79B103A0}"/>
+              </a:ext>
+            </a:extLst>
+          </p:cNvPr>
+          <p:cNvGrpSpPr/>
+          <p:nvPr/>
+        </p:nvGrpSpPr>
+        <p:grpSpPr>
+          <a:xfrm>
+            <a:off x="7569698" y="3450676"/>
+            <a:ext cx="2808588" cy="821893"/>
+            <a:chOff x="7569698" y="3450676"/>
+            <a:chExt cx="2808588" cy="821893"/>
+          </a:xfrm>
+        </p:grpSpPr>
+        <p:sp>
+          <p:nvSpPr>
+            <p:cNvPr id="26" name="Rettangolo 25">
+              <a:extLst>
+                <a:ext uri="{FF2B5EF4-FFF2-40B4-BE49-F238E27FC236}">
+                  <a16:creationId xmlns:a16="http://schemas.microsoft.com/office/drawing/2014/main" id="{EBA44971-382B-4D0C-970D-1D9086BE714C}"/>
+                </a:ext>
+              </a:extLst>
+            </p:cNvPr>
+            <p:cNvSpPr/>
+            <p:nvPr/>
+          </p:nvSpPr>
+          <p:spPr>
+            <a:xfrm>
+              <a:off x="7589837" y="3463727"/>
+              <a:ext cx="2773363" cy="793750"/>
+            </a:xfrm>
+            <a:prstGeom prst="rect">
+              <a:avLst/>
+            </a:prstGeom>
+            <a:solidFill>
+              <a:srgbClr val="9DE4FF"/>
+            </a:solidFill>
+            <a:ln>
+              <a:noFill/>
+            </a:ln>
+          </p:spPr>
+          <p:style>
+            <a:lnRef idx="3">
+              <a:schemeClr val="lt1"/>
+            </a:lnRef>
+            <a:fillRef idx="1">
+              <a:schemeClr val="accent1"/>
+            </a:fillRef>
+            <a:effectRef idx="1">
+              <a:schemeClr val="accent1"/>
+            </a:effectRef>
+            <a:fontRef idx="minor">
+              <a:schemeClr val="lt1"/>
+            </a:fontRef>
+          </p:style>
+          <p:txBody>
+            <a:bodyPr rtlCol="0" anchor="ctr"/>
+            <a:lstStyle/>
+            <a:p>
+              <a:pPr algn="ctr"/>
+              <a:endParaRPr lang="it-IT" dirty="0"/>
+            </a:p>
+          </p:txBody>
+        </p:sp>
+        <p:sp>
+          <p:nvSpPr>
+            <p:cNvPr id="27" name="Rettangolo 26">
+              <a:extLst>
+                <a:ext uri="{FF2B5EF4-FFF2-40B4-BE49-F238E27FC236}">
+                  <a16:creationId xmlns:a16="http://schemas.microsoft.com/office/drawing/2014/main" id="{C5132796-48AE-4791-BD42-C27C54C1CF73}"/>
+                </a:ext>
+              </a:extLst>
+            </p:cNvPr>
+            <p:cNvSpPr/>
+            <p:nvPr/>
+          </p:nvSpPr>
+          <p:spPr>
+            <a:xfrm>
+              <a:off x="7981257" y="3463726"/>
+              <a:ext cx="402371" cy="790679"/>
+            </a:xfrm>
+            <a:prstGeom prst="rect">
+              <a:avLst/>
+            </a:prstGeom>
+            <a:solidFill>
+              <a:schemeClr val="accent4">
+                <a:lumMod val="20000"/>
+                <a:lumOff val="80000"/>
+              </a:schemeClr>
+            </a:solidFill>
+            <a:ln>
+              <a:noFill/>
+            </a:ln>
+          </p:spPr>
+          <p:style>
+            <a:lnRef idx="3">
+              <a:schemeClr val="lt1"/>
+            </a:lnRef>
+            <a:fillRef idx="1">
+              <a:schemeClr val="accent1"/>
+            </a:fillRef>
+            <a:effectRef idx="1">
+              <a:schemeClr val="accent1"/>
+            </a:effectRef>
+            <a:fontRef idx="minor">
+              <a:schemeClr val="lt1"/>
+            </a:fontRef>
+          </p:style>
+          <p:txBody>
+            <a:bodyPr rtlCol="0" anchor="ctr"/>
+            <a:lstStyle/>
+            <a:p>
+              <a:pPr algn="ctr"/>
+              <a:endParaRPr lang="it-IT"/>
+            </a:p>
+          </p:txBody>
+        </p:sp>
+        <p:sp>
+          <p:nvSpPr>
+            <p:cNvPr id="37" name="Rettangolo 36">
+              <a:extLst>
+                <a:ext uri="{FF2B5EF4-FFF2-40B4-BE49-F238E27FC236}">
+                  <a16:creationId xmlns:a16="http://schemas.microsoft.com/office/drawing/2014/main" id="{9098E3EC-F30E-4E08-B3C2-78746498D757}"/>
+                </a:ext>
+              </a:extLst>
+            </p:cNvPr>
+            <p:cNvSpPr/>
+            <p:nvPr/>
+          </p:nvSpPr>
+          <p:spPr>
+            <a:xfrm>
+              <a:off x="7981257" y="3462021"/>
+              <a:ext cx="402371" cy="392382"/>
+            </a:xfrm>
+            <a:prstGeom prst="rect">
+              <a:avLst/>
+            </a:prstGeom>
+            <a:solidFill>
+              <a:srgbClr val="FF6161"/>
+            </a:solidFill>
+            <a:ln>
+              <a:noFill/>
+            </a:ln>
+          </p:spPr>
+          <p:style>
+            <a:lnRef idx="3">
+              <a:schemeClr val="lt1"/>
+            </a:lnRef>
+            <a:fillRef idx="1">
+              <a:schemeClr val="accent1"/>
+            </a:fillRef>
+            <a:effectRef idx="1">
+              <a:schemeClr val="accent1"/>
+            </a:effectRef>
+            <a:fontRef idx="minor">
+              <a:schemeClr val="lt1"/>
+            </a:fontRef>
+          </p:style>
+          <p:txBody>
+            <a:bodyPr rtlCol="0" anchor="ctr"/>
+            <a:lstStyle/>
+            <a:p>
+              <a:pPr algn="ctr"/>
+              <a:endParaRPr lang="it-IT"/>
+            </a:p>
+          </p:txBody>
+        </p:sp>
+        <p:pic>
+          <p:nvPicPr>
+            <p:cNvPr id="28" name="Immagine 27">
+              <a:extLst>
+                <a:ext uri="{FF2B5EF4-FFF2-40B4-BE49-F238E27FC236}">
+                  <a16:creationId xmlns:a16="http://schemas.microsoft.com/office/drawing/2014/main" id="{E24D03C3-CE52-4711-9D0B-A63C204904B6}"/>
+                </a:ext>
+              </a:extLst>
+            </p:cNvPr>
+            <p:cNvPicPr>
+              <a:picLocks noChangeAspect="1"/>
+            </p:cNvPicPr>
+            <p:nvPr/>
+          </p:nvPicPr>
+          <p:blipFill>
+            <a:blip r:embed="rId5">
+              <a:extLst>
+                <a:ext uri="{28A0092B-C50C-407E-A947-70E740481C1C}">
+                  <a14:useLocalDpi xmlns:a14="http://schemas.microsoft.com/office/drawing/2010/main" val="0"/>
+                </a:ext>
+              </a:extLst>
+            </a:blip>
+            <a:srcRect/>
+            <a:stretch/>
+          </p:blipFill>
+          <p:spPr>
+            <a:xfrm>
+              <a:off x="7569698" y="3450676"/>
+              <a:ext cx="2808588" cy="821893"/>
+            </a:xfrm>
+            <a:prstGeom prst="rect">
+              <a:avLst/>
+            </a:prstGeom>
+          </p:spPr>
+        </p:pic>
+      </p:grpSp>
+      <p:grpSp>
+        <p:nvGrpSpPr>
+          <p:cNvPr id="42" name="Gruppo 41">
+            <a:extLst>
+              <a:ext uri="{FF2B5EF4-FFF2-40B4-BE49-F238E27FC236}">
+                <a16:creationId xmlns:a16="http://schemas.microsoft.com/office/drawing/2014/main" id="{EFC77103-10CB-4146-BDE2-1F0459391341}"/>
+              </a:ext>
+            </a:extLst>
+          </p:cNvPr>
+          <p:cNvGrpSpPr/>
+          <p:nvPr/>
+        </p:nvGrpSpPr>
+        <p:grpSpPr>
+          <a:xfrm>
+            <a:off x="7569698" y="4531463"/>
+            <a:ext cx="2808588" cy="821893"/>
+            <a:chOff x="7569698" y="4531463"/>
+            <a:chExt cx="2808588" cy="821893"/>
+          </a:xfrm>
+        </p:grpSpPr>
+        <p:sp>
+          <p:nvSpPr>
+            <p:cNvPr id="29" name="Rettangolo 28">
+              <a:extLst>
+                <a:ext uri="{FF2B5EF4-FFF2-40B4-BE49-F238E27FC236}">
+                  <a16:creationId xmlns:a16="http://schemas.microsoft.com/office/drawing/2014/main" id="{BBFA5D75-44D6-4752-B55A-D28F462BB16B}"/>
+                </a:ext>
+              </a:extLst>
+            </p:cNvPr>
+            <p:cNvSpPr/>
+            <p:nvPr/>
+          </p:nvSpPr>
+          <p:spPr>
+            <a:xfrm>
+              <a:off x="7589837" y="4548845"/>
+              <a:ext cx="2773363" cy="793750"/>
+            </a:xfrm>
+            <a:prstGeom prst="rect">
+              <a:avLst/>
+            </a:prstGeom>
+            <a:solidFill>
+              <a:srgbClr val="9DE4FF"/>
+            </a:solidFill>
+            <a:ln>
+              <a:noFill/>
+            </a:ln>
+          </p:spPr>
+          <p:style>
+            <a:lnRef idx="3">
+              <a:schemeClr val="lt1"/>
+            </a:lnRef>
+            <a:fillRef idx="1">
+              <a:schemeClr val="accent1"/>
+            </a:fillRef>
+            <a:effectRef idx="1">
+              <a:schemeClr val="accent1"/>
+            </a:effectRef>
+            <a:fontRef idx="minor">
+              <a:schemeClr val="lt1"/>
+            </a:fontRef>
+          </p:style>
+          <p:txBody>
+            <a:bodyPr rtlCol="0" anchor="ctr"/>
+            <a:lstStyle/>
+            <a:p>
+              <a:pPr algn="ctr"/>
+              <a:endParaRPr lang="it-IT" dirty="0"/>
+            </a:p>
+          </p:txBody>
+        </p:sp>
+        <p:sp>
+          <p:nvSpPr>
+            <p:cNvPr id="30" name="Rettangolo 29">
+              <a:extLst>
+                <a:ext uri="{FF2B5EF4-FFF2-40B4-BE49-F238E27FC236}">
+                  <a16:creationId xmlns:a16="http://schemas.microsoft.com/office/drawing/2014/main" id="{CEA2FE08-57EE-4AEB-ADC5-8F4BFBB11BD8}"/>
+                </a:ext>
+              </a:extLst>
+            </p:cNvPr>
+            <p:cNvSpPr/>
+            <p:nvPr/>
+          </p:nvSpPr>
+          <p:spPr>
+            <a:xfrm>
+              <a:off x="7981257" y="4548845"/>
+              <a:ext cx="402371" cy="793750"/>
+            </a:xfrm>
+            <a:prstGeom prst="rect">
+              <a:avLst/>
+            </a:prstGeom>
+            <a:solidFill>
+              <a:schemeClr val="accent4">
+                <a:lumMod val="20000"/>
+                <a:lumOff val="80000"/>
+              </a:schemeClr>
+            </a:solidFill>
+            <a:ln>
+              <a:noFill/>
+            </a:ln>
+          </p:spPr>
+          <p:style>
+            <a:lnRef idx="3">
+              <a:schemeClr val="lt1"/>
+            </a:lnRef>
+            <a:fillRef idx="1">
+              <a:schemeClr val="accent1"/>
+            </a:fillRef>
+            <a:effectRef idx="1">
+              <a:schemeClr val="accent1"/>
+            </a:effectRef>
+            <a:fontRef idx="minor">
+              <a:schemeClr val="lt1"/>
+            </a:fontRef>
+          </p:style>
+          <p:txBody>
+            <a:bodyPr rtlCol="0" anchor="ctr"/>
+            <a:lstStyle/>
+            <a:p>
+              <a:pPr algn="ctr"/>
+              <a:endParaRPr lang="it-IT"/>
+            </a:p>
+          </p:txBody>
+        </p:sp>
+        <p:sp>
+          <p:nvSpPr>
+            <p:cNvPr id="38" name="Rettangolo 37">
+              <a:extLst>
+                <a:ext uri="{FF2B5EF4-FFF2-40B4-BE49-F238E27FC236}">
+                  <a16:creationId xmlns:a16="http://schemas.microsoft.com/office/drawing/2014/main" id="{CF15F6C8-2A6F-4924-9E0B-E6ABAA88B883}"/>
+                </a:ext>
+              </a:extLst>
+            </p:cNvPr>
+            <p:cNvSpPr/>
+            <p:nvPr/>
+          </p:nvSpPr>
+          <p:spPr>
+            <a:xfrm>
+              <a:off x="7981257" y="4945720"/>
+              <a:ext cx="402371" cy="392382"/>
+            </a:xfrm>
+            <a:prstGeom prst="rect">
+              <a:avLst/>
+            </a:prstGeom>
+            <a:solidFill>
+              <a:srgbClr val="FF6161"/>
+            </a:solidFill>
+            <a:ln>
+              <a:noFill/>
+            </a:ln>
+          </p:spPr>
+          <p:style>
+            <a:lnRef idx="3">
+              <a:schemeClr val="lt1"/>
+            </a:lnRef>
+            <a:fillRef idx="1">
+              <a:schemeClr val="accent1"/>
+            </a:fillRef>
+            <a:effectRef idx="1">
+              <a:schemeClr val="accent1"/>
+            </a:effectRef>
+            <a:fontRef idx="minor">
+              <a:schemeClr val="lt1"/>
+            </a:fontRef>
+          </p:style>
+          <p:txBody>
+            <a:bodyPr rtlCol="0" anchor="ctr"/>
+            <a:lstStyle/>
+            <a:p>
+              <a:pPr algn="ctr"/>
+              <a:endParaRPr lang="it-IT"/>
+            </a:p>
+          </p:txBody>
+        </p:sp>
+        <p:pic>
+          <p:nvPicPr>
+            <p:cNvPr id="31" name="Immagine 30">
+              <a:extLst>
+                <a:ext uri="{FF2B5EF4-FFF2-40B4-BE49-F238E27FC236}">
+                  <a16:creationId xmlns:a16="http://schemas.microsoft.com/office/drawing/2014/main" id="{2B236320-85D0-455C-AE61-028914768EED}"/>
+                </a:ext>
+              </a:extLst>
+            </p:cNvPr>
+            <p:cNvPicPr>
+              <a:picLocks noChangeAspect="1"/>
+            </p:cNvPicPr>
+            <p:nvPr/>
+          </p:nvPicPr>
+          <p:blipFill>
+            <a:blip r:embed="rId5">
+              <a:extLst>
+                <a:ext uri="{28A0092B-C50C-407E-A947-70E740481C1C}">
+                  <a14:useLocalDpi xmlns:a14="http://schemas.microsoft.com/office/drawing/2010/main" val="0"/>
+                </a:ext>
+              </a:extLst>
+            </a:blip>
+            <a:srcRect/>
+            <a:stretch/>
+          </p:blipFill>
+          <p:spPr>
+            <a:xfrm>
+              <a:off x="7569698" y="4531463"/>
+              <a:ext cx="2808588" cy="821893"/>
+            </a:xfrm>
+            <a:prstGeom prst="rect">
+              <a:avLst/>
+            </a:prstGeom>
+          </p:spPr>
+        </p:pic>
+      </p:grpSp>
+      <p:cxnSp>
+        <p:nvCxnSpPr>
+          <p:cNvPr id="44" name="Connettore 2 43">
+            <a:extLst>
+              <a:ext uri="{FF2B5EF4-FFF2-40B4-BE49-F238E27FC236}">
+                <a16:creationId xmlns:a16="http://schemas.microsoft.com/office/drawing/2014/main" id="{04E1E034-2525-47AF-998C-5B161935E25C}"/>
+              </a:ext>
+            </a:extLst>
+          </p:cNvPr>
+          <p:cNvCxnSpPr/>
+          <p:nvPr/>
+        </p:nvCxnSpPr>
+        <p:spPr>
+          <a:xfrm>
+            <a:off x="7784892" y="2570687"/>
+            <a:ext cx="0" cy="424721"/>
+          </a:xfrm>
+          <a:prstGeom prst="straightConnector1">
+            <a:avLst/>
+          </a:prstGeom>
+          <a:ln>
+            <a:tailEnd type="triangle"/>
+          </a:ln>
+        </p:spPr>
+        <p:style>
+          <a:lnRef idx="3">
+            <a:schemeClr val="dk1"/>
+          </a:lnRef>
+          <a:fillRef idx="0">
+            <a:schemeClr val="dk1"/>
+          </a:fillRef>
+          <a:effectRef idx="2">
+            <a:schemeClr val="dk1"/>
+          </a:effectRef>
+          <a:fontRef idx="minor">
+            <a:schemeClr val="tx1"/>
+          </a:fontRef>
+        </p:style>
+      </p:cxnSp>
+      <p:cxnSp>
+        <p:nvCxnSpPr>
+          <p:cNvPr id="45" name="Connettore 2 44">
+            <a:extLst>
+              <a:ext uri="{FF2B5EF4-FFF2-40B4-BE49-F238E27FC236}">
+                <a16:creationId xmlns:a16="http://schemas.microsoft.com/office/drawing/2014/main" id="{B54E4928-5907-4F59-AD74-CAEBE1D5BDC4}"/>
+              </a:ext>
+            </a:extLst>
+          </p:cNvPr>
+          <p:cNvCxnSpPr/>
+          <p:nvPr/>
+        </p:nvCxnSpPr>
+        <p:spPr>
+          <a:xfrm>
+            <a:off x="8172137" y="4733359"/>
+            <a:ext cx="0" cy="424721"/>
+          </a:xfrm>
+          <a:prstGeom prst="straightConnector1">
+            <a:avLst/>
+          </a:prstGeom>
+          <a:ln>
+            <a:tailEnd type="triangle"/>
+          </a:ln>
+        </p:spPr>
+        <p:style>
+          <a:lnRef idx="3">
+            <a:schemeClr val="dk1"/>
+          </a:lnRef>
+          <a:fillRef idx="0">
+            <a:schemeClr val="dk1"/>
+          </a:fillRef>
+          <a:effectRef idx="2">
+            <a:schemeClr val="dk1"/>
+          </a:effectRef>
+          <a:fontRef idx="minor">
+            <a:schemeClr val="tx1"/>
+          </a:fontRef>
+        </p:style>
+      </p:cxnSp>
+      <p:cxnSp>
+        <p:nvCxnSpPr>
+          <p:cNvPr id="46" name="Connettore 2 45">
+            <a:extLst>
+              <a:ext uri="{FF2B5EF4-FFF2-40B4-BE49-F238E27FC236}">
+                <a16:creationId xmlns:a16="http://schemas.microsoft.com/office/drawing/2014/main" id="{86098E6E-5749-4512-BBC1-9C797A019EE2}"/>
+              </a:ext>
+            </a:extLst>
+          </p:cNvPr>
+          <p:cNvCxnSpPr>
+            <a:cxnSpLocks/>
+          </p:cNvCxnSpPr>
+          <p:nvPr/>
+        </p:nvCxnSpPr>
+        <p:spPr>
+          <a:xfrm flipV="1">
+            <a:off x="7784892" y="3667593"/>
+            <a:ext cx="387245" cy="392615"/>
+          </a:xfrm>
+          <a:prstGeom prst="straightConnector1">
+            <a:avLst/>
+          </a:prstGeom>
+          <a:ln>
+            <a:tailEnd type="triangle"/>
+          </a:ln>
+        </p:spPr>
+        <p:style>
+          <a:lnRef idx="3">
+            <a:schemeClr val="dk1"/>
+          </a:lnRef>
+          <a:fillRef idx="0">
+            <a:schemeClr val="dk1"/>
+          </a:fillRef>
+          <a:effectRef idx="2">
+            <a:schemeClr val="dk1"/>
+          </a:effectRef>
+          <a:fontRef idx="minor">
+            <a:schemeClr val="tx1"/>
+          </a:fontRef>
+        </p:style>
+      </p:cxnSp>
+      <p:cxnSp>
+        <p:nvCxnSpPr>
+          <p:cNvPr id="48" name="Connettore 2 47">
+            <a:extLst>
+              <a:ext uri="{FF2B5EF4-FFF2-40B4-BE49-F238E27FC236}">
+                <a16:creationId xmlns:a16="http://schemas.microsoft.com/office/drawing/2014/main" id="{ACC7A2CE-F887-4228-9588-128DF3553048}"/>
+              </a:ext>
+            </a:extLst>
+          </p:cNvPr>
+          <p:cNvCxnSpPr>
+            <a:cxnSpLocks/>
+          </p:cNvCxnSpPr>
+          <p:nvPr/>
+        </p:nvCxnSpPr>
+        <p:spPr>
+          <a:xfrm>
+            <a:off x="7368363" y="1498527"/>
+            <a:ext cx="416529" cy="0"/>
+          </a:xfrm>
+          <a:prstGeom prst="straightConnector1">
+            <a:avLst/>
+          </a:prstGeom>
+          <a:ln>
+            <a:tailEnd type="triangle"/>
+          </a:ln>
+        </p:spPr>
+        <p:style>
+          <a:lnRef idx="3">
+            <a:schemeClr val="dk1"/>
+          </a:lnRef>
+          <a:fillRef idx="0">
+            <a:schemeClr val="dk1"/>
+          </a:fillRef>
+          <a:effectRef idx="2">
+            <a:schemeClr val="dk1"/>
+          </a:effectRef>
+          <a:fontRef idx="minor">
+            <a:schemeClr val="tx1"/>
+          </a:fontRef>
+        </p:style>
+      </p:cxnSp>
+      <p:sp>
+        <p:nvSpPr>
+          <p:cNvPr id="50" name="CasellaDiTesto 49">
+            <a:extLst>
+              <a:ext uri="{FF2B5EF4-FFF2-40B4-BE49-F238E27FC236}">
+                <a16:creationId xmlns:a16="http://schemas.microsoft.com/office/drawing/2014/main" id="{8D205B31-A1A0-428B-8B04-91B3265895CA}"/>
+              </a:ext>
+            </a:extLst>
+          </p:cNvPr>
+          <p:cNvSpPr txBox="1"/>
+          <p:nvPr/>
+        </p:nvSpPr>
+        <p:spPr>
+          <a:xfrm>
+            <a:off x="7904372" y="759004"/>
+            <a:ext cx="2139240" cy="369332"/>
+          </a:xfrm>
+          <a:prstGeom prst="rect">
+            <a:avLst/>
+          </a:prstGeom>
+          <a:noFill/>
+        </p:spPr>
+        <p:txBody>
+          <a:bodyPr wrap="none" rtlCol="0">
+            <a:spAutoFit/>
+          </a:bodyPr>
+          <a:lstStyle/>
+          <a:p>
+            <a:r>
+              <a:rPr lang="it-IT" dirty="0" err="1"/>
+              <a:t>Thread</a:t>
+            </a:r>
+            <a:r>
+              <a:rPr lang="it-IT" dirty="0"/>
+              <a:t> 0 – 1st image</a:t>
+            </a:r>
+          </a:p>
+        </p:txBody>
+      </p:sp>
+    </p:spTree>
+    <p:extLst>
+      <p:ext uri="{BB962C8B-B14F-4D97-AF65-F5344CB8AC3E}">
+        <p14:creationId xmlns:p14="http://schemas.microsoft.com/office/powerpoint/2010/main" val="4228102115"/>
+      </p:ext>
+    </p:extLst>
+  </p:cSld>
+  <p:clrMapOvr>
+    <a:masterClrMapping/>
+  </p:clrMapOvr>
+</p:sld>
+</file>
+
 <file path=ppt/slides/slide8.xml><?xml version="1.0" encoding="utf-8"?>
+<p:sld xmlns:a="http://schemas.openxmlformats.org/drawingml/2006/main" xmlns:r="http://schemas.openxmlformats.org/officeDocument/2006/relationships" xmlns:p="http://schemas.openxmlformats.org/presentationml/2006/main">
+  <p:cSld>
+    <p:spTree>
+      <p:nvGrpSpPr>
+        <p:cNvPr id="1" name=""/>
+        <p:cNvGrpSpPr/>
+        <p:nvPr/>
+      </p:nvGrpSpPr>
+      <p:grpSpPr>
+        <a:xfrm>
+          <a:off x="0" y="0"/>
+          <a:ext cx="0" cy="0"/>
+          <a:chOff x="0" y="0"/>
+          <a:chExt cx="0" cy="0"/>
+        </a:xfrm>
+      </p:grpSpPr>
+      <p:sp>
+        <p:nvSpPr>
+          <p:cNvPr id="8" name="Rettangolo con un angolo in alto arrotondato e l'altro ritagliato 7">
+            <a:extLst>
+              <a:ext uri="{FF2B5EF4-FFF2-40B4-BE49-F238E27FC236}">
+                <a16:creationId xmlns:a16="http://schemas.microsoft.com/office/drawing/2014/main" id="{011717E5-7BF2-464B-9215-AF8C51E0CE38}"/>
+              </a:ext>
+            </a:extLst>
+          </p:cNvPr>
+          <p:cNvSpPr/>
+          <p:nvPr/>
+        </p:nvSpPr>
+        <p:spPr>
+          <a:xfrm flipV="1">
+            <a:off x="10534390" y="6325643"/>
+            <a:ext cx="678492" cy="532357"/>
+          </a:xfrm>
+          <a:custGeom>
+            <a:avLst/>
+            <a:gdLst>
+              <a:gd name="connsiteX0" fmla="*/ 0 w 4265112"/>
+              <a:gd name="connsiteY0" fmla="*/ 0 h 2373682"/>
+              <a:gd name="connsiteX1" fmla="*/ 3078271 w 4265112"/>
+              <a:gd name="connsiteY1" fmla="*/ 0 h 2373682"/>
+              <a:gd name="connsiteX2" fmla="*/ 4265112 w 4265112"/>
+              <a:gd name="connsiteY2" fmla="*/ 1186841 h 2373682"/>
+              <a:gd name="connsiteX3" fmla="*/ 4265112 w 4265112"/>
+              <a:gd name="connsiteY3" fmla="*/ 2373682 h 2373682"/>
+              <a:gd name="connsiteX4" fmla="*/ 0 w 4265112"/>
+              <a:gd name="connsiteY4" fmla="*/ 2373682 h 2373682"/>
+              <a:gd name="connsiteX5" fmla="*/ 0 w 4265112"/>
+              <a:gd name="connsiteY5" fmla="*/ 0 h 2373682"/>
+              <a:gd name="connsiteX6" fmla="*/ 0 w 4265112"/>
+              <a:gd name="connsiteY6" fmla="*/ 0 h 2373682"/>
+              <a:gd name="connsiteX0" fmla="*/ 0 w 4265112"/>
+              <a:gd name="connsiteY0" fmla="*/ 0 h 2373682"/>
+              <a:gd name="connsiteX1" fmla="*/ 3078271 w 4265112"/>
+              <a:gd name="connsiteY1" fmla="*/ 0 h 2373682"/>
+              <a:gd name="connsiteX2" fmla="*/ 4265112 w 4265112"/>
+              <a:gd name="connsiteY2" fmla="*/ 2373682 h 2373682"/>
+              <a:gd name="connsiteX3" fmla="*/ 0 w 4265112"/>
+              <a:gd name="connsiteY3" fmla="*/ 2373682 h 2373682"/>
+              <a:gd name="connsiteX4" fmla="*/ 0 w 4265112"/>
+              <a:gd name="connsiteY4" fmla="*/ 0 h 2373682"/>
+              <a:gd name="connsiteX5" fmla="*/ 0 w 4265112"/>
+              <a:gd name="connsiteY5" fmla="*/ 0 h 2373682"/>
+            </a:gdLst>
+            <a:ahLst/>
+            <a:cxnLst>
+              <a:cxn ang="0">
+                <a:pos x="connsiteX0" y="connsiteY0"/>
+              </a:cxn>
+              <a:cxn ang="0">
+                <a:pos x="connsiteX1" y="connsiteY1"/>
+              </a:cxn>
+              <a:cxn ang="0">
+                <a:pos x="connsiteX2" y="connsiteY2"/>
+              </a:cxn>
+              <a:cxn ang="0">
+                <a:pos x="connsiteX3" y="connsiteY3"/>
+              </a:cxn>
+              <a:cxn ang="0">
+                <a:pos x="connsiteX4" y="connsiteY4"/>
+              </a:cxn>
+              <a:cxn ang="0">
+                <a:pos x="connsiteX5" y="connsiteY5"/>
+              </a:cxn>
+            </a:cxnLst>
+            <a:rect l="l" t="t" r="r" b="b"/>
+            <a:pathLst>
+              <a:path w="4265112" h="2373682">
+                <a:moveTo>
+                  <a:pt x="0" y="0"/>
+                </a:moveTo>
+                <a:lnTo>
+                  <a:pt x="3078271" y="0"/>
+                </a:lnTo>
+                <a:lnTo>
+                  <a:pt x="4265112" y="2373682"/>
+                </a:lnTo>
+                <a:lnTo>
+                  <a:pt x="0" y="2373682"/>
+                </a:lnTo>
+                <a:lnTo>
+                  <a:pt x="0" y="0"/>
+                </a:lnTo>
+                <a:lnTo>
+                  <a:pt x="0" y="0"/>
+                </a:lnTo>
+                <a:close/>
+              </a:path>
+            </a:pathLst>
+          </a:custGeom>
+          <a:solidFill>
+            <a:srgbClr val="0F406B"/>
+          </a:solidFill>
+          <a:ln>
+            <a:noFill/>
+          </a:ln>
+        </p:spPr>
+        <p:style>
+          <a:lnRef idx="2">
+            <a:schemeClr val="dk1">
+              <a:shade val="50000"/>
+            </a:schemeClr>
+          </a:lnRef>
+          <a:fillRef idx="1">
+            <a:schemeClr val="dk1"/>
+          </a:fillRef>
+          <a:effectRef idx="0">
+            <a:schemeClr val="dk1"/>
+          </a:effectRef>
+          <a:fontRef idx="minor">
+            <a:schemeClr val="lt1"/>
+          </a:fontRef>
+        </p:style>
+        <p:txBody>
+          <a:bodyPr rtlCol="0" anchor="ctr"/>
+          <a:lstStyle/>
+          <a:p>
+            <a:pPr algn="ctr"/>
+            <a:endParaRPr lang="it-IT" dirty="0"/>
+          </a:p>
+        </p:txBody>
+      </p:sp>
+      <p:sp>
+        <p:nvSpPr>
+          <p:cNvPr id="9" name="Rettangolo 8">
+            <a:extLst>
+              <a:ext uri="{FF2B5EF4-FFF2-40B4-BE49-F238E27FC236}">
+                <a16:creationId xmlns:a16="http://schemas.microsoft.com/office/drawing/2014/main" id="{937A4F61-6DC9-4F23-85D5-F06BD43FDEEF}"/>
+              </a:ext>
+            </a:extLst>
+          </p:cNvPr>
+          <p:cNvSpPr/>
+          <p:nvPr/>
+        </p:nvSpPr>
+        <p:spPr>
+          <a:xfrm>
+            <a:off x="-1" y="6325643"/>
+            <a:ext cx="10796955" cy="532357"/>
+          </a:xfrm>
+          <a:prstGeom prst="rect">
+            <a:avLst/>
+          </a:prstGeom>
+          <a:solidFill>
+            <a:srgbClr val="0F406B"/>
+          </a:solidFill>
+          <a:ln>
+            <a:noFill/>
+          </a:ln>
+        </p:spPr>
+        <p:style>
+          <a:lnRef idx="2">
+            <a:schemeClr val="accent1">
+              <a:shade val="50000"/>
+            </a:schemeClr>
+          </a:lnRef>
+          <a:fillRef idx="1">
+            <a:schemeClr val="accent1"/>
+          </a:fillRef>
+          <a:effectRef idx="0">
+            <a:schemeClr val="accent1"/>
+          </a:effectRef>
+          <a:fontRef idx="minor">
+            <a:schemeClr val="lt1"/>
+          </a:fontRef>
+        </p:style>
+        <p:txBody>
+          <a:bodyPr rtlCol="0" anchor="ctr"/>
+          <a:lstStyle/>
+          <a:p>
+            <a:pPr algn="r"/>
+            <a:r>
+              <a:rPr lang="it-IT" sz="2000" cap="small" dirty="0">
+                <a:latin typeface="Times New Roman" panose="02020603050405020304" pitchFamily="18" charset="0"/>
+                <a:cs typeface="Times New Roman" panose="02020603050405020304" pitchFamily="18" charset="0"/>
+              </a:rPr>
+              <a:t>Università di Pisa</a:t>
+            </a:r>
+          </a:p>
+        </p:txBody>
+      </p:sp>
+      <p:sp>
+        <p:nvSpPr>
+          <p:cNvPr id="13" name="CasellaDiTesto 12">
+            <a:extLst>
+              <a:ext uri="{FF2B5EF4-FFF2-40B4-BE49-F238E27FC236}">
+                <a16:creationId xmlns:a16="http://schemas.microsoft.com/office/drawing/2014/main" id="{79CA0111-6699-4A05-93E4-F380E6BCEBDC}"/>
+              </a:ext>
+            </a:extLst>
+          </p:cNvPr>
+          <p:cNvSpPr txBox="1"/>
+          <p:nvPr/>
+        </p:nvSpPr>
+        <p:spPr>
+          <a:xfrm>
+            <a:off x="61781" y="6437933"/>
+            <a:ext cx="7912843" cy="307777"/>
+          </a:xfrm>
+          <a:prstGeom prst="rect">
+            <a:avLst/>
+          </a:prstGeom>
+          <a:noFill/>
+        </p:spPr>
+        <p:txBody>
+          <a:bodyPr wrap="square" rtlCol="0">
+            <a:spAutoFit/>
+          </a:bodyPr>
+          <a:lstStyle/>
+          <a:p>
+            <a:r>
+              <a:rPr lang="it-IT" sz="1400" dirty="0">
+                <a:solidFill>
+                  <a:schemeClr val="bg1"/>
+                </a:solidFill>
+              </a:rPr>
+              <a:t>Carlo Mazzanti | Andrea Migliore</a:t>
+            </a:r>
+          </a:p>
+        </p:txBody>
+      </p:sp>
+      <p:pic>
+        <p:nvPicPr>
+          <p:cNvPr id="15" name="Elemento grafico 14">
+            <a:extLst>
+              <a:ext uri="{FF2B5EF4-FFF2-40B4-BE49-F238E27FC236}">
+                <a16:creationId xmlns:a16="http://schemas.microsoft.com/office/drawing/2014/main" id="{187B2B7B-BBC9-452E-BAFF-74650AE5FDB9}"/>
+              </a:ext>
+            </a:extLst>
+          </p:cNvPr>
+          <p:cNvPicPr>
+            <a:picLocks noChangeAspect="1"/>
+          </p:cNvPicPr>
+          <p:nvPr/>
+        </p:nvPicPr>
+        <p:blipFill>
+          <a:blip r:embed="rId3">
+            <a:extLst>
+              <a:ext uri="{28A0092B-C50C-407E-A947-70E740481C1C}">
+                <a14:useLocalDpi xmlns:a14="http://schemas.microsoft.com/office/drawing/2010/main" val="0"/>
+              </a:ext>
+              <a:ext uri="{96DAC541-7B7A-43D3-8B79-37D633B846F1}">
+                <asvg:svgBlip xmlns:asvg="http://schemas.microsoft.com/office/drawing/2016/SVG/main" r:embed="rId4"/>
+              </a:ext>
+            </a:extLst>
+          </a:blip>
+          <a:stretch>
+            <a:fillRect/>
+          </a:stretch>
+        </p:blipFill>
+        <p:spPr>
+          <a:xfrm>
+            <a:off x="11457860" y="6385223"/>
+            <a:ext cx="420548" cy="420548"/>
+          </a:xfrm>
+          <a:prstGeom prst="rect">
+            <a:avLst/>
+          </a:prstGeom>
+        </p:spPr>
+      </p:pic>
+      <p:sp>
+        <p:nvSpPr>
+          <p:cNvPr id="19" name="CasellaDiTesto 18">
+            <a:extLst>
+              <a:ext uri="{FF2B5EF4-FFF2-40B4-BE49-F238E27FC236}">
+                <a16:creationId xmlns:a16="http://schemas.microsoft.com/office/drawing/2014/main" id="{35FDDEA8-3019-42FA-814E-B4F3A6D22B10}"/>
+              </a:ext>
+            </a:extLst>
+          </p:cNvPr>
+          <p:cNvSpPr txBox="1"/>
+          <p:nvPr/>
+        </p:nvSpPr>
+        <p:spPr>
+          <a:xfrm>
+            <a:off x="330375" y="231466"/>
+            <a:ext cx="8205195" cy="646331"/>
+          </a:xfrm>
+          <a:prstGeom prst="rect">
+            <a:avLst/>
+          </a:prstGeom>
+          <a:noFill/>
+        </p:spPr>
+        <p:txBody>
+          <a:bodyPr wrap="none" rtlCol="0">
+            <a:spAutoFit/>
+          </a:bodyPr>
+          <a:lstStyle/>
+          <a:p>
+            <a:r>
+              <a:rPr lang="en-US" sz="3600" b="1" dirty="0"/>
+              <a:t>Test Setup: Input Data and Load Scenarios</a:t>
+            </a:r>
+          </a:p>
+        </p:txBody>
+      </p:sp>
+      <p:sp>
+        <p:nvSpPr>
+          <p:cNvPr id="20" name="CasellaDiTesto 19">
+            <a:extLst>
+              <a:ext uri="{FF2B5EF4-FFF2-40B4-BE49-F238E27FC236}">
+                <a16:creationId xmlns:a16="http://schemas.microsoft.com/office/drawing/2014/main" id="{F43D8FBF-7224-4771-AD90-1F2BA6764838}"/>
+              </a:ext>
+            </a:extLst>
+          </p:cNvPr>
+          <p:cNvSpPr txBox="1"/>
+          <p:nvPr/>
+        </p:nvSpPr>
+        <p:spPr>
+          <a:xfrm>
+            <a:off x="487988" y="1720840"/>
+            <a:ext cx="5346430" cy="3416320"/>
+          </a:xfrm>
+          <a:prstGeom prst="rect">
+            <a:avLst/>
+          </a:prstGeom>
+          <a:noFill/>
+        </p:spPr>
+        <p:txBody>
+          <a:bodyPr wrap="square" rtlCol="0">
+            <a:spAutoFit/>
+          </a:bodyPr>
+          <a:lstStyle/>
+          <a:p>
+            <a:pPr marL="285750" indent="-285750">
+              <a:buFont typeface="Arial" panose="020B0604020202020204" pitchFamily="34" charset="0"/>
+              <a:buChar char="•"/>
+            </a:pPr>
+            <a:r>
+              <a:rPr lang="en-US" dirty="0"/>
+              <a:t>Input images are </a:t>
+            </a:r>
+            <a:r>
+              <a:rPr lang="en-US" b="1" dirty="0"/>
+              <a:t>randomly generated</a:t>
+            </a:r>
+            <a:r>
+              <a:rPr lang="en-US" dirty="0"/>
+              <a:t> at runtime, filled with values from </a:t>
+            </a:r>
+            <a:r>
+              <a:rPr lang="en-US" b="1" dirty="0"/>
+              <a:t>0 to 255</a:t>
+            </a:r>
+            <a:endParaRPr lang="en-US" dirty="0"/>
+          </a:p>
+          <a:p>
+            <a:endParaRPr lang="en-US" dirty="0"/>
+          </a:p>
+          <a:p>
+            <a:pPr marL="285750" indent="-285750">
+              <a:buFont typeface="Arial" panose="020B0604020202020204" pitchFamily="34" charset="0"/>
+              <a:buChar char="•"/>
+            </a:pPr>
+            <a:r>
+              <a:rPr lang="en-US" dirty="0"/>
+              <a:t>Each image is of size </a:t>
+            </a:r>
+            <a:r>
+              <a:rPr lang="en-US" b="1" dirty="0"/>
+              <a:t>1440 × 2160 </a:t>
+            </a:r>
+            <a:r>
+              <a:rPr lang="en-US" dirty="0"/>
+              <a:t>pixels.</a:t>
+            </a:r>
+          </a:p>
+          <a:p>
+            <a:endParaRPr lang="en-US" dirty="0"/>
+          </a:p>
+          <a:p>
+            <a:pPr marL="285750" indent="-285750">
+              <a:buFont typeface="Arial" panose="020B0604020202020204" pitchFamily="34" charset="0"/>
+              <a:buChar char="•"/>
+            </a:pPr>
+            <a:r>
+              <a:rPr lang="en-US" dirty="0"/>
+              <a:t>Three workload levels were tested:</a:t>
+            </a:r>
+          </a:p>
+          <a:p>
+            <a:pPr marL="742950" lvl="1" indent="-285750">
+              <a:buFont typeface="Arial" panose="020B0604020202020204" pitchFamily="34" charset="0"/>
+              <a:buChar char="•"/>
+            </a:pPr>
+            <a:r>
+              <a:rPr lang="en-US" b="1" dirty="0"/>
+              <a:t>Low</a:t>
+            </a:r>
+            <a:r>
+              <a:rPr lang="en-US" dirty="0"/>
+              <a:t>: 3 images</a:t>
+            </a:r>
+          </a:p>
+          <a:p>
+            <a:pPr marL="742950" lvl="1" indent="-285750">
+              <a:buFont typeface="Arial" panose="020B0604020202020204" pitchFamily="34" charset="0"/>
+              <a:buChar char="•"/>
+            </a:pPr>
+            <a:r>
+              <a:rPr lang="en-US" b="1" dirty="0"/>
+              <a:t>Medium</a:t>
+            </a:r>
+            <a:r>
+              <a:rPr lang="en-US" dirty="0"/>
+              <a:t>: 15 images</a:t>
+            </a:r>
+          </a:p>
+          <a:p>
+            <a:pPr marL="742950" lvl="1" indent="-285750">
+              <a:buFont typeface="Arial" panose="020B0604020202020204" pitchFamily="34" charset="0"/>
+              <a:buChar char="•"/>
+            </a:pPr>
+            <a:r>
+              <a:rPr lang="en-US" b="1" dirty="0"/>
+              <a:t>High</a:t>
+            </a:r>
+            <a:r>
+              <a:rPr lang="en-US" dirty="0"/>
+              <a:t>: 30 images</a:t>
+            </a:r>
+          </a:p>
+          <a:p>
+            <a:pPr lvl="1"/>
+            <a:endParaRPr lang="en-US" b="1" dirty="0"/>
+          </a:p>
+          <a:p>
+            <a:pPr marL="285750" indent="-285750">
+              <a:buFont typeface="Arial" panose="020B0604020202020204" pitchFamily="34" charset="0"/>
+              <a:buChar char="•"/>
+            </a:pPr>
+            <a:r>
+              <a:rPr lang="en-US" b="1" dirty="0"/>
+              <a:t>Target performance</a:t>
+            </a:r>
+            <a:r>
+              <a:rPr lang="en-US" dirty="0"/>
+              <a:t>: process at least </a:t>
+            </a:r>
+            <a:r>
+              <a:rPr lang="en-US" b="1" dirty="0"/>
+              <a:t>10 images per second</a:t>
+            </a:r>
+            <a:endParaRPr lang="en-US" dirty="0"/>
+          </a:p>
+        </p:txBody>
+      </p:sp>
+      <p:pic>
+        <p:nvPicPr>
+          <p:cNvPr id="3" name="Immagine 2">
+            <a:extLst>
+              <a:ext uri="{FF2B5EF4-FFF2-40B4-BE49-F238E27FC236}">
+                <a16:creationId xmlns:a16="http://schemas.microsoft.com/office/drawing/2014/main" id="{ED66351A-F0AF-49CA-BA4E-73BA167B3BED}"/>
+              </a:ext>
+            </a:extLst>
+          </p:cNvPr>
+          <p:cNvPicPr>
+            <a:picLocks noChangeAspect="1"/>
+          </p:cNvPicPr>
+          <p:nvPr/>
+        </p:nvPicPr>
+        <p:blipFill>
+          <a:blip r:embed="rId5">
+            <a:extLst>
+              <a:ext uri="{28A0092B-C50C-407E-A947-70E740481C1C}">
+                <a14:useLocalDpi xmlns:a14="http://schemas.microsoft.com/office/drawing/2010/main" val="0"/>
+              </a:ext>
+            </a:extLst>
+          </a:blip>
+          <a:stretch>
+            <a:fillRect/>
+          </a:stretch>
+        </p:blipFill>
+        <p:spPr>
+          <a:xfrm>
+            <a:off x="9358355" y="1627363"/>
+            <a:ext cx="2224473" cy="3387375"/>
+          </a:xfrm>
+          <a:prstGeom prst="rect">
+            <a:avLst/>
+          </a:prstGeom>
+        </p:spPr>
+      </p:pic>
+      <p:pic>
+        <p:nvPicPr>
+          <p:cNvPr id="5" name="Immagine 4">
+            <a:extLst>
+              <a:ext uri="{FF2B5EF4-FFF2-40B4-BE49-F238E27FC236}">
+                <a16:creationId xmlns:a16="http://schemas.microsoft.com/office/drawing/2014/main" id="{91EE246B-C211-4C48-A74A-FDC61C65F41B}"/>
+              </a:ext>
+            </a:extLst>
+          </p:cNvPr>
+          <p:cNvPicPr>
+            <a:picLocks noChangeAspect="1"/>
+          </p:cNvPicPr>
+          <p:nvPr/>
+        </p:nvPicPr>
+        <p:blipFill>
+          <a:blip r:embed="rId6">
+            <a:extLst>
+              <a:ext uri="{28A0092B-C50C-407E-A947-70E740481C1C}">
+                <a14:useLocalDpi xmlns:a14="http://schemas.microsoft.com/office/drawing/2010/main" val="0"/>
+              </a:ext>
+            </a:extLst>
+          </a:blip>
+          <a:stretch>
+            <a:fillRect/>
+          </a:stretch>
+        </p:blipFill>
+        <p:spPr>
+          <a:xfrm>
+            <a:off x="6690920" y="1627363"/>
+            <a:ext cx="2224473" cy="3384301"/>
+          </a:xfrm>
+          <a:prstGeom prst="rect">
+            <a:avLst/>
+          </a:prstGeom>
+        </p:spPr>
+      </p:pic>
+      <p:cxnSp>
+        <p:nvCxnSpPr>
+          <p:cNvPr id="7" name="Connettore 2 6">
+            <a:extLst>
+              <a:ext uri="{FF2B5EF4-FFF2-40B4-BE49-F238E27FC236}">
+                <a16:creationId xmlns:a16="http://schemas.microsoft.com/office/drawing/2014/main" id="{199C9DC1-50F4-4C34-AD96-2A4D9B38DA3E}"/>
+              </a:ext>
+            </a:extLst>
+          </p:cNvPr>
+          <p:cNvCxnSpPr/>
+          <p:nvPr/>
+        </p:nvCxnSpPr>
+        <p:spPr>
+          <a:xfrm>
+            <a:off x="6432125" y="1627363"/>
+            <a:ext cx="0" cy="3384301"/>
+          </a:xfrm>
+          <a:prstGeom prst="straightConnector1">
+            <a:avLst/>
+          </a:prstGeom>
+          <a:ln w="28575">
+            <a:headEnd type="triangle"/>
+            <a:tailEnd type="triangle"/>
+          </a:ln>
+        </p:spPr>
+        <p:style>
+          <a:lnRef idx="1">
+            <a:schemeClr val="dk1"/>
+          </a:lnRef>
+          <a:fillRef idx="0">
+            <a:schemeClr val="dk1"/>
+          </a:fillRef>
+          <a:effectRef idx="0">
+            <a:schemeClr val="dk1"/>
+          </a:effectRef>
+          <a:fontRef idx="minor">
+            <a:schemeClr val="tx1"/>
+          </a:fontRef>
+        </p:style>
+      </p:cxnSp>
+      <p:sp>
+        <p:nvSpPr>
+          <p:cNvPr id="10" name="CasellaDiTesto 9">
+            <a:extLst>
+              <a:ext uri="{FF2B5EF4-FFF2-40B4-BE49-F238E27FC236}">
+                <a16:creationId xmlns:a16="http://schemas.microsoft.com/office/drawing/2014/main" id="{FB15AD05-C1A1-4531-BEC4-56235B9F757D}"/>
+              </a:ext>
+            </a:extLst>
+          </p:cNvPr>
+          <p:cNvSpPr txBox="1"/>
+          <p:nvPr/>
+        </p:nvSpPr>
+        <p:spPr>
+          <a:xfrm rot="16200000">
+            <a:off x="5972961" y="3077603"/>
+            <a:ext cx="550151" cy="307777"/>
+          </a:xfrm>
+          <a:prstGeom prst="rect">
+            <a:avLst/>
+          </a:prstGeom>
+          <a:noFill/>
+        </p:spPr>
+        <p:txBody>
+          <a:bodyPr wrap="none" rtlCol="0">
+            <a:spAutoFit/>
+          </a:bodyPr>
+          <a:lstStyle/>
+          <a:p>
+            <a:pPr algn="ctr"/>
+            <a:r>
+              <a:rPr lang="it-IT" sz="1400" dirty="0"/>
+              <a:t>2160</a:t>
+            </a:r>
+          </a:p>
+        </p:txBody>
+      </p:sp>
+      <p:cxnSp>
+        <p:nvCxnSpPr>
+          <p:cNvPr id="16" name="Connettore 2 15">
+            <a:extLst>
+              <a:ext uri="{FF2B5EF4-FFF2-40B4-BE49-F238E27FC236}">
+                <a16:creationId xmlns:a16="http://schemas.microsoft.com/office/drawing/2014/main" id="{AC4A3C38-743F-496E-B55C-4D4720BF05E1}"/>
+              </a:ext>
+            </a:extLst>
+          </p:cNvPr>
+          <p:cNvCxnSpPr>
+            <a:cxnSpLocks/>
+          </p:cNvCxnSpPr>
+          <p:nvPr/>
+        </p:nvCxnSpPr>
+        <p:spPr>
+          <a:xfrm flipH="1">
+            <a:off x="6690921" y="5233225"/>
+            <a:ext cx="2224472" cy="0"/>
+          </a:xfrm>
+          <a:prstGeom prst="straightConnector1">
+            <a:avLst/>
+          </a:prstGeom>
+          <a:ln w="28575">
+            <a:headEnd type="triangle"/>
+            <a:tailEnd type="triangle"/>
+          </a:ln>
+        </p:spPr>
+        <p:style>
+          <a:lnRef idx="1">
+            <a:schemeClr val="dk1"/>
+          </a:lnRef>
+          <a:fillRef idx="0">
+            <a:schemeClr val="dk1"/>
+          </a:fillRef>
+          <a:effectRef idx="0">
+            <a:schemeClr val="dk1"/>
+          </a:effectRef>
+          <a:fontRef idx="minor">
+            <a:schemeClr val="tx1"/>
+          </a:fontRef>
+        </p:style>
+      </p:cxnSp>
+      <p:sp>
+        <p:nvSpPr>
+          <p:cNvPr id="21" name="CasellaDiTesto 20">
+            <a:extLst>
+              <a:ext uri="{FF2B5EF4-FFF2-40B4-BE49-F238E27FC236}">
+                <a16:creationId xmlns:a16="http://schemas.microsoft.com/office/drawing/2014/main" id="{09F4B912-4EA9-4BB3-8C4F-D13DDAAF2978}"/>
+              </a:ext>
+            </a:extLst>
+          </p:cNvPr>
+          <p:cNvSpPr txBox="1"/>
+          <p:nvPr/>
+        </p:nvSpPr>
+        <p:spPr>
+          <a:xfrm>
+            <a:off x="7528080" y="5268300"/>
+            <a:ext cx="550152" cy="307777"/>
+          </a:xfrm>
+          <a:prstGeom prst="rect">
+            <a:avLst/>
+          </a:prstGeom>
+          <a:noFill/>
+        </p:spPr>
+        <p:txBody>
+          <a:bodyPr wrap="none" rtlCol="0">
+            <a:spAutoFit/>
+          </a:bodyPr>
+          <a:lstStyle/>
+          <a:p>
+            <a:pPr algn="ctr"/>
+            <a:r>
+              <a:rPr lang="it-IT" sz="1400" dirty="0"/>
+              <a:t>1440</a:t>
+            </a:r>
+          </a:p>
+        </p:txBody>
+      </p:sp>
+    </p:spTree>
+    <p:extLst>
+      <p:ext uri="{BB962C8B-B14F-4D97-AF65-F5344CB8AC3E}">
+        <p14:creationId xmlns:p14="http://schemas.microsoft.com/office/powerpoint/2010/main" val="60850379"/>
+      </p:ext>
+    </p:extLst>
+  </p:cSld>
+  <p:clrMapOvr>
+    <a:masterClrMapping/>
+  </p:clrMapOvr>
+</p:sld>
+</file>
+
+<file path=ppt/slides/slide9.xml><?xml version="1.0" encoding="utf-8"?>
 <p:sld xmlns:a="http://schemas.openxmlformats.org/drawingml/2006/main" xmlns:r="http://schemas.openxmlformats.org/officeDocument/2006/relationships" xmlns:p="http://schemas.openxmlformats.org/presentationml/2006/main">
   <p:cSld>
     <p:spTree>
@@ -10222,332 +13596,6 @@
 </p:sld>
 </file>
 
-<file path=ppt/slides/slide9.xml><?xml version="1.0" encoding="utf-8"?>
-<p:sld xmlns:a="http://schemas.openxmlformats.org/drawingml/2006/main" xmlns:r="http://schemas.openxmlformats.org/officeDocument/2006/relationships" xmlns:p="http://schemas.openxmlformats.org/presentationml/2006/main">
-  <p:cSld>
-    <p:spTree>
-      <p:nvGrpSpPr>
-        <p:cNvPr id="1" name=""/>
-        <p:cNvGrpSpPr/>
-        <p:nvPr/>
-      </p:nvGrpSpPr>
-      <p:grpSpPr>
-        <a:xfrm>
-          <a:off x="0" y="0"/>
-          <a:ext cx="0" cy="0"/>
-          <a:chOff x="0" y="0"/>
-          <a:chExt cx="0" cy="0"/>
-        </a:xfrm>
-      </p:grpSpPr>
-      <p:sp>
-        <p:nvSpPr>
-          <p:cNvPr id="8" name="Rettangolo con un angolo in alto arrotondato e l'altro ritagliato 7">
-            <a:extLst>
-              <a:ext uri="{FF2B5EF4-FFF2-40B4-BE49-F238E27FC236}">
-                <a16:creationId xmlns:a16="http://schemas.microsoft.com/office/drawing/2014/main" id="{011717E5-7BF2-464B-9215-AF8C51E0CE38}"/>
-              </a:ext>
-            </a:extLst>
-          </p:cNvPr>
-          <p:cNvSpPr/>
-          <p:nvPr/>
-        </p:nvSpPr>
-        <p:spPr>
-          <a:xfrm flipV="1">
-            <a:off x="10534390" y="6325643"/>
-            <a:ext cx="678492" cy="532357"/>
-          </a:xfrm>
-          <a:custGeom>
-            <a:avLst/>
-            <a:gdLst>
-              <a:gd name="connsiteX0" fmla="*/ 0 w 4265112"/>
-              <a:gd name="connsiteY0" fmla="*/ 0 h 2373682"/>
-              <a:gd name="connsiteX1" fmla="*/ 3078271 w 4265112"/>
-              <a:gd name="connsiteY1" fmla="*/ 0 h 2373682"/>
-              <a:gd name="connsiteX2" fmla="*/ 4265112 w 4265112"/>
-              <a:gd name="connsiteY2" fmla="*/ 1186841 h 2373682"/>
-              <a:gd name="connsiteX3" fmla="*/ 4265112 w 4265112"/>
-              <a:gd name="connsiteY3" fmla="*/ 2373682 h 2373682"/>
-              <a:gd name="connsiteX4" fmla="*/ 0 w 4265112"/>
-              <a:gd name="connsiteY4" fmla="*/ 2373682 h 2373682"/>
-              <a:gd name="connsiteX5" fmla="*/ 0 w 4265112"/>
-              <a:gd name="connsiteY5" fmla="*/ 0 h 2373682"/>
-              <a:gd name="connsiteX6" fmla="*/ 0 w 4265112"/>
-              <a:gd name="connsiteY6" fmla="*/ 0 h 2373682"/>
-              <a:gd name="connsiteX0" fmla="*/ 0 w 4265112"/>
-              <a:gd name="connsiteY0" fmla="*/ 0 h 2373682"/>
-              <a:gd name="connsiteX1" fmla="*/ 3078271 w 4265112"/>
-              <a:gd name="connsiteY1" fmla="*/ 0 h 2373682"/>
-              <a:gd name="connsiteX2" fmla="*/ 4265112 w 4265112"/>
-              <a:gd name="connsiteY2" fmla="*/ 2373682 h 2373682"/>
-              <a:gd name="connsiteX3" fmla="*/ 0 w 4265112"/>
-              <a:gd name="connsiteY3" fmla="*/ 2373682 h 2373682"/>
-              <a:gd name="connsiteX4" fmla="*/ 0 w 4265112"/>
-              <a:gd name="connsiteY4" fmla="*/ 0 h 2373682"/>
-              <a:gd name="connsiteX5" fmla="*/ 0 w 4265112"/>
-              <a:gd name="connsiteY5" fmla="*/ 0 h 2373682"/>
-            </a:gdLst>
-            <a:ahLst/>
-            <a:cxnLst>
-              <a:cxn ang="0">
-                <a:pos x="connsiteX0" y="connsiteY0"/>
-              </a:cxn>
-              <a:cxn ang="0">
-                <a:pos x="connsiteX1" y="connsiteY1"/>
-              </a:cxn>
-              <a:cxn ang="0">
-                <a:pos x="connsiteX2" y="connsiteY2"/>
-              </a:cxn>
-              <a:cxn ang="0">
-                <a:pos x="connsiteX3" y="connsiteY3"/>
-              </a:cxn>
-              <a:cxn ang="0">
-                <a:pos x="connsiteX4" y="connsiteY4"/>
-              </a:cxn>
-              <a:cxn ang="0">
-                <a:pos x="connsiteX5" y="connsiteY5"/>
-              </a:cxn>
-            </a:cxnLst>
-            <a:rect l="l" t="t" r="r" b="b"/>
-            <a:pathLst>
-              <a:path w="4265112" h="2373682">
-                <a:moveTo>
-                  <a:pt x="0" y="0"/>
-                </a:moveTo>
-                <a:lnTo>
-                  <a:pt x="3078271" y="0"/>
-                </a:lnTo>
-                <a:lnTo>
-                  <a:pt x="4265112" y="2373682"/>
-                </a:lnTo>
-                <a:lnTo>
-                  <a:pt x="0" y="2373682"/>
-                </a:lnTo>
-                <a:lnTo>
-                  <a:pt x="0" y="0"/>
-                </a:lnTo>
-                <a:lnTo>
-                  <a:pt x="0" y="0"/>
-                </a:lnTo>
-                <a:close/>
-              </a:path>
-            </a:pathLst>
-          </a:custGeom>
-          <a:solidFill>
-            <a:srgbClr val="0F406B"/>
-          </a:solidFill>
-          <a:ln>
-            <a:noFill/>
-          </a:ln>
-        </p:spPr>
-        <p:style>
-          <a:lnRef idx="2">
-            <a:schemeClr val="dk1">
-              <a:shade val="50000"/>
-            </a:schemeClr>
-          </a:lnRef>
-          <a:fillRef idx="1">
-            <a:schemeClr val="dk1"/>
-          </a:fillRef>
-          <a:effectRef idx="0">
-            <a:schemeClr val="dk1"/>
-          </a:effectRef>
-          <a:fontRef idx="minor">
-            <a:schemeClr val="lt1"/>
-          </a:fontRef>
-        </p:style>
-        <p:txBody>
-          <a:bodyPr rtlCol="0" anchor="ctr"/>
-          <a:lstStyle/>
-          <a:p>
-            <a:pPr algn="ctr"/>
-            <a:endParaRPr lang="it-IT" dirty="0"/>
-          </a:p>
-        </p:txBody>
-      </p:sp>
-      <p:sp>
-        <p:nvSpPr>
-          <p:cNvPr id="9" name="Rettangolo 8">
-            <a:extLst>
-              <a:ext uri="{FF2B5EF4-FFF2-40B4-BE49-F238E27FC236}">
-                <a16:creationId xmlns:a16="http://schemas.microsoft.com/office/drawing/2014/main" id="{937A4F61-6DC9-4F23-85D5-F06BD43FDEEF}"/>
-              </a:ext>
-            </a:extLst>
-          </p:cNvPr>
-          <p:cNvSpPr/>
-          <p:nvPr/>
-        </p:nvSpPr>
-        <p:spPr>
-          <a:xfrm>
-            <a:off x="-1" y="6325643"/>
-            <a:ext cx="10796955" cy="532357"/>
-          </a:xfrm>
-          <a:prstGeom prst="rect">
-            <a:avLst/>
-          </a:prstGeom>
-          <a:solidFill>
-            <a:srgbClr val="0F406B"/>
-          </a:solidFill>
-          <a:ln>
-            <a:noFill/>
-          </a:ln>
-        </p:spPr>
-        <p:style>
-          <a:lnRef idx="2">
-            <a:schemeClr val="accent1">
-              <a:shade val="50000"/>
-            </a:schemeClr>
-          </a:lnRef>
-          <a:fillRef idx="1">
-            <a:schemeClr val="accent1"/>
-          </a:fillRef>
-          <a:effectRef idx="0">
-            <a:schemeClr val="accent1"/>
-          </a:effectRef>
-          <a:fontRef idx="minor">
-            <a:schemeClr val="lt1"/>
-          </a:fontRef>
-        </p:style>
-        <p:txBody>
-          <a:bodyPr rtlCol="0" anchor="ctr"/>
-          <a:lstStyle/>
-          <a:p>
-            <a:pPr algn="r"/>
-            <a:r>
-              <a:rPr lang="it-IT" sz="2000" cap="small" dirty="0">
-                <a:latin typeface="Times New Roman" panose="02020603050405020304" pitchFamily="18" charset="0"/>
-                <a:cs typeface="Times New Roman" panose="02020603050405020304" pitchFamily="18" charset="0"/>
-              </a:rPr>
-              <a:t>Università di Pisa</a:t>
-            </a:r>
-          </a:p>
-        </p:txBody>
-      </p:sp>
-      <p:sp>
-        <p:nvSpPr>
-          <p:cNvPr id="13" name="CasellaDiTesto 12">
-            <a:extLst>
-              <a:ext uri="{FF2B5EF4-FFF2-40B4-BE49-F238E27FC236}">
-                <a16:creationId xmlns:a16="http://schemas.microsoft.com/office/drawing/2014/main" id="{79CA0111-6699-4A05-93E4-F380E6BCEBDC}"/>
-              </a:ext>
-            </a:extLst>
-          </p:cNvPr>
-          <p:cNvSpPr txBox="1"/>
-          <p:nvPr/>
-        </p:nvSpPr>
-        <p:spPr>
-          <a:xfrm>
-            <a:off x="61781" y="6437933"/>
-            <a:ext cx="7912843" cy="307777"/>
-          </a:xfrm>
-          <a:prstGeom prst="rect">
-            <a:avLst/>
-          </a:prstGeom>
-          <a:noFill/>
-        </p:spPr>
-        <p:txBody>
-          <a:bodyPr wrap="square" rtlCol="0">
-            <a:spAutoFit/>
-          </a:bodyPr>
-          <a:lstStyle/>
-          <a:p>
-            <a:r>
-              <a:rPr lang="it-IT" sz="1400" dirty="0">
-                <a:solidFill>
-                  <a:schemeClr val="bg1"/>
-                </a:solidFill>
-              </a:rPr>
-              <a:t>Carlo Mazzanti | Andrea Migliore</a:t>
-            </a:r>
-          </a:p>
-        </p:txBody>
-      </p:sp>
-      <p:pic>
-        <p:nvPicPr>
-          <p:cNvPr id="15" name="Elemento grafico 14">
-            <a:extLst>
-              <a:ext uri="{FF2B5EF4-FFF2-40B4-BE49-F238E27FC236}">
-                <a16:creationId xmlns:a16="http://schemas.microsoft.com/office/drawing/2014/main" id="{187B2B7B-BBC9-452E-BAFF-74650AE5FDB9}"/>
-              </a:ext>
-            </a:extLst>
-          </p:cNvPr>
-          <p:cNvPicPr>
-            <a:picLocks noChangeAspect="1"/>
-          </p:cNvPicPr>
-          <p:nvPr/>
-        </p:nvPicPr>
-        <p:blipFill>
-          <a:blip r:embed="rId2">
-            <a:extLst>
-              <a:ext uri="{28A0092B-C50C-407E-A947-70E740481C1C}">
-                <a14:useLocalDpi xmlns:a14="http://schemas.microsoft.com/office/drawing/2010/main" val="0"/>
-              </a:ext>
-              <a:ext uri="{96DAC541-7B7A-43D3-8B79-37D633B846F1}">
-                <asvg:svgBlip xmlns:asvg="http://schemas.microsoft.com/office/drawing/2016/SVG/main" r:embed="rId3"/>
-              </a:ext>
-            </a:extLst>
-          </a:blip>
-          <a:stretch>
-            <a:fillRect/>
-          </a:stretch>
-        </p:blipFill>
-        <p:spPr>
-          <a:xfrm>
-            <a:off x="11457860" y="6385223"/>
-            <a:ext cx="420548" cy="420548"/>
-          </a:xfrm>
-          <a:prstGeom prst="rect">
-            <a:avLst/>
-          </a:prstGeom>
-        </p:spPr>
-      </p:pic>
-      <p:sp>
-        <p:nvSpPr>
-          <p:cNvPr id="10" name="CasellaDiTesto 9">
-            <a:extLst>
-              <a:ext uri="{FF2B5EF4-FFF2-40B4-BE49-F238E27FC236}">
-                <a16:creationId xmlns:a16="http://schemas.microsoft.com/office/drawing/2014/main" id="{9A1699D1-9425-4B7D-A4BF-16E41F08BDF7}"/>
-              </a:ext>
-            </a:extLst>
-          </p:cNvPr>
-          <p:cNvSpPr txBox="1"/>
-          <p:nvPr/>
-        </p:nvSpPr>
-        <p:spPr>
-          <a:xfrm>
-            <a:off x="330375" y="231466"/>
-            <a:ext cx="4862998" cy="646331"/>
-          </a:xfrm>
-          <a:prstGeom prst="rect">
-            <a:avLst/>
-          </a:prstGeom>
-          <a:noFill/>
-        </p:spPr>
-        <p:txBody>
-          <a:bodyPr wrap="none" rtlCol="0">
-            <a:spAutoFit/>
-          </a:bodyPr>
-          <a:lstStyle/>
-          <a:p>
-            <a:r>
-              <a:rPr lang="en-US" sz="3600" b="1" dirty="0"/>
-              <a:t>1st Version Performance</a:t>
-            </a:r>
-          </a:p>
-        </p:txBody>
-      </p:sp>
-    </p:spTree>
-    <p:extLst>
-      <p:ext uri="{BB962C8B-B14F-4D97-AF65-F5344CB8AC3E}">
-        <p14:creationId xmlns:p14="http://schemas.microsoft.com/office/powerpoint/2010/main" val="924009128"/>
-      </p:ext>
-    </p:extLst>
-  </p:cSld>
-  <p:clrMapOvr>
-    <a:masterClrMapping/>
-  </p:clrMapOvr>
-</p:sld>
-</file>
-
 <file path=ppt/theme/theme1.xml><?xml version="1.0" encoding="utf-8"?>
 <a:theme xmlns:a="http://schemas.openxmlformats.org/drawingml/2006/main" name="Tema di Office">
   <a:themeElements>
